--- a/src/main/webapp/KES AngularJS - 19112014.pptx
+++ b/src/main/webapp/KES AngularJS - 19112014.pptx
@@ -10,20 +10,20 @@
   <p:sldIdLst>
     <p:sldId id="256" r:id="rId2"/>
     <p:sldId id="257" r:id="rId3"/>
-    <p:sldId id="258" r:id="rId4"/>
-    <p:sldId id="259" r:id="rId5"/>
-    <p:sldId id="260" r:id="rId6"/>
-    <p:sldId id="261" r:id="rId7"/>
-    <p:sldId id="262" r:id="rId8"/>
-    <p:sldId id="263" r:id="rId9"/>
-    <p:sldId id="264" r:id="rId10"/>
-    <p:sldId id="265" r:id="rId11"/>
-    <p:sldId id="266" r:id="rId12"/>
-    <p:sldId id="267" r:id="rId13"/>
-    <p:sldId id="268" r:id="rId14"/>
-    <p:sldId id="269" r:id="rId15"/>
-    <p:sldId id="270" r:id="rId16"/>
-    <p:sldId id="271" r:id="rId17"/>
+    <p:sldId id="259" r:id="rId4"/>
+    <p:sldId id="260" r:id="rId5"/>
+    <p:sldId id="261" r:id="rId6"/>
+    <p:sldId id="280" r:id="rId7"/>
+    <p:sldId id="281" r:id="rId8"/>
+    <p:sldId id="282" r:id="rId9"/>
+    <p:sldId id="262" r:id="rId10"/>
+    <p:sldId id="267" r:id="rId11"/>
+    <p:sldId id="268" r:id="rId12"/>
+    <p:sldId id="263" r:id="rId13"/>
+    <p:sldId id="264" r:id="rId14"/>
+    <p:sldId id="265" r:id="rId15"/>
+    <p:sldId id="266" r:id="rId16"/>
+    <p:sldId id="269" r:id="rId17"/>
     <p:sldId id="272" r:id="rId18"/>
     <p:sldId id="273" r:id="rId19"/>
     <p:sldId id="274" r:id="rId20"/>
@@ -246,6 +246,11 @@
       </a:defRPr>
     </a:lvl9pPr>
   </p:defaultTextStyle>
+  <p:extLst>
+    <p:ext uri="{EFAFB233-063F-42B5-8137-9DF3F51BA10A}">
+      <p15:sldGuideLst xmlns:p15="http://schemas.microsoft.com/office/powerpoint/2012/main"/>
+    </p:ext>
+  </p:extLst>
 </p:presentation>
 </file>
 
@@ -604,13 +609,220 @@
           </a:bodyPr>
           <a:lstStyle/>
           <a:p>
-            <a:pPr>
-              <a:spcBef>
-                <a:spcPts val="0"/>
-              </a:spcBef>
-              <a:buNone/>
-            </a:pPr>
-            <a:endParaRPr/>
+            <a:pPr lvl="0" rtl="0">
+              <a:spcBef>
+                <a:spcPts val="0"/>
+              </a:spcBef>
+              <a:buClr>
+                <a:schemeClr val="dk1"/>
+              </a:buClr>
+              <a:buSzPct val="36666"/>
+              <a:buFont typeface="Arial"/>
+              <a:buNone/>
+            </a:pPr>
+            <a:r>
+              <a:rPr lang="nl-NL" b="1" dirty="0" smtClean="0"/>
+              <a:t>Opzet</a:t>
+            </a:r>
+            <a:r>
+              <a:rPr lang="nl-NL" b="1" baseline="0" dirty="0" smtClean="0"/>
+              <a:t> </a:t>
+            </a:r>
+            <a:r>
+              <a:rPr lang="nl-NL" b="1" baseline="0" dirty="0" err="1" smtClean="0"/>
+              <a:t>DIA’s</a:t>
+            </a:r>
+            <a:endParaRPr lang="nl-NL" b="1" dirty="0" smtClean="0"/>
+          </a:p>
+          <a:p>
+            <a:pPr marL="457200" lvl="0" indent="-419100" rtl="0">
+              <a:spcBef>
+                <a:spcPts val="0"/>
+              </a:spcBef>
+              <a:buClr>
+                <a:schemeClr val="dk2"/>
+              </a:buClr>
+              <a:buSzPct val="100000"/>
+              <a:buFont typeface="Arial"/>
+              <a:buChar char="●"/>
+            </a:pPr>
+            <a:r>
+              <a:rPr lang="nl-NL" dirty="0" smtClean="0"/>
+              <a:t>Doel</a:t>
+            </a:r>
+          </a:p>
+          <a:p>
+            <a:pPr marL="457200" lvl="0" indent="-419100" rtl="0">
+              <a:spcBef>
+                <a:spcPts val="0"/>
+              </a:spcBef>
+              <a:buClr>
+                <a:schemeClr val="dk2"/>
+              </a:buClr>
+              <a:buSzPct val="100000"/>
+              <a:buFont typeface="Arial"/>
+              <a:buChar char="●"/>
+            </a:pPr>
+            <a:r>
+              <a:rPr lang="nl-NL" dirty="0" smtClean="0"/>
+              <a:t>Voorbeeld</a:t>
+            </a:r>
+          </a:p>
+          <a:p>
+            <a:pPr marL="457200" lvl="0" indent="-419100" rtl="0">
+              <a:spcBef>
+                <a:spcPts val="0"/>
+              </a:spcBef>
+              <a:buClr>
+                <a:schemeClr val="dk2"/>
+              </a:buClr>
+              <a:buSzPct val="100000"/>
+              <a:buFont typeface="Arial"/>
+              <a:buChar char="●"/>
+            </a:pPr>
+            <a:r>
+              <a:rPr lang="nl-NL" dirty="0" smtClean="0"/>
+              <a:t>Code</a:t>
+            </a:r>
+          </a:p>
+          <a:p>
+            <a:pPr marL="457200" lvl="0" indent="-419100" rtl="0">
+              <a:spcBef>
+                <a:spcPts val="0"/>
+              </a:spcBef>
+              <a:buClr>
+                <a:schemeClr val="dk2"/>
+              </a:buClr>
+              <a:buSzPct val="100000"/>
+              <a:buFont typeface="Arial"/>
+              <a:buChar char="●"/>
+            </a:pPr>
+            <a:r>
+              <a:rPr lang="nl-NL" dirty="0" smtClean="0"/>
+              <a:t>Begripsverwarring</a:t>
+            </a:r>
+          </a:p>
+          <a:p>
+            <a:pPr marL="457200" lvl="0" indent="-419100" rtl="0">
+              <a:spcBef>
+                <a:spcPts val="0"/>
+              </a:spcBef>
+              <a:buClr>
+                <a:schemeClr val="dk2"/>
+              </a:buClr>
+              <a:buSzPct val="100000"/>
+              <a:buFont typeface="Arial"/>
+              <a:buChar char="●"/>
+            </a:pPr>
+            <a:r>
+              <a:rPr lang="nl-NL" dirty="0" smtClean="0"/>
+              <a:t>Demo per topic</a:t>
+            </a:r>
+          </a:p>
+          <a:p>
+            <a:pPr marL="457200" lvl="0" indent="-419100" rtl="0">
+              <a:spcBef>
+                <a:spcPts val="0"/>
+              </a:spcBef>
+              <a:buClr>
+                <a:schemeClr val="dk2"/>
+              </a:buClr>
+              <a:buSzPct val="100000"/>
+              <a:buFont typeface="Arial"/>
+              <a:buChar char="●"/>
+            </a:pPr>
+            <a:endParaRPr lang="nl-NL" dirty="0" smtClean="0"/>
+          </a:p>
+          <a:p>
+            <a:pPr rtl="0">
+              <a:spcBef>
+                <a:spcPts val="0"/>
+              </a:spcBef>
+              <a:buNone/>
+            </a:pPr>
+            <a:r>
+              <a:rPr lang="nl" sz="1100" b="1" dirty="0" smtClean="0"/>
+              <a:t>PRESENTATIE 	</a:t>
+            </a:r>
+            <a:r>
+              <a:rPr lang="nl" sz="1100" u="sng" dirty="0" smtClean="0">
+                <a:solidFill>
+                  <a:schemeClr val="hlink"/>
+                </a:solidFill>
+                <a:hlinkClick r:id="rId3"/>
+              </a:rPr>
+              <a:t>https://docs.google.com/presentation/d/1PgW0y9sg8tbLYrO5cXRVwepdYFZ_dxV3qb6kTOyt5Ec/edit#slide=id.g46b77f51_0_78</a:t>
+            </a:r>
+            <a:r>
+              <a:rPr lang="nl" sz="1100" dirty="0" smtClean="0"/>
+              <a:t> </a:t>
+            </a:r>
+          </a:p>
+          <a:p>
+            <a:pPr rtl="0">
+              <a:spcBef>
+                <a:spcPts val="0"/>
+              </a:spcBef>
+              <a:buNone/>
+            </a:pPr>
+            <a:r>
+              <a:rPr lang="nl" sz="1100" b="1" dirty="0" smtClean="0"/>
+              <a:t>THINKSTER</a:t>
+            </a:r>
+            <a:r>
+              <a:rPr lang="nl" sz="1100" b="1" baseline="0" dirty="0" smtClean="0"/>
+              <a:t> 		</a:t>
+            </a:r>
+            <a:r>
+              <a:rPr lang="nl" sz="1100" u="sng" dirty="0" smtClean="0">
+                <a:solidFill>
+                  <a:schemeClr val="hlink"/>
+                </a:solidFill>
+                <a:hlinkClick r:id="rId4"/>
+              </a:rPr>
+              <a:t>https://thinkster.io/angulartutorial/a-better-way-to-learn-angularjs/</a:t>
+            </a:r>
+          </a:p>
+          <a:p>
+            <a:pPr rtl="0">
+              <a:spcBef>
+                <a:spcPts val="0"/>
+              </a:spcBef>
+              <a:buNone/>
+            </a:pPr>
+            <a:r>
+              <a:rPr lang="nl" sz="1100" b="1" dirty="0" smtClean="0"/>
+              <a:t>EXTRA</a:t>
+            </a:r>
+            <a:r>
+              <a:rPr lang="nl" sz="1100" b="1" baseline="0" dirty="0" smtClean="0"/>
+              <a:t> 		</a:t>
+            </a:r>
+            <a:r>
+              <a:rPr lang="nl" sz="1100" u="sng" dirty="0" smtClean="0">
+                <a:solidFill>
+                  <a:schemeClr val="hlink"/>
+                </a:solidFill>
+              </a:rPr>
+              <a:t>http://www.slideshare.net/sbegaudeau/angular-js-101-everything-you-need-to-know-to-get-started</a:t>
+            </a:r>
+          </a:p>
+          <a:p>
+            <a:pPr rtl="0">
+              <a:spcBef>
+                <a:spcPts val="0"/>
+              </a:spcBef>
+              <a:buNone/>
+            </a:pPr>
+            <a:r>
+              <a:rPr lang="nl-NL" b="1" dirty="0" smtClean="0"/>
+              <a:t>WHY</a:t>
+            </a:r>
+            <a:r>
+              <a:rPr lang="nl-NL" b="0" dirty="0" smtClean="0"/>
+              <a:t>		http://www.sitepoint.com/10-reasons-use-angularjs/</a:t>
+            </a:r>
+            <a:endParaRPr lang="nl-NL" b="1" dirty="0" smtClean="0"/>
           </a:p>
         </p:txBody>
       </p:sp>
@@ -628,238 +840,6 @@
 </file>
 
 <file path=ppt/notesSlides/notesSlide10.xml><?xml version="1.0" encoding="utf-8"?>
-<p:notes xmlns:a="http://schemas.openxmlformats.org/drawingml/2006/main" xmlns:r="http://schemas.openxmlformats.org/officeDocument/2006/relationships" xmlns:p="http://schemas.openxmlformats.org/presentationml/2006/main" showMasterSp="0" showMasterPhAnim="0">
-  <p:cSld>
-    <p:spTree>
-      <p:nvGrpSpPr>
-        <p:cNvPr id="1" name="Shape 85"/>
-        <p:cNvGrpSpPr/>
-        <p:nvPr/>
-      </p:nvGrpSpPr>
-      <p:grpSpPr>
-        <a:xfrm>
-          <a:off x="0" y="0"/>
-          <a:ext cx="0" cy="0"/>
-          <a:chOff x="0" y="0"/>
-          <a:chExt cx="0" cy="0"/>
-        </a:xfrm>
-      </p:grpSpPr>
-      <p:sp>
-        <p:nvSpPr>
-          <p:cNvPr id="86" name="Shape 86"/>
-          <p:cNvSpPr>
-            <a:spLocks noGrp="1" noRot="1" noChangeAspect="1"/>
-          </p:cNvSpPr>
-          <p:nvPr>
-            <p:ph type="sldImg" idx="2"/>
-          </p:nvPr>
-        </p:nvSpPr>
-        <p:spPr>
-          <a:xfrm>
-            <a:off x="381187" y="685800"/>
-            <a:ext cx="6096299" cy="3429000"/>
-          </a:xfrm>
-          <a:custGeom>
-            <a:avLst/>
-            <a:gdLst/>
-            <a:ahLst/>
-            <a:cxnLst/>
-            <a:rect l="0" t="0" r="0" b="0"/>
-            <a:pathLst>
-              <a:path w="120000" h="120000" extrusionOk="0">
-                <a:moveTo>
-                  <a:pt x="0" y="0"/>
-                </a:moveTo>
-                <a:lnTo>
-                  <a:pt x="120000" y="0"/>
-                </a:lnTo>
-                <a:lnTo>
-                  <a:pt x="120000" y="120000"/>
-                </a:lnTo>
-                <a:lnTo>
-                  <a:pt x="0" y="120000"/>
-                </a:lnTo>
-                <a:close/>
-              </a:path>
-            </a:pathLst>
-          </a:custGeom>
-          <a:noFill/>
-          <a:ln w="9525" cap="flat">
-            <a:solidFill>
-              <a:srgbClr val="000000"/>
-            </a:solidFill>
-            <a:prstDash val="solid"/>
-            <a:round/>
-            <a:headEnd type="none" w="med" len="med"/>
-            <a:tailEnd type="none" w="med" len="med"/>
-          </a:ln>
-        </p:spPr>
-      </p:sp>
-      <p:sp>
-        <p:nvSpPr>
-          <p:cNvPr id="87" name="Shape 87"/>
-          <p:cNvSpPr txBox="1">
-            <a:spLocks noGrp="1"/>
-          </p:cNvSpPr>
-          <p:nvPr>
-            <p:ph type="body" idx="1"/>
-          </p:nvPr>
-        </p:nvSpPr>
-        <p:spPr>
-          <a:xfrm>
-            <a:off x="685800" y="4343400"/>
-            <a:ext cx="5486399" cy="4114800"/>
-          </a:xfrm>
-          <a:prstGeom prst="rect">
-            <a:avLst/>
-          </a:prstGeom>
-        </p:spPr>
-        <p:txBody>
-          <a:bodyPr lIns="91425" tIns="91425" rIns="91425" bIns="91425" anchor="t" anchorCtr="0">
-            <a:noAutofit/>
-          </a:bodyPr>
-          <a:lstStyle/>
-          <a:p>
-            <a:pPr>
-              <a:spcBef>
-                <a:spcPts val="0"/>
-              </a:spcBef>
-              <a:buNone/>
-            </a:pPr>
-            <a:endParaRPr/>
-          </a:p>
-        </p:txBody>
-      </p:sp>
-    </p:spTree>
-    <p:extLst>
-      <p:ext uri="{BB962C8B-B14F-4D97-AF65-F5344CB8AC3E}">
-        <p14:creationId xmlns:p14="http://schemas.microsoft.com/office/powerpoint/2010/main" val="4014854109"/>
-      </p:ext>
-    </p:extLst>
-  </p:cSld>
-  <p:clrMapOvr>
-    <a:masterClrMapping/>
-  </p:clrMapOvr>
-</p:notes>
-</file>
-
-<file path=ppt/notesSlides/notesSlide11.xml><?xml version="1.0" encoding="utf-8"?>
-<p:notes xmlns:a="http://schemas.openxmlformats.org/drawingml/2006/main" xmlns:r="http://schemas.openxmlformats.org/officeDocument/2006/relationships" xmlns:p="http://schemas.openxmlformats.org/presentationml/2006/main" showMasterSp="0" showMasterPhAnim="0">
-  <p:cSld>
-    <p:spTree>
-      <p:nvGrpSpPr>
-        <p:cNvPr id="1" name="Shape 91"/>
-        <p:cNvGrpSpPr/>
-        <p:nvPr/>
-      </p:nvGrpSpPr>
-      <p:grpSpPr>
-        <a:xfrm>
-          <a:off x="0" y="0"/>
-          <a:ext cx="0" cy="0"/>
-          <a:chOff x="0" y="0"/>
-          <a:chExt cx="0" cy="0"/>
-        </a:xfrm>
-      </p:grpSpPr>
-      <p:sp>
-        <p:nvSpPr>
-          <p:cNvPr id="92" name="Shape 92"/>
-          <p:cNvSpPr>
-            <a:spLocks noGrp="1" noRot="1" noChangeAspect="1"/>
-          </p:cNvSpPr>
-          <p:nvPr>
-            <p:ph type="sldImg" idx="2"/>
-          </p:nvPr>
-        </p:nvSpPr>
-        <p:spPr>
-          <a:xfrm>
-            <a:off x="381187" y="685800"/>
-            <a:ext cx="6096299" cy="3429000"/>
-          </a:xfrm>
-          <a:custGeom>
-            <a:avLst/>
-            <a:gdLst/>
-            <a:ahLst/>
-            <a:cxnLst/>
-            <a:rect l="0" t="0" r="0" b="0"/>
-            <a:pathLst>
-              <a:path w="120000" h="120000" extrusionOk="0">
-                <a:moveTo>
-                  <a:pt x="0" y="0"/>
-                </a:moveTo>
-                <a:lnTo>
-                  <a:pt x="120000" y="0"/>
-                </a:lnTo>
-                <a:lnTo>
-                  <a:pt x="120000" y="120000"/>
-                </a:lnTo>
-                <a:lnTo>
-                  <a:pt x="0" y="120000"/>
-                </a:lnTo>
-                <a:close/>
-              </a:path>
-            </a:pathLst>
-          </a:custGeom>
-          <a:noFill/>
-          <a:ln w="9525" cap="flat">
-            <a:solidFill>
-              <a:srgbClr val="000000"/>
-            </a:solidFill>
-            <a:prstDash val="solid"/>
-            <a:round/>
-            <a:headEnd type="none" w="med" len="med"/>
-            <a:tailEnd type="none" w="med" len="med"/>
-          </a:ln>
-        </p:spPr>
-      </p:sp>
-      <p:sp>
-        <p:nvSpPr>
-          <p:cNvPr id="93" name="Shape 93"/>
-          <p:cNvSpPr txBox="1">
-            <a:spLocks noGrp="1"/>
-          </p:cNvSpPr>
-          <p:nvPr>
-            <p:ph type="body" idx="1"/>
-          </p:nvPr>
-        </p:nvSpPr>
-        <p:spPr>
-          <a:xfrm>
-            <a:off x="685800" y="4343400"/>
-            <a:ext cx="5486399" cy="4114800"/>
-          </a:xfrm>
-          <a:prstGeom prst="rect">
-            <a:avLst/>
-          </a:prstGeom>
-        </p:spPr>
-        <p:txBody>
-          <a:bodyPr lIns="91425" tIns="91425" rIns="91425" bIns="91425" anchor="t" anchorCtr="0">
-            <a:noAutofit/>
-          </a:bodyPr>
-          <a:lstStyle/>
-          <a:p>
-            <a:pPr>
-              <a:spcBef>
-                <a:spcPts val="0"/>
-              </a:spcBef>
-              <a:buNone/>
-            </a:pPr>
-            <a:endParaRPr/>
-          </a:p>
-        </p:txBody>
-      </p:sp>
-    </p:spTree>
-    <p:extLst>
-      <p:ext uri="{BB962C8B-B14F-4D97-AF65-F5344CB8AC3E}">
-        <p14:creationId xmlns:p14="http://schemas.microsoft.com/office/powerpoint/2010/main" val="262775238"/>
-      </p:ext>
-    </p:extLst>
-  </p:cSld>
-  <p:clrMapOvr>
-    <a:masterClrMapping/>
-  </p:clrMapOvr>
-</p:notes>
-</file>
-
-<file path=ppt/notesSlides/notesSlide12.xml><?xml version="1.0" encoding="utf-8"?>
 <p:notes xmlns:a="http://schemas.openxmlformats.org/drawingml/2006/main" xmlns:r="http://schemas.openxmlformats.org/officeDocument/2006/relationships" xmlns:p="http://schemas.openxmlformats.org/presentationml/2006/main" showMasterSp="0" showMasterPhAnim="0">
   <p:cSld>
     <p:spTree>
@@ -975,7 +955,7 @@
 </p:notes>
 </file>
 
-<file path=ppt/notesSlides/notesSlide13.xml><?xml version="1.0" encoding="utf-8"?>
+<file path=ppt/notesSlides/notesSlide11.xml><?xml version="1.0" encoding="utf-8"?>
 <p:notes xmlns:a="http://schemas.openxmlformats.org/drawingml/2006/main" xmlns:r="http://schemas.openxmlformats.org/officeDocument/2006/relationships" xmlns:p="http://schemas.openxmlformats.org/presentationml/2006/main" showMasterSp="0" showMasterPhAnim="0">
   <p:cSld>
     <p:spTree>
@@ -1091,7 +1071,471 @@
 </p:notes>
 </file>
 
+<file path=ppt/notesSlides/notesSlide12.xml><?xml version="1.0" encoding="utf-8"?>
+<p:notes xmlns:a="http://schemas.openxmlformats.org/drawingml/2006/main" xmlns:r="http://schemas.openxmlformats.org/officeDocument/2006/relationships" xmlns:p="http://schemas.openxmlformats.org/presentationml/2006/main" showMasterSp="0" showMasterPhAnim="0">
+  <p:cSld>
+    <p:spTree>
+      <p:nvGrpSpPr>
+        <p:cNvPr id="1" name="Shape 73"/>
+        <p:cNvGrpSpPr/>
+        <p:nvPr/>
+      </p:nvGrpSpPr>
+      <p:grpSpPr>
+        <a:xfrm>
+          <a:off x="0" y="0"/>
+          <a:ext cx="0" cy="0"/>
+          <a:chOff x="0" y="0"/>
+          <a:chExt cx="0" cy="0"/>
+        </a:xfrm>
+      </p:grpSpPr>
+      <p:sp>
+        <p:nvSpPr>
+          <p:cNvPr id="74" name="Shape 74"/>
+          <p:cNvSpPr>
+            <a:spLocks noGrp="1" noRot="1" noChangeAspect="1"/>
+          </p:cNvSpPr>
+          <p:nvPr>
+            <p:ph type="sldImg" idx="2"/>
+          </p:nvPr>
+        </p:nvSpPr>
+        <p:spPr>
+          <a:xfrm>
+            <a:off x="381000" y="685800"/>
+            <a:ext cx="6096000" cy="3429000"/>
+          </a:xfrm>
+          <a:custGeom>
+            <a:avLst/>
+            <a:gdLst/>
+            <a:ahLst/>
+            <a:cxnLst/>
+            <a:rect l="0" t="0" r="0" b="0"/>
+            <a:pathLst>
+              <a:path w="120000" h="120000" extrusionOk="0">
+                <a:moveTo>
+                  <a:pt x="0" y="0"/>
+                </a:moveTo>
+                <a:lnTo>
+                  <a:pt x="120000" y="0"/>
+                </a:lnTo>
+                <a:lnTo>
+                  <a:pt x="120000" y="120000"/>
+                </a:lnTo>
+                <a:lnTo>
+                  <a:pt x="0" y="120000"/>
+                </a:lnTo>
+                <a:close/>
+              </a:path>
+            </a:pathLst>
+          </a:custGeom>
+          <a:noFill/>
+          <a:ln w="9525" cap="flat">
+            <a:solidFill>
+              <a:srgbClr val="000000"/>
+            </a:solidFill>
+            <a:prstDash val="solid"/>
+            <a:round/>
+            <a:headEnd type="none" w="med" len="med"/>
+            <a:tailEnd type="none" w="med" len="med"/>
+          </a:ln>
+        </p:spPr>
+      </p:sp>
+      <p:sp>
+        <p:nvSpPr>
+          <p:cNvPr id="75" name="Shape 75"/>
+          <p:cNvSpPr txBox="1">
+            <a:spLocks noGrp="1"/>
+          </p:cNvSpPr>
+          <p:nvPr>
+            <p:ph type="body" idx="1"/>
+          </p:nvPr>
+        </p:nvSpPr>
+        <p:spPr>
+          <a:xfrm>
+            <a:off x="685800" y="4343400"/>
+            <a:ext cx="5486399" cy="4114800"/>
+          </a:xfrm>
+          <a:prstGeom prst="rect">
+            <a:avLst/>
+          </a:prstGeom>
+        </p:spPr>
+        <p:txBody>
+          <a:bodyPr lIns="91425" tIns="91425" rIns="91425" bIns="91425" anchor="t" anchorCtr="0">
+            <a:noAutofit/>
+          </a:bodyPr>
+          <a:lstStyle/>
+          <a:p>
+            <a:pPr>
+              <a:spcBef>
+                <a:spcPts val="0"/>
+              </a:spcBef>
+              <a:buNone/>
+            </a:pPr>
+            <a:endParaRPr/>
+          </a:p>
+        </p:txBody>
+      </p:sp>
+    </p:spTree>
+    <p:extLst>
+      <p:ext uri="{BB962C8B-B14F-4D97-AF65-F5344CB8AC3E}">
+        <p14:creationId xmlns:p14="http://schemas.microsoft.com/office/powerpoint/2010/main" val="2338854195"/>
+      </p:ext>
+    </p:extLst>
+  </p:cSld>
+  <p:clrMapOvr>
+    <a:masterClrMapping/>
+  </p:clrMapOvr>
+</p:notes>
+</file>
+
+<file path=ppt/notesSlides/notesSlide13.xml><?xml version="1.0" encoding="utf-8"?>
+<p:notes xmlns:a="http://schemas.openxmlformats.org/drawingml/2006/main" xmlns:r="http://schemas.openxmlformats.org/officeDocument/2006/relationships" xmlns:p="http://schemas.openxmlformats.org/presentationml/2006/main" showMasterSp="0" showMasterPhAnim="0">
+  <p:cSld>
+    <p:spTree>
+      <p:nvGrpSpPr>
+        <p:cNvPr id="1" name="Shape 79"/>
+        <p:cNvGrpSpPr/>
+        <p:nvPr/>
+      </p:nvGrpSpPr>
+      <p:grpSpPr>
+        <a:xfrm>
+          <a:off x="0" y="0"/>
+          <a:ext cx="0" cy="0"/>
+          <a:chOff x="0" y="0"/>
+          <a:chExt cx="0" cy="0"/>
+        </a:xfrm>
+      </p:grpSpPr>
+      <p:sp>
+        <p:nvSpPr>
+          <p:cNvPr id="80" name="Shape 80"/>
+          <p:cNvSpPr>
+            <a:spLocks noGrp="1" noRot="1" noChangeAspect="1"/>
+          </p:cNvSpPr>
+          <p:nvPr>
+            <p:ph type="sldImg" idx="2"/>
+          </p:nvPr>
+        </p:nvSpPr>
+        <p:spPr>
+          <a:xfrm>
+            <a:off x="381000" y="685800"/>
+            <a:ext cx="6096000" cy="3429000"/>
+          </a:xfrm>
+          <a:custGeom>
+            <a:avLst/>
+            <a:gdLst/>
+            <a:ahLst/>
+            <a:cxnLst/>
+            <a:rect l="0" t="0" r="0" b="0"/>
+            <a:pathLst>
+              <a:path w="120000" h="120000" extrusionOk="0">
+                <a:moveTo>
+                  <a:pt x="0" y="0"/>
+                </a:moveTo>
+                <a:lnTo>
+                  <a:pt x="120000" y="0"/>
+                </a:lnTo>
+                <a:lnTo>
+                  <a:pt x="120000" y="120000"/>
+                </a:lnTo>
+                <a:lnTo>
+                  <a:pt x="0" y="120000"/>
+                </a:lnTo>
+                <a:close/>
+              </a:path>
+            </a:pathLst>
+          </a:custGeom>
+          <a:noFill/>
+          <a:ln w="9525" cap="flat">
+            <a:solidFill>
+              <a:srgbClr val="000000"/>
+            </a:solidFill>
+            <a:prstDash val="solid"/>
+            <a:round/>
+            <a:headEnd type="none" w="med" len="med"/>
+            <a:tailEnd type="none" w="med" len="med"/>
+          </a:ln>
+        </p:spPr>
+      </p:sp>
+      <p:sp>
+        <p:nvSpPr>
+          <p:cNvPr id="81" name="Shape 81"/>
+          <p:cNvSpPr txBox="1">
+            <a:spLocks noGrp="1"/>
+          </p:cNvSpPr>
+          <p:nvPr>
+            <p:ph type="body" idx="1"/>
+          </p:nvPr>
+        </p:nvSpPr>
+        <p:spPr>
+          <a:xfrm>
+            <a:off x="685800" y="4343400"/>
+            <a:ext cx="5486399" cy="4114800"/>
+          </a:xfrm>
+          <a:prstGeom prst="rect">
+            <a:avLst/>
+          </a:prstGeom>
+        </p:spPr>
+        <p:txBody>
+          <a:bodyPr lIns="91425" tIns="91425" rIns="91425" bIns="91425" anchor="t" anchorCtr="0">
+            <a:noAutofit/>
+          </a:bodyPr>
+          <a:lstStyle/>
+          <a:p>
+            <a:pPr>
+              <a:spcBef>
+                <a:spcPts val="0"/>
+              </a:spcBef>
+              <a:buNone/>
+            </a:pPr>
+            <a:endParaRPr/>
+          </a:p>
+        </p:txBody>
+      </p:sp>
+    </p:spTree>
+    <p:extLst>
+      <p:ext uri="{BB962C8B-B14F-4D97-AF65-F5344CB8AC3E}">
+        <p14:creationId xmlns:p14="http://schemas.microsoft.com/office/powerpoint/2010/main" val="856486270"/>
+      </p:ext>
+    </p:extLst>
+  </p:cSld>
+  <p:clrMapOvr>
+    <a:masterClrMapping/>
+  </p:clrMapOvr>
+</p:notes>
+</file>
+
 <file path=ppt/notesSlides/notesSlide14.xml><?xml version="1.0" encoding="utf-8"?>
+<p:notes xmlns:a="http://schemas.openxmlformats.org/drawingml/2006/main" xmlns:r="http://schemas.openxmlformats.org/officeDocument/2006/relationships" xmlns:p="http://schemas.openxmlformats.org/presentationml/2006/main" showMasterSp="0" showMasterPhAnim="0">
+  <p:cSld>
+    <p:spTree>
+      <p:nvGrpSpPr>
+        <p:cNvPr id="1" name="Shape 85"/>
+        <p:cNvGrpSpPr/>
+        <p:nvPr/>
+      </p:nvGrpSpPr>
+      <p:grpSpPr>
+        <a:xfrm>
+          <a:off x="0" y="0"/>
+          <a:ext cx="0" cy="0"/>
+          <a:chOff x="0" y="0"/>
+          <a:chExt cx="0" cy="0"/>
+        </a:xfrm>
+      </p:grpSpPr>
+      <p:sp>
+        <p:nvSpPr>
+          <p:cNvPr id="86" name="Shape 86"/>
+          <p:cNvSpPr>
+            <a:spLocks noGrp="1" noRot="1" noChangeAspect="1"/>
+          </p:cNvSpPr>
+          <p:nvPr>
+            <p:ph type="sldImg" idx="2"/>
+          </p:nvPr>
+        </p:nvSpPr>
+        <p:spPr>
+          <a:xfrm>
+            <a:off x="381000" y="685800"/>
+            <a:ext cx="6096000" cy="3429000"/>
+          </a:xfrm>
+          <a:custGeom>
+            <a:avLst/>
+            <a:gdLst/>
+            <a:ahLst/>
+            <a:cxnLst/>
+            <a:rect l="0" t="0" r="0" b="0"/>
+            <a:pathLst>
+              <a:path w="120000" h="120000" extrusionOk="0">
+                <a:moveTo>
+                  <a:pt x="0" y="0"/>
+                </a:moveTo>
+                <a:lnTo>
+                  <a:pt x="120000" y="0"/>
+                </a:lnTo>
+                <a:lnTo>
+                  <a:pt x="120000" y="120000"/>
+                </a:lnTo>
+                <a:lnTo>
+                  <a:pt x="0" y="120000"/>
+                </a:lnTo>
+                <a:close/>
+              </a:path>
+            </a:pathLst>
+          </a:custGeom>
+          <a:noFill/>
+          <a:ln w="9525" cap="flat">
+            <a:solidFill>
+              <a:srgbClr val="000000"/>
+            </a:solidFill>
+            <a:prstDash val="solid"/>
+            <a:round/>
+            <a:headEnd type="none" w="med" len="med"/>
+            <a:tailEnd type="none" w="med" len="med"/>
+          </a:ln>
+        </p:spPr>
+      </p:sp>
+      <p:sp>
+        <p:nvSpPr>
+          <p:cNvPr id="87" name="Shape 87"/>
+          <p:cNvSpPr txBox="1">
+            <a:spLocks noGrp="1"/>
+          </p:cNvSpPr>
+          <p:nvPr>
+            <p:ph type="body" idx="1"/>
+          </p:nvPr>
+        </p:nvSpPr>
+        <p:spPr>
+          <a:xfrm>
+            <a:off x="685800" y="4343400"/>
+            <a:ext cx="5486399" cy="4114800"/>
+          </a:xfrm>
+          <a:prstGeom prst="rect">
+            <a:avLst/>
+          </a:prstGeom>
+        </p:spPr>
+        <p:txBody>
+          <a:bodyPr lIns="91425" tIns="91425" rIns="91425" bIns="91425" anchor="t" anchorCtr="0">
+            <a:noAutofit/>
+          </a:bodyPr>
+          <a:lstStyle/>
+          <a:p>
+            <a:pPr>
+              <a:spcBef>
+                <a:spcPts val="0"/>
+              </a:spcBef>
+              <a:buNone/>
+            </a:pPr>
+            <a:endParaRPr/>
+          </a:p>
+        </p:txBody>
+      </p:sp>
+    </p:spTree>
+    <p:extLst>
+      <p:ext uri="{BB962C8B-B14F-4D97-AF65-F5344CB8AC3E}">
+        <p14:creationId xmlns:p14="http://schemas.microsoft.com/office/powerpoint/2010/main" val="4014854109"/>
+      </p:ext>
+    </p:extLst>
+  </p:cSld>
+  <p:clrMapOvr>
+    <a:masterClrMapping/>
+  </p:clrMapOvr>
+</p:notes>
+</file>
+
+<file path=ppt/notesSlides/notesSlide15.xml><?xml version="1.0" encoding="utf-8"?>
+<p:notes xmlns:a="http://schemas.openxmlformats.org/drawingml/2006/main" xmlns:r="http://schemas.openxmlformats.org/officeDocument/2006/relationships" xmlns:p="http://schemas.openxmlformats.org/presentationml/2006/main" showMasterSp="0" showMasterPhAnim="0">
+  <p:cSld>
+    <p:spTree>
+      <p:nvGrpSpPr>
+        <p:cNvPr id="1" name="Shape 91"/>
+        <p:cNvGrpSpPr/>
+        <p:nvPr/>
+      </p:nvGrpSpPr>
+      <p:grpSpPr>
+        <a:xfrm>
+          <a:off x="0" y="0"/>
+          <a:ext cx="0" cy="0"/>
+          <a:chOff x="0" y="0"/>
+          <a:chExt cx="0" cy="0"/>
+        </a:xfrm>
+      </p:grpSpPr>
+      <p:sp>
+        <p:nvSpPr>
+          <p:cNvPr id="92" name="Shape 92"/>
+          <p:cNvSpPr>
+            <a:spLocks noGrp="1" noRot="1" noChangeAspect="1"/>
+          </p:cNvSpPr>
+          <p:nvPr>
+            <p:ph type="sldImg" idx="2"/>
+          </p:nvPr>
+        </p:nvSpPr>
+        <p:spPr>
+          <a:xfrm>
+            <a:off x="381000" y="685800"/>
+            <a:ext cx="6096000" cy="3429000"/>
+          </a:xfrm>
+          <a:custGeom>
+            <a:avLst/>
+            <a:gdLst/>
+            <a:ahLst/>
+            <a:cxnLst/>
+            <a:rect l="0" t="0" r="0" b="0"/>
+            <a:pathLst>
+              <a:path w="120000" h="120000" extrusionOk="0">
+                <a:moveTo>
+                  <a:pt x="0" y="0"/>
+                </a:moveTo>
+                <a:lnTo>
+                  <a:pt x="120000" y="0"/>
+                </a:lnTo>
+                <a:lnTo>
+                  <a:pt x="120000" y="120000"/>
+                </a:lnTo>
+                <a:lnTo>
+                  <a:pt x="0" y="120000"/>
+                </a:lnTo>
+                <a:close/>
+              </a:path>
+            </a:pathLst>
+          </a:custGeom>
+          <a:noFill/>
+          <a:ln w="9525" cap="flat">
+            <a:solidFill>
+              <a:srgbClr val="000000"/>
+            </a:solidFill>
+            <a:prstDash val="solid"/>
+            <a:round/>
+            <a:headEnd type="none" w="med" len="med"/>
+            <a:tailEnd type="none" w="med" len="med"/>
+          </a:ln>
+        </p:spPr>
+      </p:sp>
+      <p:sp>
+        <p:nvSpPr>
+          <p:cNvPr id="93" name="Shape 93"/>
+          <p:cNvSpPr txBox="1">
+            <a:spLocks noGrp="1"/>
+          </p:cNvSpPr>
+          <p:nvPr>
+            <p:ph type="body" idx="1"/>
+          </p:nvPr>
+        </p:nvSpPr>
+        <p:spPr>
+          <a:xfrm>
+            <a:off x="685800" y="4343400"/>
+            <a:ext cx="5486399" cy="4114800"/>
+          </a:xfrm>
+          <a:prstGeom prst="rect">
+            <a:avLst/>
+          </a:prstGeom>
+        </p:spPr>
+        <p:txBody>
+          <a:bodyPr lIns="91425" tIns="91425" rIns="91425" bIns="91425" anchor="t" anchorCtr="0">
+            <a:noAutofit/>
+          </a:bodyPr>
+          <a:lstStyle/>
+          <a:p>
+            <a:pPr>
+              <a:spcBef>
+                <a:spcPts val="0"/>
+              </a:spcBef>
+              <a:buNone/>
+            </a:pPr>
+            <a:endParaRPr/>
+          </a:p>
+        </p:txBody>
+      </p:sp>
+    </p:spTree>
+    <p:extLst>
+      <p:ext uri="{BB962C8B-B14F-4D97-AF65-F5344CB8AC3E}">
+        <p14:creationId xmlns:p14="http://schemas.microsoft.com/office/powerpoint/2010/main" val="262775238"/>
+      </p:ext>
+    </p:extLst>
+  </p:cSld>
+  <p:clrMapOvr>
+    <a:masterClrMapping/>
+  </p:clrMapOvr>
+</p:notes>
+</file>
+
+<file path=ppt/notesSlides/notesSlide16.xml><?xml version="1.0" encoding="utf-8"?>
 <p:notes xmlns:a="http://schemas.openxmlformats.org/drawingml/2006/main" xmlns:r="http://schemas.openxmlformats.org/officeDocument/2006/relationships" xmlns:p="http://schemas.openxmlformats.org/presentationml/2006/main" showMasterSp="0" showMasterPhAnim="0">
   <p:cSld>
     <p:spTree>
@@ -1120,8 +1564,8 @@
         </p:nvSpPr>
         <p:spPr>
           <a:xfrm>
-            <a:off x="381187" y="685800"/>
-            <a:ext cx="6096299" cy="3429000"/>
+            <a:off x="381000" y="685800"/>
+            <a:ext cx="6096000" cy="3429000"/>
           </a:xfrm>
           <a:custGeom>
             <a:avLst/>
@@ -1235,238 +1679,6 @@
     <p:extLst>
       <p:ext uri="{BB962C8B-B14F-4D97-AF65-F5344CB8AC3E}">
         <p14:creationId xmlns:p14="http://schemas.microsoft.com/office/powerpoint/2010/main" val="1067199532"/>
-      </p:ext>
-    </p:extLst>
-  </p:cSld>
-  <p:clrMapOvr>
-    <a:masterClrMapping/>
-  </p:clrMapOvr>
-</p:notes>
-</file>
-
-<file path=ppt/notesSlides/notesSlide15.xml><?xml version="1.0" encoding="utf-8"?>
-<p:notes xmlns:a="http://schemas.openxmlformats.org/drawingml/2006/main" xmlns:r="http://schemas.openxmlformats.org/officeDocument/2006/relationships" xmlns:p="http://schemas.openxmlformats.org/presentationml/2006/main" showMasterSp="0" showMasterPhAnim="0">
-  <p:cSld>
-    <p:spTree>
-      <p:nvGrpSpPr>
-        <p:cNvPr id="1" name="Shape 115"/>
-        <p:cNvGrpSpPr/>
-        <p:nvPr/>
-      </p:nvGrpSpPr>
-      <p:grpSpPr>
-        <a:xfrm>
-          <a:off x="0" y="0"/>
-          <a:ext cx="0" cy="0"/>
-          <a:chOff x="0" y="0"/>
-          <a:chExt cx="0" cy="0"/>
-        </a:xfrm>
-      </p:grpSpPr>
-      <p:sp>
-        <p:nvSpPr>
-          <p:cNvPr id="116" name="Shape 116"/>
-          <p:cNvSpPr>
-            <a:spLocks noGrp="1" noRot="1" noChangeAspect="1"/>
-          </p:cNvSpPr>
-          <p:nvPr>
-            <p:ph type="sldImg" idx="2"/>
-          </p:nvPr>
-        </p:nvSpPr>
-        <p:spPr>
-          <a:xfrm>
-            <a:off x="381187" y="685800"/>
-            <a:ext cx="6096299" cy="3429000"/>
-          </a:xfrm>
-          <a:custGeom>
-            <a:avLst/>
-            <a:gdLst/>
-            <a:ahLst/>
-            <a:cxnLst/>
-            <a:rect l="0" t="0" r="0" b="0"/>
-            <a:pathLst>
-              <a:path w="120000" h="120000" extrusionOk="0">
-                <a:moveTo>
-                  <a:pt x="0" y="0"/>
-                </a:moveTo>
-                <a:lnTo>
-                  <a:pt x="120000" y="0"/>
-                </a:lnTo>
-                <a:lnTo>
-                  <a:pt x="120000" y="120000"/>
-                </a:lnTo>
-                <a:lnTo>
-                  <a:pt x="0" y="120000"/>
-                </a:lnTo>
-                <a:close/>
-              </a:path>
-            </a:pathLst>
-          </a:custGeom>
-          <a:noFill/>
-          <a:ln w="9525" cap="flat">
-            <a:solidFill>
-              <a:srgbClr val="000000"/>
-            </a:solidFill>
-            <a:prstDash val="solid"/>
-            <a:round/>
-            <a:headEnd type="none" w="med" len="med"/>
-            <a:tailEnd type="none" w="med" len="med"/>
-          </a:ln>
-        </p:spPr>
-      </p:sp>
-      <p:sp>
-        <p:nvSpPr>
-          <p:cNvPr id="117" name="Shape 117"/>
-          <p:cNvSpPr txBox="1">
-            <a:spLocks noGrp="1"/>
-          </p:cNvSpPr>
-          <p:nvPr>
-            <p:ph type="body" idx="1"/>
-          </p:nvPr>
-        </p:nvSpPr>
-        <p:spPr>
-          <a:xfrm>
-            <a:off x="685800" y="4343400"/>
-            <a:ext cx="5486399" cy="4114800"/>
-          </a:xfrm>
-          <a:prstGeom prst="rect">
-            <a:avLst/>
-          </a:prstGeom>
-        </p:spPr>
-        <p:txBody>
-          <a:bodyPr lIns="91425" tIns="91425" rIns="91425" bIns="91425" anchor="t" anchorCtr="0">
-            <a:noAutofit/>
-          </a:bodyPr>
-          <a:lstStyle/>
-          <a:p>
-            <a:pPr>
-              <a:spcBef>
-                <a:spcPts val="0"/>
-              </a:spcBef>
-              <a:buNone/>
-            </a:pPr>
-            <a:endParaRPr/>
-          </a:p>
-        </p:txBody>
-      </p:sp>
-    </p:spTree>
-    <p:extLst>
-      <p:ext uri="{BB962C8B-B14F-4D97-AF65-F5344CB8AC3E}">
-        <p14:creationId xmlns:p14="http://schemas.microsoft.com/office/powerpoint/2010/main" val="2405817558"/>
-      </p:ext>
-    </p:extLst>
-  </p:cSld>
-  <p:clrMapOvr>
-    <a:masterClrMapping/>
-  </p:clrMapOvr>
-</p:notes>
-</file>
-
-<file path=ppt/notesSlides/notesSlide16.xml><?xml version="1.0" encoding="utf-8"?>
-<p:notes xmlns:a="http://schemas.openxmlformats.org/drawingml/2006/main" xmlns:r="http://schemas.openxmlformats.org/officeDocument/2006/relationships" xmlns:p="http://schemas.openxmlformats.org/presentationml/2006/main" showMasterSp="0" showMasterPhAnim="0">
-  <p:cSld>
-    <p:spTree>
-      <p:nvGrpSpPr>
-        <p:cNvPr id="1" name="Shape 121"/>
-        <p:cNvGrpSpPr/>
-        <p:nvPr/>
-      </p:nvGrpSpPr>
-      <p:grpSpPr>
-        <a:xfrm>
-          <a:off x="0" y="0"/>
-          <a:ext cx="0" cy="0"/>
-          <a:chOff x="0" y="0"/>
-          <a:chExt cx="0" cy="0"/>
-        </a:xfrm>
-      </p:grpSpPr>
-      <p:sp>
-        <p:nvSpPr>
-          <p:cNvPr id="122" name="Shape 122"/>
-          <p:cNvSpPr>
-            <a:spLocks noGrp="1" noRot="1" noChangeAspect="1"/>
-          </p:cNvSpPr>
-          <p:nvPr>
-            <p:ph type="sldImg" idx="2"/>
-          </p:nvPr>
-        </p:nvSpPr>
-        <p:spPr>
-          <a:xfrm>
-            <a:off x="381187" y="685800"/>
-            <a:ext cx="6096299" cy="3429000"/>
-          </a:xfrm>
-          <a:custGeom>
-            <a:avLst/>
-            <a:gdLst/>
-            <a:ahLst/>
-            <a:cxnLst/>
-            <a:rect l="0" t="0" r="0" b="0"/>
-            <a:pathLst>
-              <a:path w="120000" h="120000" extrusionOk="0">
-                <a:moveTo>
-                  <a:pt x="0" y="0"/>
-                </a:moveTo>
-                <a:lnTo>
-                  <a:pt x="120000" y="0"/>
-                </a:lnTo>
-                <a:lnTo>
-                  <a:pt x="120000" y="120000"/>
-                </a:lnTo>
-                <a:lnTo>
-                  <a:pt x="0" y="120000"/>
-                </a:lnTo>
-                <a:close/>
-              </a:path>
-            </a:pathLst>
-          </a:custGeom>
-          <a:noFill/>
-          <a:ln w="9525" cap="flat">
-            <a:solidFill>
-              <a:srgbClr val="000000"/>
-            </a:solidFill>
-            <a:prstDash val="solid"/>
-            <a:round/>
-            <a:headEnd type="none" w="med" len="med"/>
-            <a:tailEnd type="none" w="med" len="med"/>
-          </a:ln>
-        </p:spPr>
-      </p:sp>
-      <p:sp>
-        <p:nvSpPr>
-          <p:cNvPr id="123" name="Shape 123"/>
-          <p:cNvSpPr txBox="1">
-            <a:spLocks noGrp="1"/>
-          </p:cNvSpPr>
-          <p:nvPr>
-            <p:ph type="body" idx="1"/>
-          </p:nvPr>
-        </p:nvSpPr>
-        <p:spPr>
-          <a:xfrm>
-            <a:off x="685800" y="4343400"/>
-            <a:ext cx="5486399" cy="4114800"/>
-          </a:xfrm>
-          <a:prstGeom prst="rect">
-            <a:avLst/>
-          </a:prstGeom>
-        </p:spPr>
-        <p:txBody>
-          <a:bodyPr lIns="91425" tIns="91425" rIns="91425" bIns="91425" anchor="t" anchorCtr="0">
-            <a:noAutofit/>
-          </a:bodyPr>
-          <a:lstStyle/>
-          <a:p>
-            <a:pPr>
-              <a:spcBef>
-                <a:spcPts val="0"/>
-              </a:spcBef>
-              <a:buNone/>
-            </a:pPr>
-            <a:endParaRPr/>
-          </a:p>
-        </p:txBody>
-      </p:sp>
-    </p:spTree>
-    <p:extLst>
-      <p:ext uri="{BB962C8B-B14F-4D97-AF65-F5344CB8AC3E}">
-        <p14:creationId xmlns:p14="http://schemas.microsoft.com/office/powerpoint/2010/main" val="1610706298"/>
       </p:ext>
     </p:extLst>
   </p:cSld>
@@ -2317,8 +2529,8 @@
         </p:nvSpPr>
         <p:spPr>
           <a:xfrm>
-            <a:off x="381187" y="685800"/>
-            <a:ext cx="6096299" cy="3429000"/>
+            <a:off x="381000" y="685800"/>
+            <a:ext cx="6096000" cy="3429000"/>
           </a:xfrm>
           <a:custGeom>
             <a:avLst/>
@@ -2525,122 +2737,6 @@
   <p:cSld>
     <p:spTree>
       <p:nvGrpSpPr>
-        <p:cNvPr id="1" name="Shape 43"/>
-        <p:cNvGrpSpPr/>
-        <p:nvPr/>
-      </p:nvGrpSpPr>
-      <p:grpSpPr>
-        <a:xfrm>
-          <a:off x="0" y="0"/>
-          <a:ext cx="0" cy="0"/>
-          <a:chOff x="0" y="0"/>
-          <a:chExt cx="0" cy="0"/>
-        </a:xfrm>
-      </p:grpSpPr>
-      <p:sp>
-        <p:nvSpPr>
-          <p:cNvPr id="44" name="Shape 44"/>
-          <p:cNvSpPr>
-            <a:spLocks noGrp="1" noRot="1" noChangeAspect="1"/>
-          </p:cNvSpPr>
-          <p:nvPr>
-            <p:ph type="sldImg" idx="2"/>
-          </p:nvPr>
-        </p:nvSpPr>
-        <p:spPr>
-          <a:xfrm>
-            <a:off x="381187" y="685800"/>
-            <a:ext cx="6096299" cy="3429000"/>
-          </a:xfrm>
-          <a:custGeom>
-            <a:avLst/>
-            <a:gdLst/>
-            <a:ahLst/>
-            <a:cxnLst/>
-            <a:rect l="0" t="0" r="0" b="0"/>
-            <a:pathLst>
-              <a:path w="120000" h="120000" extrusionOk="0">
-                <a:moveTo>
-                  <a:pt x="0" y="0"/>
-                </a:moveTo>
-                <a:lnTo>
-                  <a:pt x="120000" y="0"/>
-                </a:lnTo>
-                <a:lnTo>
-                  <a:pt x="120000" y="120000"/>
-                </a:lnTo>
-                <a:lnTo>
-                  <a:pt x="0" y="120000"/>
-                </a:lnTo>
-                <a:close/>
-              </a:path>
-            </a:pathLst>
-          </a:custGeom>
-          <a:noFill/>
-          <a:ln w="9525" cap="flat">
-            <a:solidFill>
-              <a:srgbClr val="000000"/>
-            </a:solidFill>
-            <a:prstDash val="solid"/>
-            <a:round/>
-            <a:headEnd type="none" w="med" len="med"/>
-            <a:tailEnd type="none" w="med" len="med"/>
-          </a:ln>
-        </p:spPr>
-      </p:sp>
-      <p:sp>
-        <p:nvSpPr>
-          <p:cNvPr id="45" name="Shape 45"/>
-          <p:cNvSpPr txBox="1">
-            <a:spLocks noGrp="1"/>
-          </p:cNvSpPr>
-          <p:nvPr>
-            <p:ph type="body" idx="1"/>
-          </p:nvPr>
-        </p:nvSpPr>
-        <p:spPr>
-          <a:xfrm>
-            <a:off x="685800" y="4343400"/>
-            <a:ext cx="5486399" cy="4114800"/>
-          </a:xfrm>
-          <a:prstGeom prst="rect">
-            <a:avLst/>
-          </a:prstGeom>
-        </p:spPr>
-        <p:txBody>
-          <a:bodyPr lIns="91425" tIns="91425" rIns="91425" bIns="91425" anchor="t" anchorCtr="0">
-            <a:noAutofit/>
-          </a:bodyPr>
-          <a:lstStyle/>
-          <a:p>
-            <a:pPr>
-              <a:spcBef>
-                <a:spcPts val="0"/>
-              </a:spcBef>
-              <a:buNone/>
-            </a:pPr>
-            <a:endParaRPr/>
-          </a:p>
-        </p:txBody>
-      </p:sp>
-    </p:spTree>
-    <p:extLst>
-      <p:ext uri="{BB962C8B-B14F-4D97-AF65-F5344CB8AC3E}">
-        <p14:creationId xmlns:p14="http://schemas.microsoft.com/office/powerpoint/2010/main" val="799623922"/>
-      </p:ext>
-    </p:extLst>
-  </p:cSld>
-  <p:clrMapOvr>
-    <a:masterClrMapping/>
-  </p:clrMapOvr>
-</p:notes>
-</file>
-
-<file path=ppt/notesSlides/notesSlide4.xml><?xml version="1.0" encoding="utf-8"?>
-<p:notes xmlns:a="http://schemas.openxmlformats.org/drawingml/2006/main" xmlns:r="http://schemas.openxmlformats.org/officeDocument/2006/relationships" xmlns:p="http://schemas.openxmlformats.org/presentationml/2006/main" showMasterSp="0" showMasterPhAnim="0">
-  <p:cSld>
-    <p:spTree>
-      <p:nvGrpSpPr>
         <p:cNvPr id="1" name="Shape 49"/>
         <p:cNvGrpSpPr/>
         <p:nvPr/>
@@ -2665,8 +2761,8 @@
         </p:nvSpPr>
         <p:spPr>
           <a:xfrm>
-            <a:off x="381187" y="685800"/>
-            <a:ext cx="6096299" cy="3429000"/>
+            <a:off x="381000" y="685800"/>
+            <a:ext cx="6096000" cy="3429000"/>
           </a:xfrm>
           <a:custGeom>
             <a:avLst/>
@@ -2735,7 +2831,734 @@
               </a:spcBef>
               <a:buNone/>
             </a:pPr>
-            <a:endParaRPr/>
+            <a:r>
+              <a:rPr lang="en-US" dirty="0" smtClean="0"/>
+              <a:t>JS framework	AngularJS</a:t>
+            </a:r>
+            <a:r>
+              <a:rPr lang="en-US" baseline="0" dirty="0" smtClean="0"/>
+              <a:t> is </a:t>
+            </a:r>
+            <a:r>
+              <a:rPr lang="en-US" baseline="0" dirty="0" err="1" smtClean="0"/>
+              <a:t>een</a:t>
+            </a:r>
+            <a:r>
+              <a:rPr lang="en-US" baseline="0" dirty="0" smtClean="0"/>
+              <a:t> JS framework </a:t>
+            </a:r>
+            <a:r>
+              <a:rPr lang="en-US" baseline="0" dirty="0" err="1" smtClean="0"/>
+              <a:t>waar</a:t>
+            </a:r>
+            <a:r>
+              <a:rPr lang="en-US" baseline="0" dirty="0" smtClean="0"/>
+              <a:t> </a:t>
+            </a:r>
+            <a:r>
+              <a:rPr lang="en-US" baseline="0" dirty="0" err="1" smtClean="0"/>
+              <a:t>uiteraard</a:t>
+            </a:r>
+            <a:r>
+              <a:rPr lang="en-US" baseline="0" dirty="0" smtClean="0"/>
+              <a:t> 100% in JS </a:t>
+            </a:r>
+            <a:r>
+              <a:rPr lang="en-US" baseline="0" dirty="0" err="1" smtClean="0"/>
+              <a:t>ontwikkelt</a:t>
+            </a:r>
+            <a:r>
+              <a:rPr lang="en-US" baseline="0" dirty="0" smtClean="0"/>
+              <a:t> </a:t>
+            </a:r>
+            <a:r>
+              <a:rPr lang="en-US" baseline="0" dirty="0" err="1" smtClean="0"/>
+              <a:t>wordt</a:t>
+            </a:r>
+            <a:endParaRPr lang="en-US" baseline="0" dirty="0" smtClean="0"/>
+          </a:p>
+          <a:p>
+            <a:pPr>
+              <a:spcBef>
+                <a:spcPts val="0"/>
+              </a:spcBef>
+              <a:buNone/>
+            </a:pPr>
+            <a:r>
+              <a:rPr lang="en-US" baseline="0" dirty="0" smtClean="0"/>
+              <a:t>Google	</a:t>
+            </a:r>
+            <a:r>
+              <a:rPr lang="en-US" baseline="0" dirty="0" err="1" smtClean="0"/>
+              <a:t>Onderhouden</a:t>
+            </a:r>
+            <a:r>
+              <a:rPr lang="en-US" baseline="0" dirty="0" smtClean="0"/>
+              <a:t> door Google </a:t>
+            </a:r>
+            <a:r>
+              <a:rPr lang="en-US" baseline="0" dirty="0" err="1" smtClean="0"/>
+              <a:t>en</a:t>
+            </a:r>
+            <a:r>
+              <a:rPr lang="en-US" baseline="0" dirty="0" smtClean="0"/>
+              <a:t> </a:t>
+            </a:r>
+            <a:r>
+              <a:rPr lang="en-US" baseline="0" dirty="0" err="1" smtClean="0"/>
+              <a:t>een</a:t>
+            </a:r>
+            <a:r>
+              <a:rPr lang="en-US" baseline="0" dirty="0" smtClean="0"/>
+              <a:t> community van </a:t>
+            </a:r>
+            <a:r>
+              <a:rPr lang="en-US" baseline="0" dirty="0" err="1" smtClean="0"/>
+              <a:t>individuele</a:t>
+            </a:r>
+            <a:r>
+              <a:rPr lang="en-US" baseline="0" dirty="0" smtClean="0"/>
+              <a:t> </a:t>
+            </a:r>
+            <a:r>
+              <a:rPr lang="en-US" baseline="0" dirty="0" err="1" smtClean="0"/>
+              <a:t>ontwikkelaars</a:t>
+            </a:r>
+            <a:endParaRPr lang="en-US" baseline="0" dirty="0" smtClean="0"/>
+          </a:p>
+          <a:p>
+            <a:pPr>
+              <a:spcBef>
+                <a:spcPts val="0"/>
+              </a:spcBef>
+              <a:buNone/>
+            </a:pPr>
+            <a:r>
+              <a:rPr lang="en-US" baseline="0" dirty="0" smtClean="0"/>
+              <a:t>100% client	</a:t>
+            </a:r>
+            <a:r>
+              <a:rPr lang="en-US" baseline="0" dirty="0" err="1" smtClean="0"/>
+              <a:t>En</a:t>
+            </a:r>
+            <a:r>
+              <a:rPr lang="en-US" baseline="0" dirty="0" smtClean="0"/>
+              <a:t> is 100% </a:t>
+            </a:r>
+            <a:r>
+              <a:rPr lang="en-US" baseline="0" dirty="0" err="1" smtClean="0"/>
+              <a:t>clientside</a:t>
+            </a:r>
+            <a:r>
+              <a:rPr lang="en-US" baseline="0" dirty="0" smtClean="0"/>
+              <a:t> </a:t>
+            </a:r>
+            <a:r>
+              <a:rPr lang="en-US" baseline="0" dirty="0" err="1" smtClean="0"/>
+              <a:t>waarbij</a:t>
+            </a:r>
+            <a:r>
+              <a:rPr lang="en-US" baseline="0" dirty="0" smtClean="0"/>
+              <a:t> het </a:t>
+            </a:r>
+            <a:r>
+              <a:rPr lang="en-US" baseline="0" dirty="0" err="1" smtClean="0"/>
+              <a:t>makkelijk</a:t>
+            </a:r>
+            <a:r>
+              <a:rPr lang="en-US" baseline="0" dirty="0" smtClean="0"/>
+              <a:t> </a:t>
+            </a:r>
+            <a:r>
+              <a:rPr lang="en-US" baseline="0" dirty="0" err="1" smtClean="0"/>
+              <a:t>maakt</a:t>
+            </a:r>
+            <a:r>
+              <a:rPr lang="en-US" baseline="0" dirty="0" smtClean="0"/>
+              <a:t> om offline </a:t>
+            </a:r>
+            <a:r>
+              <a:rPr lang="en-US" baseline="0" dirty="0" err="1" smtClean="0"/>
+              <a:t>mobiele</a:t>
+            </a:r>
+            <a:r>
+              <a:rPr lang="en-US" baseline="0" dirty="0" smtClean="0"/>
+              <a:t> </a:t>
+            </a:r>
+            <a:r>
+              <a:rPr lang="en-US" baseline="0" dirty="0" err="1" smtClean="0"/>
+              <a:t>en</a:t>
+            </a:r>
+            <a:r>
+              <a:rPr lang="en-US" baseline="0" dirty="0" smtClean="0"/>
+              <a:t> desktop </a:t>
+            </a:r>
+            <a:r>
+              <a:rPr lang="en-US" baseline="0" dirty="0" err="1" smtClean="0"/>
+              <a:t>applicaties</a:t>
+            </a:r>
+            <a:r>
+              <a:rPr lang="en-US" baseline="0" dirty="0" smtClean="0"/>
+              <a:t> </a:t>
+            </a:r>
+            <a:r>
+              <a:rPr lang="en-US" baseline="0" dirty="0" err="1" smtClean="0"/>
+              <a:t>te</a:t>
+            </a:r>
+            <a:r>
+              <a:rPr lang="en-US" baseline="0" dirty="0" smtClean="0"/>
+              <a:t> </a:t>
+            </a:r>
+            <a:r>
+              <a:rPr lang="en-US" baseline="0" dirty="0" err="1" smtClean="0"/>
+              <a:t>ontwikkelen</a:t>
+            </a:r>
+            <a:endParaRPr lang="en-US" baseline="0" dirty="0" smtClean="0"/>
+          </a:p>
+          <a:p>
+            <a:pPr>
+              <a:spcBef>
+                <a:spcPts val="0"/>
+              </a:spcBef>
+              <a:buNone/>
+            </a:pPr>
+            <a:r>
+              <a:rPr lang="en-US" dirty="0" smtClean="0"/>
+              <a:t>MVC	AngularJS </a:t>
+            </a:r>
+            <a:r>
+              <a:rPr lang="en-US" dirty="0" err="1" smtClean="0"/>
+              <a:t>werkt</a:t>
+            </a:r>
+            <a:r>
+              <a:rPr lang="en-US" dirty="0" smtClean="0"/>
+              <a:t> </a:t>
+            </a:r>
+            <a:r>
+              <a:rPr lang="en-US" dirty="0" err="1" smtClean="0"/>
+              <a:t>volgens</a:t>
+            </a:r>
+            <a:r>
+              <a:rPr lang="en-US" dirty="0" smtClean="0"/>
+              <a:t> het model-view-controller </a:t>
+            </a:r>
+            <a:r>
+              <a:rPr lang="en-US" dirty="0" err="1" smtClean="0"/>
+              <a:t>architectuur</a:t>
+            </a:r>
+            <a:endParaRPr lang="en-US" dirty="0" smtClean="0"/>
+          </a:p>
+          <a:p>
+            <a:pPr marL="0" indent="0">
+              <a:spcBef>
+                <a:spcPts val="0"/>
+              </a:spcBef>
+              <a:buFontTx/>
+              <a:buNone/>
+            </a:pPr>
+            <a:r>
+              <a:rPr lang="en-US" baseline="0" dirty="0" smtClean="0"/>
+              <a:t>- - - - - - - - - -</a:t>
+            </a:r>
+          </a:p>
+          <a:p>
+            <a:pPr marL="0" indent="0">
+              <a:spcBef>
+                <a:spcPts val="0"/>
+              </a:spcBef>
+              <a:buFontTx/>
+              <a:buNone/>
+            </a:pPr>
+            <a:r>
+              <a:rPr lang="en-US" baseline="0" dirty="0" smtClean="0"/>
+              <a:t>SPA	Single-page </a:t>
+            </a:r>
+            <a:r>
+              <a:rPr lang="en-US" baseline="0" dirty="0" err="1" smtClean="0"/>
+              <a:t>applicaties</a:t>
+            </a:r>
+            <a:endParaRPr lang="en-US" baseline="0" dirty="0" smtClean="0"/>
+          </a:p>
+          <a:p>
+            <a:pPr>
+              <a:spcBef>
+                <a:spcPts val="0"/>
+              </a:spcBef>
+              <a:buNone/>
+            </a:pPr>
+            <a:r>
+              <a:rPr lang="en-US" baseline="0" dirty="0" err="1" smtClean="0"/>
+              <a:t>Dynamisch</a:t>
+            </a:r>
+            <a:r>
+              <a:rPr lang="en-US" baseline="0" dirty="0" smtClean="0"/>
+              <a:t>	Je </a:t>
+            </a:r>
+            <a:r>
+              <a:rPr lang="en-US" baseline="0" dirty="0" err="1" smtClean="0"/>
+              <a:t>kan</a:t>
+            </a:r>
+            <a:r>
+              <a:rPr lang="en-US" baseline="0" dirty="0" smtClean="0"/>
+              <a:t> </a:t>
+            </a:r>
+            <a:r>
+              <a:rPr lang="en-US" baseline="0" dirty="0" err="1" smtClean="0"/>
+              <a:t>dynamische</a:t>
+            </a:r>
+            <a:r>
+              <a:rPr lang="en-US" baseline="0" dirty="0" smtClean="0"/>
+              <a:t> content </a:t>
+            </a:r>
+            <a:r>
+              <a:rPr lang="en-US" baseline="0" dirty="0" err="1" smtClean="0"/>
+              <a:t>weergeven</a:t>
+            </a:r>
+            <a:r>
+              <a:rPr lang="en-US" baseline="0" dirty="0" smtClean="0"/>
+              <a:t> door </a:t>
+            </a:r>
+            <a:r>
+              <a:rPr lang="en-US" baseline="0" dirty="0" err="1" smtClean="0"/>
+              <a:t>middel</a:t>
+            </a:r>
+            <a:r>
+              <a:rPr lang="en-US" baseline="0" dirty="0" smtClean="0"/>
+              <a:t> van two-way data-binding om </a:t>
+            </a:r>
+            <a:r>
+              <a:rPr lang="en-US" baseline="0" dirty="0" err="1" smtClean="0"/>
+              <a:t>automatisch</a:t>
+            </a:r>
+            <a:r>
+              <a:rPr lang="en-US" baseline="0" dirty="0" smtClean="0"/>
+              <a:t> </a:t>
+            </a:r>
+            <a:r>
+              <a:rPr lang="en-US" baseline="0" dirty="0" err="1" smtClean="0"/>
+              <a:t>synchroon</a:t>
+            </a:r>
+            <a:r>
+              <a:rPr lang="en-US" baseline="0" dirty="0" smtClean="0"/>
+              <a:t> model </a:t>
+            </a:r>
+            <a:r>
+              <a:rPr lang="en-US" baseline="0" dirty="0" err="1" smtClean="0"/>
+              <a:t>en</a:t>
+            </a:r>
+            <a:r>
+              <a:rPr lang="en-US" baseline="0" dirty="0" smtClean="0"/>
+              <a:t> view</a:t>
+            </a:r>
+          </a:p>
+          <a:p>
+            <a:pPr>
+              <a:spcBef>
+                <a:spcPts val="0"/>
+              </a:spcBef>
+              <a:buNone/>
+            </a:pPr>
+            <a:r>
+              <a:rPr lang="en-US" baseline="0" dirty="0" smtClean="0"/>
+              <a:t>POJO	Plain Old JS Object (JS is </a:t>
+            </a:r>
+            <a:r>
+              <a:rPr lang="en-US" baseline="0" dirty="0" err="1" smtClean="0"/>
+              <a:t>ook</a:t>
+            </a:r>
+            <a:r>
+              <a:rPr lang="en-US" baseline="0" dirty="0" smtClean="0"/>
+              <a:t> Java) … elk data model is </a:t>
+            </a:r>
+            <a:r>
+              <a:rPr lang="en-US" baseline="0" dirty="0" err="1" smtClean="0"/>
+              <a:t>een</a:t>
+            </a:r>
+            <a:r>
+              <a:rPr lang="en-US" baseline="0" dirty="0" smtClean="0"/>
+              <a:t> POJO in JSON format </a:t>
+            </a:r>
+            <a:r>
+              <a:rPr lang="en-US" baseline="0" dirty="0" err="1" smtClean="0"/>
+              <a:t>zonder</a:t>
+            </a:r>
+            <a:r>
+              <a:rPr lang="en-US" baseline="0" dirty="0" smtClean="0"/>
+              <a:t> getter </a:t>
+            </a:r>
+            <a:r>
+              <a:rPr lang="en-US" baseline="0" dirty="0" err="1" smtClean="0"/>
+              <a:t>en</a:t>
+            </a:r>
+            <a:r>
+              <a:rPr lang="en-US" baseline="0" dirty="0" smtClean="0"/>
+              <a:t> setter </a:t>
+            </a:r>
+            <a:r>
+              <a:rPr lang="en-US" baseline="0" dirty="0" err="1" smtClean="0"/>
+              <a:t>functies</a:t>
+            </a:r>
+            <a:r>
+              <a:rPr lang="en-US" baseline="0" dirty="0" smtClean="0"/>
+              <a:t>, je </a:t>
+            </a:r>
+            <a:r>
+              <a:rPr lang="en-US" baseline="0" dirty="0" err="1" smtClean="0"/>
+              <a:t>kan</a:t>
+            </a:r>
+            <a:r>
+              <a:rPr lang="en-US" baseline="0" dirty="0" smtClean="0"/>
+              <a:t> properties </a:t>
+            </a:r>
+            <a:r>
+              <a:rPr lang="en-US" baseline="0" dirty="0" err="1" smtClean="0"/>
+              <a:t>toevoegen</a:t>
+            </a:r>
+            <a:r>
+              <a:rPr lang="en-US" baseline="0" dirty="0" smtClean="0"/>
+              <a:t> </a:t>
+            </a:r>
+            <a:r>
+              <a:rPr lang="en-US" baseline="0" dirty="0" err="1" smtClean="0"/>
+              <a:t>en</a:t>
+            </a:r>
+            <a:r>
+              <a:rPr lang="en-US" baseline="0" dirty="0" smtClean="0"/>
+              <a:t> </a:t>
+            </a:r>
+            <a:r>
+              <a:rPr lang="en-US" baseline="0" dirty="0" err="1" smtClean="0"/>
+              <a:t>veranderen</a:t>
+            </a:r>
+            <a:r>
+              <a:rPr lang="en-US" baseline="0" dirty="0" smtClean="0"/>
+              <a:t> </a:t>
+            </a:r>
+            <a:r>
+              <a:rPr lang="en-US" baseline="0" dirty="0" err="1" smtClean="0"/>
+              <a:t>en</a:t>
+            </a:r>
+            <a:r>
+              <a:rPr lang="en-US" baseline="0" dirty="0" smtClean="0"/>
+              <a:t> door </a:t>
+            </a:r>
+            <a:r>
+              <a:rPr lang="en-US" baseline="0" dirty="0" err="1" smtClean="0"/>
+              <a:t>objecten</a:t>
+            </a:r>
+            <a:r>
+              <a:rPr lang="en-US" baseline="0" dirty="0" smtClean="0"/>
+              <a:t> </a:t>
+            </a:r>
+            <a:r>
+              <a:rPr lang="en-US" baseline="0" dirty="0" err="1" smtClean="0"/>
+              <a:t>heen</a:t>
+            </a:r>
+            <a:r>
+              <a:rPr lang="en-US" baseline="0" dirty="0" smtClean="0"/>
+              <a:t> iterate. Je code </a:t>
+            </a:r>
+            <a:r>
+              <a:rPr lang="en-US" baseline="0" dirty="0" err="1" smtClean="0"/>
+              <a:t>zal</a:t>
+            </a:r>
+            <a:r>
+              <a:rPr lang="en-US" baseline="0" dirty="0" smtClean="0"/>
+              <a:t> </a:t>
+            </a:r>
+            <a:r>
+              <a:rPr lang="en-US" baseline="0" dirty="0" err="1" smtClean="0"/>
+              <a:t>daardoor</a:t>
+            </a:r>
+            <a:r>
+              <a:rPr lang="en-US" baseline="0" dirty="0" smtClean="0"/>
+              <a:t> </a:t>
+            </a:r>
+            <a:r>
+              <a:rPr lang="en-US" baseline="0" dirty="0" err="1" smtClean="0"/>
+              <a:t>veel</a:t>
+            </a:r>
+            <a:r>
+              <a:rPr lang="en-US" baseline="0" dirty="0" smtClean="0"/>
+              <a:t> </a:t>
+            </a:r>
+            <a:r>
+              <a:rPr lang="en-US" baseline="0" dirty="0" err="1" smtClean="0"/>
+              <a:t>overzichtelijker</a:t>
+            </a:r>
+            <a:r>
+              <a:rPr lang="en-US" baseline="0" dirty="0" smtClean="0"/>
+              <a:t> </a:t>
+            </a:r>
+            <a:r>
+              <a:rPr lang="en-US" baseline="0" dirty="0" err="1" smtClean="0"/>
+              <a:t>zijn</a:t>
+            </a:r>
+            <a:endParaRPr lang="en-US" baseline="0" dirty="0" smtClean="0"/>
+          </a:p>
+          <a:p>
+            <a:pPr>
+              <a:spcBef>
+                <a:spcPts val="0"/>
+              </a:spcBef>
+              <a:buNone/>
+            </a:pPr>
+            <a:r>
+              <a:rPr lang="en-US" baseline="0" dirty="0" smtClean="0"/>
+              <a:t>Directives	AngularJS </a:t>
+            </a:r>
+            <a:r>
+              <a:rPr lang="en-US" baseline="0" dirty="0" err="1" smtClean="0"/>
+              <a:t>laat</a:t>
+            </a:r>
+            <a:r>
+              <a:rPr lang="en-US" baseline="0" dirty="0" smtClean="0"/>
+              <a:t> je de HTML </a:t>
+            </a:r>
+            <a:r>
+              <a:rPr lang="en-US" baseline="0" dirty="0" err="1" smtClean="0"/>
+              <a:t>vocabulair</a:t>
+            </a:r>
+            <a:r>
+              <a:rPr lang="en-US" baseline="0" dirty="0" smtClean="0"/>
+              <a:t> </a:t>
+            </a:r>
+            <a:r>
+              <a:rPr lang="en-US" baseline="0" dirty="0" err="1" smtClean="0"/>
+              <a:t>uitbreiden</a:t>
+            </a:r>
+            <a:r>
+              <a:rPr lang="en-US" baseline="0" dirty="0" smtClean="0"/>
+              <a:t>, je </a:t>
+            </a:r>
+            <a:r>
+              <a:rPr lang="en-US" baseline="0" dirty="0" err="1" smtClean="0"/>
+              <a:t>kan</a:t>
+            </a:r>
+            <a:r>
+              <a:rPr lang="en-US" baseline="0" dirty="0" smtClean="0"/>
+              <a:t> je </a:t>
+            </a:r>
+            <a:r>
+              <a:rPr lang="en-US" baseline="0" dirty="0" err="1" smtClean="0"/>
+              <a:t>eigen</a:t>
+            </a:r>
+            <a:r>
+              <a:rPr lang="en-US" baseline="0" dirty="0" smtClean="0"/>
+              <a:t> HTML </a:t>
+            </a:r>
+            <a:r>
+              <a:rPr lang="en-US" baseline="0" dirty="0" err="1" smtClean="0"/>
+              <a:t>elementen</a:t>
+            </a:r>
+            <a:r>
+              <a:rPr lang="en-US" baseline="0" dirty="0" smtClean="0"/>
+              <a:t> </a:t>
+            </a:r>
+            <a:r>
+              <a:rPr lang="en-US" baseline="0" dirty="0" err="1" smtClean="0"/>
+              <a:t>creëren</a:t>
+            </a:r>
+            <a:endParaRPr lang="en-US" baseline="0" dirty="0" smtClean="0"/>
+          </a:p>
+          <a:p>
+            <a:pPr>
+              <a:spcBef>
+                <a:spcPts val="0"/>
+              </a:spcBef>
+              <a:buNone/>
+            </a:pPr>
+            <a:r>
+              <a:rPr lang="en-US" baseline="0" dirty="0" smtClean="0"/>
+              <a:t>DOM	</a:t>
+            </a:r>
+            <a:r>
+              <a:rPr lang="en-US" baseline="0" dirty="0" err="1" smtClean="0"/>
+              <a:t>Normaal</a:t>
+            </a:r>
+            <a:r>
+              <a:rPr lang="en-US" baseline="0" dirty="0" smtClean="0"/>
+              <a:t> </a:t>
+            </a:r>
+            <a:r>
+              <a:rPr lang="en-US" baseline="0" dirty="0" err="1" smtClean="0"/>
+              <a:t>manipuleert</a:t>
+            </a:r>
+            <a:r>
+              <a:rPr lang="en-US" baseline="0" dirty="0" smtClean="0"/>
+              <a:t> de view de DOM om data </a:t>
+            </a:r>
+            <a:r>
+              <a:rPr lang="en-US" baseline="0" dirty="0" err="1" smtClean="0"/>
+              <a:t>te</a:t>
+            </a:r>
+            <a:r>
+              <a:rPr lang="en-US" baseline="0" dirty="0" smtClean="0"/>
+              <a:t> </a:t>
+            </a:r>
+            <a:r>
+              <a:rPr lang="en-US" baseline="0" dirty="0" err="1" smtClean="0"/>
+              <a:t>weergeven</a:t>
+            </a:r>
+            <a:r>
+              <a:rPr lang="en-US" baseline="0" dirty="0" smtClean="0"/>
+              <a:t> </a:t>
+            </a:r>
+            <a:r>
+              <a:rPr lang="en-US" baseline="0" dirty="0" err="1" smtClean="0"/>
+              <a:t>en</a:t>
+            </a:r>
+            <a:r>
+              <a:rPr lang="en-US" baseline="0" dirty="0" smtClean="0"/>
+              <a:t> om </a:t>
+            </a:r>
+            <a:r>
+              <a:rPr lang="en-US" baseline="0" dirty="0" err="1" smtClean="0"/>
+              <a:t>gedrag</a:t>
+            </a:r>
+            <a:r>
+              <a:rPr lang="en-US" baseline="0" dirty="0" smtClean="0"/>
+              <a:t> toe </a:t>
+            </a:r>
+            <a:r>
+              <a:rPr lang="en-US" baseline="0" dirty="0" err="1" smtClean="0"/>
+              <a:t>te</a:t>
+            </a:r>
+            <a:r>
+              <a:rPr lang="en-US" baseline="0" dirty="0" smtClean="0"/>
+              <a:t> </a:t>
+            </a:r>
+            <a:r>
+              <a:rPr lang="en-US" baseline="0" dirty="0" err="1" smtClean="0"/>
+              <a:t>kennen</a:t>
+            </a:r>
+            <a:r>
+              <a:rPr lang="en-US" baseline="0" dirty="0" smtClean="0"/>
+              <a:t>, </a:t>
+            </a:r>
+            <a:r>
+              <a:rPr lang="en-US" baseline="0" dirty="0" err="1" smtClean="0"/>
+              <a:t>dit</a:t>
+            </a:r>
+            <a:r>
+              <a:rPr lang="en-US" baseline="0" dirty="0" smtClean="0"/>
+              <a:t> </a:t>
+            </a:r>
+            <a:r>
+              <a:rPr lang="en-US" baseline="0" dirty="0" err="1" smtClean="0"/>
+              <a:t>wordt</a:t>
+            </a:r>
+            <a:r>
+              <a:rPr lang="en-US" baseline="0" dirty="0" smtClean="0"/>
+              <a:t> in AngularJS in directives </a:t>
+            </a:r>
+            <a:r>
+              <a:rPr lang="en-US" baseline="0" dirty="0" err="1" smtClean="0"/>
+              <a:t>geregeld</a:t>
+            </a:r>
+            <a:r>
+              <a:rPr lang="en-US" baseline="0" dirty="0" smtClean="0"/>
+              <a:t> </a:t>
+            </a:r>
+            <a:r>
+              <a:rPr lang="en-US" baseline="0" dirty="0" err="1" smtClean="0"/>
+              <a:t>en</a:t>
+            </a:r>
+            <a:r>
+              <a:rPr lang="en-US" baseline="0" dirty="0" smtClean="0"/>
+              <a:t> </a:t>
+            </a:r>
+            <a:r>
+              <a:rPr lang="en-US" baseline="0" dirty="0" err="1" smtClean="0"/>
+              <a:t>niet</a:t>
+            </a:r>
+            <a:r>
+              <a:rPr lang="en-US" baseline="0" dirty="0" smtClean="0"/>
+              <a:t> in de view</a:t>
+            </a:r>
+          </a:p>
+          <a:p>
+            <a:pPr>
+              <a:spcBef>
+                <a:spcPts val="0"/>
+              </a:spcBef>
+              <a:buNone/>
+            </a:pPr>
+            <a:r>
+              <a:rPr lang="en-US" baseline="0" dirty="0" smtClean="0"/>
+              <a:t>MVC	</a:t>
+            </a:r>
+            <a:r>
+              <a:rPr lang="en-US" baseline="0" dirty="0" err="1" smtClean="0"/>
+              <a:t>Vanwege</a:t>
+            </a:r>
+            <a:r>
+              <a:rPr lang="en-US" baseline="0" dirty="0" smtClean="0"/>
+              <a:t> MVC </a:t>
+            </a:r>
+            <a:r>
+              <a:rPr lang="en-US" baseline="0" dirty="0" err="1" smtClean="0"/>
+              <a:t>wordt</a:t>
+            </a:r>
+            <a:r>
+              <a:rPr lang="en-US" baseline="0" dirty="0" smtClean="0"/>
+              <a:t> de </a:t>
+            </a:r>
+            <a:r>
+              <a:rPr lang="en-US" baseline="0" dirty="0" err="1" smtClean="0"/>
+              <a:t>applicatie</a:t>
+            </a:r>
+            <a:r>
+              <a:rPr lang="en-US" baseline="0" dirty="0" smtClean="0"/>
+              <a:t> </a:t>
+            </a:r>
+            <a:r>
+              <a:rPr lang="en-US" baseline="0" dirty="0" err="1" smtClean="0"/>
+              <a:t>makkelijk</a:t>
+            </a:r>
+            <a:r>
+              <a:rPr lang="en-US" baseline="0" dirty="0" smtClean="0"/>
+              <a:t> onderhoudbaar </a:t>
+            </a:r>
+            <a:r>
+              <a:rPr lang="en-US" baseline="0" dirty="0" err="1" smtClean="0"/>
+              <a:t>en</a:t>
+            </a:r>
+            <a:r>
+              <a:rPr lang="en-US" baseline="0" dirty="0" smtClean="0"/>
+              <a:t> </a:t>
+            </a:r>
+            <a:r>
+              <a:rPr lang="en-US" baseline="0" dirty="0" err="1" smtClean="0"/>
+              <a:t>blijft</a:t>
+            </a:r>
+            <a:r>
+              <a:rPr lang="en-US" baseline="0" dirty="0" smtClean="0"/>
+              <a:t> het </a:t>
+            </a:r>
+            <a:r>
+              <a:rPr lang="en-US" baseline="0" dirty="0" err="1" smtClean="0"/>
+              <a:t>overzichtelijk</a:t>
+            </a:r>
+            <a:endParaRPr lang="en-US" baseline="0" dirty="0" smtClean="0"/>
+          </a:p>
+          <a:p>
+            <a:pPr>
+              <a:spcBef>
+                <a:spcPts val="0"/>
+              </a:spcBef>
+              <a:buNone/>
+            </a:pPr>
+            <a:endParaRPr lang="en-US" baseline="0" dirty="0" smtClean="0"/>
+          </a:p>
+          <a:p>
+            <a:pPr>
+              <a:spcBef>
+                <a:spcPts val="0"/>
+              </a:spcBef>
+              <a:buNone/>
+            </a:pPr>
+            <a:endParaRPr dirty="0"/>
           </a:p>
         </p:txBody>
       </p:sp>
@@ -2752,7 +3575,7 @@
 </p:notes>
 </file>
 
-<file path=ppt/notesSlides/notesSlide5.xml><?xml version="1.0" encoding="utf-8"?>
+<file path=ppt/notesSlides/notesSlide4.xml><?xml version="1.0" encoding="utf-8"?>
 <p:notes xmlns:a="http://schemas.openxmlformats.org/drawingml/2006/main" xmlns:r="http://schemas.openxmlformats.org/officeDocument/2006/relationships" xmlns:p="http://schemas.openxmlformats.org/presentationml/2006/main" showMasterSp="0" showMasterPhAnim="0">
   <p:cSld>
     <p:spTree>
@@ -2781,8 +3604,8 @@
         </p:nvSpPr>
         <p:spPr>
           <a:xfrm>
-            <a:off x="381187" y="685800"/>
-            <a:ext cx="6096299" cy="3429000"/>
+            <a:off x="381000" y="685800"/>
+            <a:ext cx="6096000" cy="3429000"/>
           </a:xfrm>
           <a:custGeom>
             <a:avLst/>
@@ -2868,7 +3691,7 @@
 </p:notes>
 </file>
 
-<file path=ppt/notesSlides/notesSlide6.xml><?xml version="1.0" encoding="utf-8"?>
+<file path=ppt/notesSlides/notesSlide5.xml><?xml version="1.0" encoding="utf-8"?>
 <p:notes xmlns:a="http://schemas.openxmlformats.org/drawingml/2006/main" xmlns:r="http://schemas.openxmlformats.org/officeDocument/2006/relationships" xmlns:p="http://schemas.openxmlformats.org/presentationml/2006/main" showMasterSp="0" showMasterPhAnim="0">
   <p:cSld>
     <p:spTree>
@@ -2897,8 +3720,8 @@
         </p:nvSpPr>
         <p:spPr>
           <a:xfrm>
-            <a:off x="381187" y="685800"/>
-            <a:ext cx="6096299" cy="3429000"/>
+            <a:off x="381000" y="685800"/>
+            <a:ext cx="6096000" cy="3429000"/>
           </a:xfrm>
           <a:custGeom>
             <a:avLst/>
@@ -2967,7 +3790,7 @@
               </a:spcBef>
               <a:buNone/>
             </a:pPr>
-            <a:endParaRPr/>
+            <a:endParaRPr dirty="0"/>
           </a:p>
         </p:txBody>
       </p:sp>
@@ -2984,7 +3807,564 @@
 </p:notes>
 </file>
 
+<file path=ppt/notesSlides/notesSlide6.xml><?xml version="1.0" encoding="utf-8"?>
+<p:notes xmlns:a="http://schemas.openxmlformats.org/drawingml/2006/main" xmlns:r="http://schemas.openxmlformats.org/officeDocument/2006/relationships" xmlns:p="http://schemas.openxmlformats.org/presentationml/2006/main">
+  <p:cSld>
+    <p:spTree>
+      <p:nvGrpSpPr>
+        <p:cNvPr id="1" name=""/>
+        <p:cNvGrpSpPr/>
+        <p:nvPr/>
+      </p:nvGrpSpPr>
+      <p:grpSpPr>
+        <a:xfrm>
+          <a:off x="0" y="0"/>
+          <a:ext cx="0" cy="0"/>
+          <a:chOff x="0" y="0"/>
+          <a:chExt cx="0" cy="0"/>
+        </a:xfrm>
+      </p:grpSpPr>
+      <p:sp>
+        <p:nvSpPr>
+          <p:cNvPr id="2" name="Tijdelijke aanduiding voor dia-afbeelding 1"/>
+          <p:cNvSpPr>
+            <a:spLocks noGrp="1" noRot="1" noChangeAspect="1"/>
+          </p:cNvSpPr>
+          <p:nvPr>
+            <p:ph type="sldImg"/>
+          </p:nvPr>
+        </p:nvSpPr>
+        <p:spPr>
+          <a:xfrm>
+            <a:off x="381000" y="685800"/>
+            <a:ext cx="6096000" cy="3429000"/>
+          </a:xfrm>
+        </p:spPr>
+      </p:sp>
+      <p:sp>
+        <p:nvSpPr>
+          <p:cNvPr id="3" name="Tijdelijke aanduiding voor notities 2"/>
+          <p:cNvSpPr>
+            <a:spLocks noGrp="1"/>
+          </p:cNvSpPr>
+          <p:nvPr>
+            <p:ph type="body" idx="1"/>
+          </p:nvPr>
+        </p:nvSpPr>
+        <p:spPr/>
+        <p:txBody>
+          <a:bodyPr/>
+          <a:lstStyle/>
+          <a:p>
+            <a:r>
+              <a:rPr lang="en-US" dirty="0" smtClean="0"/>
+              <a:t>De </a:t>
+            </a:r>
+            <a:r>
+              <a:rPr lang="en-US" dirty="0" err="1" smtClean="0"/>
+              <a:t>structuur</a:t>
+            </a:r>
+            <a:r>
+              <a:rPr lang="en-US" dirty="0" smtClean="0"/>
+              <a:t> van </a:t>
+            </a:r>
+            <a:r>
+              <a:rPr lang="en-US" dirty="0" err="1" smtClean="0"/>
+              <a:t>een</a:t>
+            </a:r>
+            <a:r>
+              <a:rPr lang="en-US" dirty="0" smtClean="0"/>
+              <a:t> AngularJS</a:t>
+            </a:r>
+            <a:r>
+              <a:rPr lang="en-US" baseline="0" dirty="0" smtClean="0"/>
+              <a:t> </a:t>
+            </a:r>
+            <a:r>
+              <a:rPr lang="en-US" dirty="0" err="1" smtClean="0"/>
+              <a:t>applicatie</a:t>
+            </a:r>
+            <a:r>
+              <a:rPr lang="en-US" dirty="0" smtClean="0"/>
+              <a:t> </a:t>
+            </a:r>
+            <a:r>
+              <a:rPr lang="en-US" dirty="0" err="1" smtClean="0"/>
+              <a:t>wordt</a:t>
+            </a:r>
+            <a:r>
+              <a:rPr lang="en-US" dirty="0" smtClean="0"/>
+              <a:t> </a:t>
+            </a:r>
+            <a:r>
+              <a:rPr lang="en-US" dirty="0" err="1" smtClean="0"/>
+              <a:t>gescheiden</a:t>
+            </a:r>
+            <a:r>
+              <a:rPr lang="en-US" dirty="0" smtClean="0"/>
+              <a:t> in </a:t>
+            </a:r>
+            <a:r>
+              <a:rPr lang="en-US" dirty="0" err="1" smtClean="0"/>
+              <a:t>drie</a:t>
+            </a:r>
+            <a:r>
+              <a:rPr lang="en-US" dirty="0" smtClean="0"/>
+              <a:t> </a:t>
+            </a:r>
+            <a:r>
+              <a:rPr lang="en-US" dirty="0" err="1" smtClean="0"/>
+              <a:t>delen</a:t>
+            </a:r>
+            <a:endParaRPr lang="en-US" dirty="0" smtClean="0"/>
+          </a:p>
+          <a:p>
+            <a:r>
+              <a:rPr lang="en-US" dirty="0" err="1" smtClean="0"/>
+              <a:t>Logica</a:t>
+            </a:r>
+            <a:endParaRPr lang="en-US" dirty="0" smtClean="0"/>
+          </a:p>
+          <a:p>
+            <a:r>
+              <a:rPr lang="en-US" dirty="0" smtClean="0"/>
+              <a:t>Data</a:t>
+            </a:r>
+          </a:p>
+          <a:p>
+            <a:r>
+              <a:rPr lang="en-US" dirty="0" smtClean="0"/>
+              <a:t>UI</a:t>
+            </a:r>
+            <a:endParaRPr lang="en-US" dirty="0"/>
+          </a:p>
+        </p:txBody>
+      </p:sp>
+    </p:spTree>
+    <p:extLst>
+      <p:ext uri="{BB962C8B-B14F-4D97-AF65-F5344CB8AC3E}">
+        <p14:creationId xmlns:p14="http://schemas.microsoft.com/office/powerpoint/2010/main" val="2228394160"/>
+      </p:ext>
+    </p:extLst>
+  </p:cSld>
+  <p:clrMapOvr>
+    <a:masterClrMapping/>
+  </p:clrMapOvr>
+</p:notes>
+</file>
+
 <file path=ppt/notesSlides/notesSlide7.xml><?xml version="1.0" encoding="utf-8"?>
+<p:notes xmlns:a="http://schemas.openxmlformats.org/drawingml/2006/main" xmlns:r="http://schemas.openxmlformats.org/officeDocument/2006/relationships" xmlns:p="http://schemas.openxmlformats.org/presentationml/2006/main">
+  <p:cSld>
+    <p:spTree>
+      <p:nvGrpSpPr>
+        <p:cNvPr id="1" name=""/>
+        <p:cNvGrpSpPr/>
+        <p:nvPr/>
+      </p:nvGrpSpPr>
+      <p:grpSpPr>
+        <a:xfrm>
+          <a:off x="0" y="0"/>
+          <a:ext cx="0" cy="0"/>
+          <a:chOff x="0" y="0"/>
+          <a:chExt cx="0" cy="0"/>
+        </a:xfrm>
+      </p:grpSpPr>
+      <p:sp>
+        <p:nvSpPr>
+          <p:cNvPr id="2" name="Tijdelijke aanduiding voor dia-afbeelding 1"/>
+          <p:cNvSpPr>
+            <a:spLocks noGrp="1" noRot="1" noChangeAspect="1"/>
+          </p:cNvSpPr>
+          <p:nvPr>
+            <p:ph type="sldImg"/>
+          </p:nvPr>
+        </p:nvSpPr>
+        <p:spPr>
+          <a:xfrm>
+            <a:off x="381000" y="685800"/>
+            <a:ext cx="6096000" cy="3429000"/>
+          </a:xfrm>
+        </p:spPr>
+      </p:sp>
+      <p:sp>
+        <p:nvSpPr>
+          <p:cNvPr id="3" name="Tijdelijke aanduiding voor notities 2"/>
+          <p:cNvSpPr>
+            <a:spLocks noGrp="1"/>
+          </p:cNvSpPr>
+          <p:nvPr>
+            <p:ph type="body" idx="1"/>
+          </p:nvPr>
+        </p:nvSpPr>
+        <p:spPr/>
+        <p:txBody>
+          <a:bodyPr/>
+          <a:lstStyle/>
+          <a:p>
+            <a:r>
+              <a:rPr lang="en-US" dirty="0" err="1" smtClean="0"/>
+              <a:t>Dit</a:t>
+            </a:r>
+            <a:r>
+              <a:rPr lang="en-US" dirty="0" smtClean="0"/>
+              <a:t> is het model-view-controller</a:t>
+            </a:r>
+            <a:r>
+              <a:rPr lang="en-US" baseline="0" dirty="0" smtClean="0"/>
+              <a:t> </a:t>
+            </a:r>
+            <a:r>
+              <a:rPr lang="en-US" baseline="0" dirty="0" err="1" smtClean="0"/>
+              <a:t>architectuur</a:t>
+            </a:r>
+            <a:endParaRPr lang="en-US" baseline="0" dirty="0" smtClean="0"/>
+          </a:p>
+          <a:p>
+            <a:endParaRPr lang="en-US" dirty="0" smtClean="0"/>
+          </a:p>
+          <a:p>
+            <a:r>
+              <a:rPr lang="en-US" dirty="0" smtClean="0"/>
+              <a:t>Om</a:t>
+            </a:r>
+            <a:r>
+              <a:rPr lang="en-US" baseline="0" dirty="0" smtClean="0"/>
+              <a:t> het </a:t>
+            </a:r>
+            <a:r>
+              <a:rPr lang="en-US" baseline="0" dirty="0" err="1" smtClean="0"/>
+              <a:t>makkelijk</a:t>
+            </a:r>
+            <a:r>
+              <a:rPr lang="en-US" baseline="0" dirty="0" smtClean="0"/>
+              <a:t> </a:t>
+            </a:r>
+            <a:r>
+              <a:rPr lang="en-US" baseline="0" dirty="0" err="1" smtClean="0"/>
+              <a:t>testbaar</a:t>
+            </a:r>
+            <a:r>
+              <a:rPr lang="en-US" baseline="0" dirty="0" smtClean="0"/>
+              <a:t>, </a:t>
+            </a:r>
+            <a:r>
+              <a:rPr lang="en-US" baseline="0" dirty="0" err="1" smtClean="0"/>
+              <a:t>uitbreidbaar</a:t>
+            </a:r>
+            <a:r>
+              <a:rPr lang="en-US" baseline="0" dirty="0" smtClean="0"/>
+              <a:t>, onderhoudbaar, </a:t>
+            </a:r>
+            <a:r>
+              <a:rPr lang="en-US" baseline="0" dirty="0" err="1" smtClean="0"/>
+              <a:t>refactorbaar</a:t>
+            </a:r>
+            <a:r>
+              <a:rPr lang="en-US" baseline="0" dirty="0" smtClean="0"/>
+              <a:t> </a:t>
+            </a:r>
+            <a:r>
+              <a:rPr lang="en-US" baseline="0" dirty="0" err="1" smtClean="0"/>
+              <a:t>en</a:t>
+            </a:r>
+            <a:r>
+              <a:rPr lang="en-US" baseline="0" dirty="0" smtClean="0"/>
+              <a:t> </a:t>
+            </a:r>
+            <a:r>
+              <a:rPr lang="en-US" baseline="0" dirty="0" err="1" smtClean="0"/>
+              <a:t>begrijpbaar</a:t>
+            </a:r>
+            <a:r>
+              <a:rPr lang="en-US" baseline="0" dirty="0" smtClean="0"/>
+              <a:t> </a:t>
+            </a:r>
+            <a:r>
+              <a:rPr lang="en-US" baseline="0" dirty="0" err="1" smtClean="0"/>
+              <a:t>te</a:t>
+            </a:r>
+            <a:r>
+              <a:rPr lang="en-US" baseline="0" dirty="0" smtClean="0"/>
+              <a:t> </a:t>
+            </a:r>
+            <a:r>
+              <a:rPr lang="en-US" baseline="0" dirty="0" err="1" smtClean="0"/>
+              <a:t>maken</a:t>
+            </a:r>
+            <a:endParaRPr lang="en-US" baseline="0" dirty="0" smtClean="0"/>
+          </a:p>
+          <a:p>
+            <a:endParaRPr lang="en-US" baseline="0" dirty="0" smtClean="0"/>
+          </a:p>
+          <a:p>
+            <a:r>
+              <a:rPr lang="en-US" baseline="0" dirty="0" smtClean="0"/>
+              <a:t>Controller </a:t>
+            </a:r>
+            <a:r>
+              <a:rPr lang="en-US" baseline="0" dirty="0" err="1" smtClean="0"/>
+              <a:t>veranderd</a:t>
+            </a:r>
+            <a:r>
+              <a:rPr lang="en-US" baseline="0" dirty="0" smtClean="0"/>
+              <a:t> </a:t>
+            </a:r>
+            <a:r>
+              <a:rPr lang="en-US" baseline="0" dirty="0" err="1" smtClean="0"/>
+              <a:t>een</a:t>
+            </a:r>
+            <a:r>
+              <a:rPr lang="en-US" baseline="0" dirty="0" smtClean="0"/>
+              <a:t> Model</a:t>
+            </a:r>
+          </a:p>
+          <a:p>
+            <a:r>
+              <a:rPr lang="en-US" baseline="0" dirty="0" smtClean="0"/>
+              <a:t>Het Model </a:t>
+            </a:r>
+            <a:r>
+              <a:rPr lang="en-US" baseline="0" dirty="0" err="1" smtClean="0"/>
+              <a:t>maakt</a:t>
+            </a:r>
+            <a:r>
+              <a:rPr lang="en-US" baseline="0" dirty="0" smtClean="0"/>
+              <a:t> </a:t>
+            </a:r>
+            <a:r>
+              <a:rPr lang="en-US" baseline="0" dirty="0" err="1" smtClean="0"/>
+              <a:t>dat</a:t>
+            </a:r>
+            <a:r>
+              <a:rPr lang="en-US" baseline="0" dirty="0" smtClean="0"/>
+              <a:t> </a:t>
+            </a:r>
+            <a:r>
+              <a:rPr lang="en-US" baseline="0" dirty="0" err="1" smtClean="0"/>
+              <a:t>bekend</a:t>
+            </a:r>
+            <a:r>
+              <a:rPr lang="en-US" baseline="0" dirty="0" smtClean="0"/>
+              <a:t> in de View</a:t>
+            </a:r>
+          </a:p>
+          <a:p>
+            <a:r>
+              <a:rPr lang="en-US" baseline="0" dirty="0" err="1" smtClean="0"/>
+              <a:t>En</a:t>
+            </a:r>
+            <a:r>
+              <a:rPr lang="en-US" baseline="0" dirty="0" smtClean="0"/>
+              <a:t> de View </a:t>
+            </a:r>
+            <a:r>
+              <a:rPr lang="en-US" baseline="0" dirty="0" err="1" smtClean="0"/>
+              <a:t>maakt</a:t>
+            </a:r>
+            <a:r>
+              <a:rPr lang="en-US" baseline="0" dirty="0" smtClean="0"/>
+              <a:t> </a:t>
+            </a:r>
+            <a:r>
+              <a:rPr lang="en-US" baseline="0" dirty="0" err="1" smtClean="0"/>
+              <a:t>dat</a:t>
+            </a:r>
+            <a:r>
+              <a:rPr lang="en-US" baseline="0" dirty="0" smtClean="0"/>
+              <a:t> </a:t>
+            </a:r>
+            <a:r>
+              <a:rPr lang="en-US" baseline="0" dirty="0" err="1" smtClean="0"/>
+              <a:t>weer</a:t>
+            </a:r>
+            <a:r>
+              <a:rPr lang="en-US" baseline="0" dirty="0" smtClean="0"/>
+              <a:t> </a:t>
+            </a:r>
+            <a:r>
+              <a:rPr lang="en-US" baseline="0" dirty="0" err="1" smtClean="0"/>
+              <a:t>bekend</a:t>
+            </a:r>
+            <a:r>
+              <a:rPr lang="en-US" baseline="0" dirty="0" smtClean="0"/>
+              <a:t> </a:t>
+            </a:r>
+            <a:r>
+              <a:rPr lang="en-US" baseline="0" dirty="0" err="1" smtClean="0"/>
+              <a:t>aan</a:t>
+            </a:r>
+            <a:r>
+              <a:rPr lang="en-US" baseline="0" dirty="0" smtClean="0"/>
+              <a:t> de Controller</a:t>
+            </a:r>
+            <a:endParaRPr lang="en-US" baseline="0" dirty="0" smtClean="0"/>
+          </a:p>
+        </p:txBody>
+      </p:sp>
+    </p:spTree>
+    <p:extLst>
+      <p:ext uri="{BB962C8B-B14F-4D97-AF65-F5344CB8AC3E}">
+        <p14:creationId xmlns:p14="http://schemas.microsoft.com/office/powerpoint/2010/main" val="106202645"/>
+      </p:ext>
+    </p:extLst>
+  </p:cSld>
+  <p:clrMapOvr>
+    <a:masterClrMapping/>
+  </p:clrMapOvr>
+</p:notes>
+</file>
+
+<file path=ppt/notesSlides/notesSlide8.xml><?xml version="1.0" encoding="utf-8"?>
+<p:notes xmlns:a="http://schemas.openxmlformats.org/drawingml/2006/main" xmlns:r="http://schemas.openxmlformats.org/officeDocument/2006/relationships" xmlns:p="http://schemas.openxmlformats.org/presentationml/2006/main">
+  <p:cSld>
+    <p:spTree>
+      <p:nvGrpSpPr>
+        <p:cNvPr id="1" name=""/>
+        <p:cNvGrpSpPr/>
+        <p:nvPr/>
+      </p:nvGrpSpPr>
+      <p:grpSpPr>
+        <a:xfrm>
+          <a:off x="0" y="0"/>
+          <a:ext cx="0" cy="0"/>
+          <a:chOff x="0" y="0"/>
+          <a:chExt cx="0" cy="0"/>
+        </a:xfrm>
+      </p:grpSpPr>
+      <p:sp>
+        <p:nvSpPr>
+          <p:cNvPr id="2" name="Tijdelijke aanduiding voor dia-afbeelding 1"/>
+          <p:cNvSpPr>
+            <a:spLocks noGrp="1" noRot="1" noChangeAspect="1"/>
+          </p:cNvSpPr>
+          <p:nvPr>
+            <p:ph type="sldImg"/>
+          </p:nvPr>
+        </p:nvSpPr>
+        <p:spPr>
+          <a:xfrm>
+            <a:off x="381000" y="685800"/>
+            <a:ext cx="6096000" cy="3429000"/>
+          </a:xfrm>
+        </p:spPr>
+      </p:sp>
+      <p:sp>
+        <p:nvSpPr>
+          <p:cNvPr id="3" name="Tijdelijke aanduiding voor notities 2"/>
+          <p:cNvSpPr>
+            <a:spLocks noGrp="1"/>
+          </p:cNvSpPr>
+          <p:nvPr>
+            <p:ph type="body" idx="1"/>
+          </p:nvPr>
+        </p:nvSpPr>
+        <p:spPr/>
+        <p:txBody>
+          <a:bodyPr/>
+          <a:lstStyle/>
+          <a:p>
+            <a:r>
+              <a:rPr lang="en-US" dirty="0" smtClean="0"/>
+              <a:t>In AngularJS</a:t>
+            </a:r>
+            <a:r>
+              <a:rPr lang="en-US" baseline="0" dirty="0" smtClean="0"/>
+              <a:t> </a:t>
+            </a:r>
+            <a:r>
+              <a:rPr lang="en-US" baseline="0" dirty="0" err="1" smtClean="0"/>
+              <a:t>bevat</a:t>
+            </a:r>
+            <a:r>
+              <a:rPr lang="en-US" baseline="0" dirty="0" smtClean="0"/>
+              <a:t> het Model JavaScript </a:t>
+            </a:r>
+            <a:r>
+              <a:rPr lang="en-US" baseline="0" dirty="0" err="1" smtClean="0"/>
+              <a:t>objecten</a:t>
+            </a:r>
+            <a:r>
+              <a:rPr lang="en-US" baseline="0" dirty="0" smtClean="0"/>
+              <a:t> of </a:t>
+            </a:r>
+            <a:r>
+              <a:rPr lang="en-US" baseline="0" dirty="0" err="1" smtClean="0"/>
+              <a:t>primitieven</a:t>
+            </a:r>
+            <a:endParaRPr lang="en-US" baseline="0" dirty="0" smtClean="0"/>
+          </a:p>
+          <a:p>
+            <a:endParaRPr lang="en-US" baseline="0" dirty="0" smtClean="0"/>
+          </a:p>
+          <a:p>
+            <a:r>
+              <a:rPr lang="en-US" baseline="0" dirty="0" smtClean="0"/>
+              <a:t>De View </a:t>
+            </a:r>
+            <a:r>
+              <a:rPr lang="en-US" baseline="0" dirty="0" err="1" smtClean="0"/>
+              <a:t>wordt</a:t>
+            </a:r>
+            <a:r>
+              <a:rPr lang="en-US" baseline="0" dirty="0" smtClean="0"/>
+              <a:t> </a:t>
+            </a:r>
+            <a:r>
+              <a:rPr lang="en-US" baseline="0" dirty="0" err="1" smtClean="0"/>
+              <a:t>gemaakt</a:t>
+            </a:r>
+            <a:r>
+              <a:rPr lang="en-US" baseline="0" dirty="0" smtClean="0"/>
+              <a:t> in DOM van </a:t>
+            </a:r>
+            <a:r>
+              <a:rPr lang="en-US" baseline="0" dirty="0" err="1" smtClean="0"/>
+              <a:t>een</a:t>
+            </a:r>
+            <a:r>
+              <a:rPr lang="en-US" baseline="0" dirty="0" smtClean="0"/>
+              <a:t> HTML template</a:t>
+            </a:r>
+          </a:p>
+          <a:p>
+            <a:endParaRPr lang="en-US" baseline="0" dirty="0" smtClean="0"/>
+          </a:p>
+          <a:p>
+            <a:r>
+              <a:rPr lang="en-US" baseline="0" dirty="0" smtClean="0"/>
+              <a:t>De Controller </a:t>
+            </a:r>
+            <a:r>
+              <a:rPr lang="en-US" baseline="0" dirty="0" err="1" smtClean="0"/>
+              <a:t>bevat</a:t>
+            </a:r>
+            <a:r>
+              <a:rPr lang="en-US" baseline="0" dirty="0" smtClean="0"/>
+              <a:t> JavaScript </a:t>
+            </a:r>
+            <a:r>
+              <a:rPr lang="en-US" baseline="0" dirty="0" err="1" smtClean="0"/>
+              <a:t>classen</a:t>
+            </a:r>
+            <a:endParaRPr lang="en-US" dirty="0"/>
+          </a:p>
+        </p:txBody>
+      </p:sp>
+    </p:spTree>
+    <p:extLst>
+      <p:ext uri="{BB962C8B-B14F-4D97-AF65-F5344CB8AC3E}">
+        <p14:creationId xmlns:p14="http://schemas.microsoft.com/office/powerpoint/2010/main" val="3340706366"/>
+      </p:ext>
+    </p:extLst>
+  </p:cSld>
+  <p:clrMapOvr>
+    <a:masterClrMapping/>
+  </p:clrMapOvr>
+</p:notes>
+</file>
+
+<file path=ppt/notesSlides/notesSlide9.xml><?xml version="1.0" encoding="utf-8"?>
 <p:notes xmlns:a="http://schemas.openxmlformats.org/drawingml/2006/main" xmlns:r="http://schemas.openxmlformats.org/officeDocument/2006/relationships" xmlns:p="http://schemas.openxmlformats.org/presentationml/2006/main" showMasterSp="0" showMasterPhAnim="0">
   <p:cSld>
     <p:spTree>
@@ -3013,8 +4393,8 @@
         </p:nvSpPr>
         <p:spPr>
           <a:xfrm>
-            <a:off x="381187" y="685800"/>
-            <a:ext cx="6096299" cy="3429000"/>
+            <a:off x="381000" y="685800"/>
+            <a:ext cx="6096000" cy="3429000"/>
           </a:xfrm>
           <a:custGeom>
             <a:avLst/>
@@ -3091,238 +4471,6 @@
     <p:extLst>
       <p:ext uri="{BB962C8B-B14F-4D97-AF65-F5344CB8AC3E}">
         <p14:creationId xmlns:p14="http://schemas.microsoft.com/office/powerpoint/2010/main" val="1906972957"/>
-      </p:ext>
-    </p:extLst>
-  </p:cSld>
-  <p:clrMapOvr>
-    <a:masterClrMapping/>
-  </p:clrMapOvr>
-</p:notes>
-</file>
-
-<file path=ppt/notesSlides/notesSlide8.xml><?xml version="1.0" encoding="utf-8"?>
-<p:notes xmlns:a="http://schemas.openxmlformats.org/drawingml/2006/main" xmlns:r="http://schemas.openxmlformats.org/officeDocument/2006/relationships" xmlns:p="http://schemas.openxmlformats.org/presentationml/2006/main" showMasterSp="0" showMasterPhAnim="0">
-  <p:cSld>
-    <p:spTree>
-      <p:nvGrpSpPr>
-        <p:cNvPr id="1" name="Shape 73"/>
-        <p:cNvGrpSpPr/>
-        <p:nvPr/>
-      </p:nvGrpSpPr>
-      <p:grpSpPr>
-        <a:xfrm>
-          <a:off x="0" y="0"/>
-          <a:ext cx="0" cy="0"/>
-          <a:chOff x="0" y="0"/>
-          <a:chExt cx="0" cy="0"/>
-        </a:xfrm>
-      </p:grpSpPr>
-      <p:sp>
-        <p:nvSpPr>
-          <p:cNvPr id="74" name="Shape 74"/>
-          <p:cNvSpPr>
-            <a:spLocks noGrp="1" noRot="1" noChangeAspect="1"/>
-          </p:cNvSpPr>
-          <p:nvPr>
-            <p:ph type="sldImg" idx="2"/>
-          </p:nvPr>
-        </p:nvSpPr>
-        <p:spPr>
-          <a:xfrm>
-            <a:off x="381187" y="685800"/>
-            <a:ext cx="6096299" cy="3429000"/>
-          </a:xfrm>
-          <a:custGeom>
-            <a:avLst/>
-            <a:gdLst/>
-            <a:ahLst/>
-            <a:cxnLst/>
-            <a:rect l="0" t="0" r="0" b="0"/>
-            <a:pathLst>
-              <a:path w="120000" h="120000" extrusionOk="0">
-                <a:moveTo>
-                  <a:pt x="0" y="0"/>
-                </a:moveTo>
-                <a:lnTo>
-                  <a:pt x="120000" y="0"/>
-                </a:lnTo>
-                <a:lnTo>
-                  <a:pt x="120000" y="120000"/>
-                </a:lnTo>
-                <a:lnTo>
-                  <a:pt x="0" y="120000"/>
-                </a:lnTo>
-                <a:close/>
-              </a:path>
-            </a:pathLst>
-          </a:custGeom>
-          <a:noFill/>
-          <a:ln w="9525" cap="flat">
-            <a:solidFill>
-              <a:srgbClr val="000000"/>
-            </a:solidFill>
-            <a:prstDash val="solid"/>
-            <a:round/>
-            <a:headEnd type="none" w="med" len="med"/>
-            <a:tailEnd type="none" w="med" len="med"/>
-          </a:ln>
-        </p:spPr>
-      </p:sp>
-      <p:sp>
-        <p:nvSpPr>
-          <p:cNvPr id="75" name="Shape 75"/>
-          <p:cNvSpPr txBox="1">
-            <a:spLocks noGrp="1"/>
-          </p:cNvSpPr>
-          <p:nvPr>
-            <p:ph type="body" idx="1"/>
-          </p:nvPr>
-        </p:nvSpPr>
-        <p:spPr>
-          <a:xfrm>
-            <a:off x="685800" y="4343400"/>
-            <a:ext cx="5486399" cy="4114800"/>
-          </a:xfrm>
-          <a:prstGeom prst="rect">
-            <a:avLst/>
-          </a:prstGeom>
-        </p:spPr>
-        <p:txBody>
-          <a:bodyPr lIns="91425" tIns="91425" rIns="91425" bIns="91425" anchor="t" anchorCtr="0">
-            <a:noAutofit/>
-          </a:bodyPr>
-          <a:lstStyle/>
-          <a:p>
-            <a:pPr>
-              <a:spcBef>
-                <a:spcPts val="0"/>
-              </a:spcBef>
-              <a:buNone/>
-            </a:pPr>
-            <a:endParaRPr/>
-          </a:p>
-        </p:txBody>
-      </p:sp>
-    </p:spTree>
-    <p:extLst>
-      <p:ext uri="{BB962C8B-B14F-4D97-AF65-F5344CB8AC3E}">
-        <p14:creationId xmlns:p14="http://schemas.microsoft.com/office/powerpoint/2010/main" val="2338854195"/>
-      </p:ext>
-    </p:extLst>
-  </p:cSld>
-  <p:clrMapOvr>
-    <a:masterClrMapping/>
-  </p:clrMapOvr>
-</p:notes>
-</file>
-
-<file path=ppt/notesSlides/notesSlide9.xml><?xml version="1.0" encoding="utf-8"?>
-<p:notes xmlns:a="http://schemas.openxmlformats.org/drawingml/2006/main" xmlns:r="http://schemas.openxmlformats.org/officeDocument/2006/relationships" xmlns:p="http://schemas.openxmlformats.org/presentationml/2006/main" showMasterSp="0" showMasterPhAnim="0">
-  <p:cSld>
-    <p:spTree>
-      <p:nvGrpSpPr>
-        <p:cNvPr id="1" name="Shape 79"/>
-        <p:cNvGrpSpPr/>
-        <p:nvPr/>
-      </p:nvGrpSpPr>
-      <p:grpSpPr>
-        <a:xfrm>
-          <a:off x="0" y="0"/>
-          <a:ext cx="0" cy="0"/>
-          <a:chOff x="0" y="0"/>
-          <a:chExt cx="0" cy="0"/>
-        </a:xfrm>
-      </p:grpSpPr>
-      <p:sp>
-        <p:nvSpPr>
-          <p:cNvPr id="80" name="Shape 80"/>
-          <p:cNvSpPr>
-            <a:spLocks noGrp="1" noRot="1" noChangeAspect="1"/>
-          </p:cNvSpPr>
-          <p:nvPr>
-            <p:ph type="sldImg" idx="2"/>
-          </p:nvPr>
-        </p:nvSpPr>
-        <p:spPr>
-          <a:xfrm>
-            <a:off x="381187" y="685800"/>
-            <a:ext cx="6096299" cy="3429000"/>
-          </a:xfrm>
-          <a:custGeom>
-            <a:avLst/>
-            <a:gdLst/>
-            <a:ahLst/>
-            <a:cxnLst/>
-            <a:rect l="0" t="0" r="0" b="0"/>
-            <a:pathLst>
-              <a:path w="120000" h="120000" extrusionOk="0">
-                <a:moveTo>
-                  <a:pt x="0" y="0"/>
-                </a:moveTo>
-                <a:lnTo>
-                  <a:pt x="120000" y="0"/>
-                </a:lnTo>
-                <a:lnTo>
-                  <a:pt x="120000" y="120000"/>
-                </a:lnTo>
-                <a:lnTo>
-                  <a:pt x="0" y="120000"/>
-                </a:lnTo>
-                <a:close/>
-              </a:path>
-            </a:pathLst>
-          </a:custGeom>
-          <a:noFill/>
-          <a:ln w="9525" cap="flat">
-            <a:solidFill>
-              <a:srgbClr val="000000"/>
-            </a:solidFill>
-            <a:prstDash val="solid"/>
-            <a:round/>
-            <a:headEnd type="none" w="med" len="med"/>
-            <a:tailEnd type="none" w="med" len="med"/>
-          </a:ln>
-        </p:spPr>
-      </p:sp>
-      <p:sp>
-        <p:nvSpPr>
-          <p:cNvPr id="81" name="Shape 81"/>
-          <p:cNvSpPr txBox="1">
-            <a:spLocks noGrp="1"/>
-          </p:cNvSpPr>
-          <p:nvPr>
-            <p:ph type="body" idx="1"/>
-          </p:nvPr>
-        </p:nvSpPr>
-        <p:spPr>
-          <a:xfrm>
-            <a:off x="685800" y="4343400"/>
-            <a:ext cx="5486399" cy="4114800"/>
-          </a:xfrm>
-          <a:prstGeom prst="rect">
-            <a:avLst/>
-          </a:prstGeom>
-        </p:spPr>
-        <p:txBody>
-          <a:bodyPr lIns="91425" tIns="91425" rIns="91425" bIns="91425" anchor="t" anchorCtr="0">
-            <a:noAutofit/>
-          </a:bodyPr>
-          <a:lstStyle/>
-          <a:p>
-            <a:pPr>
-              <a:spcBef>
-                <a:spcPts val="0"/>
-              </a:spcBef>
-              <a:buNone/>
-            </a:pPr>
-            <a:endParaRPr/>
-          </a:p>
-        </p:txBody>
-      </p:sp>
-    </p:spTree>
-    <p:extLst>
-      <p:ext uri="{BB962C8B-B14F-4D97-AF65-F5344CB8AC3E}">
-        <p14:creationId xmlns:p14="http://schemas.microsoft.com/office/powerpoint/2010/main" val="856486270"/>
       </p:ext>
     </p:extLst>
   </p:cSld>
@@ -5474,6 +6622,981 @@
   <p:cSld>
     <p:spTree>
       <p:nvGrpSpPr>
+        <p:cNvPr id="1" name="Shape 94"/>
+        <p:cNvGrpSpPr/>
+        <p:nvPr/>
+      </p:nvGrpSpPr>
+      <p:grpSpPr>
+        <a:xfrm>
+          <a:off x="0" y="0"/>
+          <a:ext cx="0" cy="0"/>
+          <a:chOff x="0" y="0"/>
+          <a:chExt cx="0" cy="0"/>
+        </a:xfrm>
+      </p:grpSpPr>
+      <p:sp>
+        <p:nvSpPr>
+          <p:cNvPr id="95" name="Shape 95"/>
+          <p:cNvSpPr txBox="1">
+            <a:spLocks noGrp="1"/>
+          </p:cNvSpPr>
+          <p:nvPr>
+            <p:ph type="title"/>
+          </p:nvPr>
+        </p:nvSpPr>
+        <p:spPr>
+          <a:xfrm>
+            <a:off x="457200" y="205977"/>
+            <a:ext cx="8229600" cy="1141499"/>
+          </a:xfrm>
+          <a:prstGeom prst="rect">
+            <a:avLst/>
+          </a:prstGeom>
+        </p:spPr>
+        <p:txBody>
+          <a:bodyPr lIns="91425" tIns="91425" rIns="91425" bIns="91425" anchor="b" anchorCtr="0">
+            <a:noAutofit/>
+          </a:bodyPr>
+          <a:lstStyle/>
+          <a:p>
+            <a:pPr>
+              <a:spcBef>
+                <a:spcPts val="0"/>
+              </a:spcBef>
+              <a:buNone/>
+            </a:pPr>
+            <a:r>
+              <a:rPr lang="nl"/>
+              <a:t>Model [S]</a:t>
+            </a:r>
+          </a:p>
+        </p:txBody>
+      </p:sp>
+      <p:sp>
+        <p:nvSpPr>
+          <p:cNvPr id="96" name="Shape 96"/>
+          <p:cNvSpPr txBox="1">
+            <a:spLocks noGrp="1"/>
+          </p:cNvSpPr>
+          <p:nvPr>
+            <p:ph type="body" idx="1"/>
+          </p:nvPr>
+        </p:nvSpPr>
+        <p:spPr>
+          <a:xfrm>
+            <a:off x="457200" y="1460499"/>
+            <a:ext cx="8229600" cy="3465299"/>
+          </a:xfrm>
+          <a:prstGeom prst="rect">
+            <a:avLst/>
+          </a:prstGeom>
+        </p:spPr>
+        <p:txBody>
+          <a:bodyPr lIns="91425" tIns="91425" rIns="91425" bIns="91425" anchor="t" anchorCtr="0">
+            <a:noAutofit/>
+          </a:bodyPr>
+          <a:lstStyle/>
+          <a:p>
+            <a:pPr rtl="0">
+              <a:spcBef>
+                <a:spcPts val="0"/>
+              </a:spcBef>
+              <a:buNone/>
+            </a:pPr>
+            <a:r>
+              <a:rPr lang="nl" sz="1400" b="1" dirty="0"/>
+              <a:t>Doel</a:t>
+            </a:r>
+          </a:p>
+          <a:p>
+            <a:pPr rtl="0">
+              <a:spcBef>
+                <a:spcPts val="0"/>
+              </a:spcBef>
+              <a:buNone/>
+            </a:pPr>
+            <a:r>
+              <a:rPr lang="nl" sz="1400" dirty="0"/>
+              <a:t>Het </a:t>
+            </a:r>
+            <a:r>
+              <a:rPr lang="nl" sz="1400" i="1" dirty="0"/>
+              <a:t>Model</a:t>
+            </a:r>
+            <a:r>
+              <a:rPr lang="nl" sz="1400" dirty="0"/>
+              <a:t> in AngularJS is een JS object. Een </a:t>
+            </a:r>
+            <a:r>
+              <a:rPr lang="nl" sz="1400" i="1" dirty="0"/>
+              <a:t>Model</a:t>
+            </a:r>
+            <a:r>
+              <a:rPr lang="nl" sz="1400" dirty="0"/>
+              <a:t> wordt in principe altijd gevuld in een JSON formaat, </a:t>
+            </a:r>
+            <a:r>
+              <a:rPr lang="nl" sz="1400" b="1" dirty="0"/>
+              <a:t>maar </a:t>
+            </a:r>
+            <a:r>
+              <a:rPr lang="nl" sz="1400" dirty="0"/>
+              <a:t>kan ook worden gevuld met een String waarde. Het </a:t>
+            </a:r>
+            <a:r>
+              <a:rPr lang="nl" sz="1400" i="1" dirty="0"/>
+              <a:t>Model</a:t>
+            </a:r>
+            <a:r>
+              <a:rPr lang="nl" sz="1400" dirty="0"/>
+              <a:t> wordt gebruikt in een UI, Web Service etc.</a:t>
+            </a:r>
+          </a:p>
+          <a:p>
+            <a:pPr rtl="0">
+              <a:spcBef>
+                <a:spcPts val="0"/>
+              </a:spcBef>
+              <a:buNone/>
+            </a:pPr>
+            <a:endParaRPr sz="1400" dirty="0"/>
+          </a:p>
+          <a:p>
+            <a:pPr rtl="0">
+              <a:spcBef>
+                <a:spcPts val="0"/>
+              </a:spcBef>
+              <a:buNone/>
+            </a:pPr>
+            <a:r>
+              <a:rPr lang="nl" sz="1400" b="1" dirty="0"/>
+              <a:t>Voorbeeld</a:t>
+            </a:r>
+          </a:p>
+          <a:p>
+            <a:pPr rtl="0">
+              <a:spcBef>
+                <a:spcPts val="0"/>
+              </a:spcBef>
+              <a:buNone/>
+            </a:pPr>
+            <a:r>
+              <a:rPr lang="nl" sz="1400" dirty="0"/>
+              <a:t>$scope.title = ‘AngularJS demo’;</a:t>
+            </a:r>
+          </a:p>
+          <a:p>
+            <a:pPr rtl="0">
+              <a:spcBef>
+                <a:spcPts val="0"/>
+              </a:spcBef>
+              <a:buNone/>
+            </a:pPr>
+            <a:r>
+              <a:rPr lang="nl" sz="1400" dirty="0"/>
+              <a:t>$scope.users = [</a:t>
+            </a:r>
+          </a:p>
+          <a:p>
+            <a:pPr rtl="0">
+              <a:spcBef>
+                <a:spcPts val="0"/>
+              </a:spcBef>
+              <a:buNone/>
+            </a:pPr>
+            <a:r>
+              <a:rPr lang="nl" sz="1400" dirty="0"/>
+              <a:t>	{‘firstname’: ‘Sander’, ‘lastname’: ‘Tetteroo’},</a:t>
+            </a:r>
+          </a:p>
+          <a:p>
+            <a:pPr rtl="0">
+              <a:spcBef>
+                <a:spcPts val="0"/>
+              </a:spcBef>
+              <a:buNone/>
+            </a:pPr>
+            <a:r>
+              <a:rPr lang="nl" sz="1400" dirty="0"/>
+              <a:t>	{‘firstname’: ‘Remco’, ‘lastname’: ‘van der Horst’}</a:t>
+            </a:r>
+          </a:p>
+          <a:p>
+            <a:pPr>
+              <a:spcBef>
+                <a:spcPts val="0"/>
+              </a:spcBef>
+              <a:buNone/>
+            </a:pPr>
+            <a:r>
+              <a:rPr lang="nl" sz="1400" dirty="0"/>
+              <a:t>];</a:t>
+            </a:r>
+          </a:p>
+        </p:txBody>
+      </p:sp>
+    </p:spTree>
+  </p:cSld>
+  <p:clrMapOvr>
+    <a:masterClrMapping/>
+  </p:clrMapOvr>
+  <p:transition spd="slow">
+    <p:cut/>
+  </p:transition>
+</p:sld>
+</file>
+
+<file path=ppt/slides/slide11.xml><?xml version="1.0" encoding="utf-8"?>
+<p:sld xmlns:a="http://schemas.openxmlformats.org/drawingml/2006/main" xmlns:r="http://schemas.openxmlformats.org/officeDocument/2006/relationships" xmlns:p="http://schemas.openxmlformats.org/presentationml/2006/main">
+  <p:cSld>
+    <p:spTree>
+      <p:nvGrpSpPr>
+        <p:cNvPr id="1" name="Shape 100"/>
+        <p:cNvGrpSpPr/>
+        <p:nvPr/>
+      </p:nvGrpSpPr>
+      <p:grpSpPr>
+        <a:xfrm>
+          <a:off x="0" y="0"/>
+          <a:ext cx="0" cy="0"/>
+          <a:chOff x="0" y="0"/>
+          <a:chExt cx="0" cy="0"/>
+        </a:xfrm>
+      </p:grpSpPr>
+      <p:sp>
+        <p:nvSpPr>
+          <p:cNvPr id="101" name="Shape 101"/>
+          <p:cNvSpPr txBox="1">
+            <a:spLocks noGrp="1"/>
+          </p:cNvSpPr>
+          <p:nvPr>
+            <p:ph type="title"/>
+          </p:nvPr>
+        </p:nvSpPr>
+        <p:spPr>
+          <a:xfrm>
+            <a:off x="457200" y="205977"/>
+            <a:ext cx="8229600" cy="1141499"/>
+          </a:xfrm>
+          <a:prstGeom prst="rect">
+            <a:avLst/>
+          </a:prstGeom>
+        </p:spPr>
+        <p:txBody>
+          <a:bodyPr lIns="91425" tIns="91425" rIns="91425" bIns="91425" anchor="b" anchorCtr="0">
+            <a:noAutofit/>
+          </a:bodyPr>
+          <a:lstStyle/>
+          <a:p>
+            <a:pPr>
+              <a:spcBef>
+                <a:spcPts val="0"/>
+              </a:spcBef>
+              <a:buNone/>
+            </a:pPr>
+            <a:r>
+              <a:rPr lang="nl"/>
+              <a:t>View [S]</a:t>
+            </a:r>
+          </a:p>
+        </p:txBody>
+      </p:sp>
+      <p:sp>
+        <p:nvSpPr>
+          <p:cNvPr id="102" name="Shape 102"/>
+          <p:cNvSpPr txBox="1">
+            <a:spLocks noGrp="1"/>
+          </p:cNvSpPr>
+          <p:nvPr>
+            <p:ph type="body" idx="1"/>
+          </p:nvPr>
+        </p:nvSpPr>
+        <p:spPr>
+          <a:xfrm>
+            <a:off x="457200" y="1460499"/>
+            <a:ext cx="8229600" cy="3465299"/>
+          </a:xfrm>
+          <a:prstGeom prst="rect">
+            <a:avLst/>
+          </a:prstGeom>
+        </p:spPr>
+        <p:txBody>
+          <a:bodyPr lIns="91425" tIns="91425" rIns="91425" bIns="91425" anchor="t" anchorCtr="0">
+            <a:noAutofit/>
+          </a:bodyPr>
+          <a:lstStyle/>
+          <a:p>
+            <a:pPr rtl="0">
+              <a:spcBef>
+                <a:spcPts val="0"/>
+              </a:spcBef>
+              <a:buNone/>
+            </a:pPr>
+            <a:r>
+              <a:rPr lang="nl" sz="1400" b="1"/>
+              <a:t>Doel</a:t>
+            </a:r>
+          </a:p>
+          <a:p>
+            <a:pPr rtl="0">
+              <a:spcBef>
+                <a:spcPts val="0"/>
+              </a:spcBef>
+              <a:buNone/>
+            </a:pPr>
+            <a:r>
+              <a:rPr lang="nl" sz="1400"/>
+              <a:t>De </a:t>
+            </a:r>
+            <a:r>
+              <a:rPr lang="nl" sz="1400" i="1"/>
+              <a:t>View</a:t>
+            </a:r>
+            <a:r>
+              <a:rPr lang="nl" sz="1400"/>
+              <a:t> in AngularJS is de content van de webpagina. </a:t>
+            </a:r>
+          </a:p>
+          <a:p>
+            <a:pPr rtl="0">
+              <a:spcBef>
+                <a:spcPts val="0"/>
+              </a:spcBef>
+              <a:buNone/>
+            </a:pPr>
+            <a:endParaRPr sz="1400"/>
+          </a:p>
+          <a:p>
+            <a:pPr rtl="0">
+              <a:spcBef>
+                <a:spcPts val="0"/>
+              </a:spcBef>
+              <a:buNone/>
+            </a:pPr>
+            <a:r>
+              <a:rPr lang="nl" sz="1400" b="1"/>
+              <a:t>Link</a:t>
+            </a:r>
+          </a:p>
+          <a:p>
+            <a:pPr>
+              <a:spcBef>
+                <a:spcPts val="0"/>
+              </a:spcBef>
+              <a:buNone/>
+            </a:pPr>
+            <a:r>
+              <a:rPr lang="nl" sz="1400" u="sng">
+                <a:solidFill>
+                  <a:schemeClr val="hlink"/>
+                </a:solidFill>
+                <a:hlinkClick r:id="rId3"/>
+              </a:rPr>
+              <a:t>http://localhost:8080/kes-angular/demo/view</a:t>
+            </a:r>
+          </a:p>
+        </p:txBody>
+      </p:sp>
+    </p:spTree>
+  </p:cSld>
+  <p:clrMapOvr>
+    <a:masterClrMapping/>
+  </p:clrMapOvr>
+  <p:transition spd="slow">
+    <p:cut/>
+  </p:transition>
+</p:sld>
+</file>
+
+<file path=ppt/slides/slide12.xml><?xml version="1.0" encoding="utf-8"?>
+<p:sld xmlns:a="http://schemas.openxmlformats.org/drawingml/2006/main" xmlns:r="http://schemas.openxmlformats.org/officeDocument/2006/relationships" xmlns:p="http://schemas.openxmlformats.org/presentationml/2006/main">
+  <p:cSld>
+    <p:spTree>
+      <p:nvGrpSpPr>
+        <p:cNvPr id="1" name="Shape 70"/>
+        <p:cNvGrpSpPr/>
+        <p:nvPr/>
+      </p:nvGrpSpPr>
+      <p:grpSpPr>
+        <a:xfrm>
+          <a:off x="0" y="0"/>
+          <a:ext cx="0" cy="0"/>
+          <a:chOff x="0" y="0"/>
+          <a:chExt cx="0" cy="0"/>
+        </a:xfrm>
+      </p:grpSpPr>
+      <p:sp>
+        <p:nvSpPr>
+          <p:cNvPr id="71" name="Shape 71"/>
+          <p:cNvSpPr txBox="1">
+            <a:spLocks noGrp="1"/>
+          </p:cNvSpPr>
+          <p:nvPr>
+            <p:ph type="title"/>
+          </p:nvPr>
+        </p:nvSpPr>
+        <p:spPr>
+          <a:xfrm>
+            <a:off x="457200" y="205977"/>
+            <a:ext cx="8229600" cy="1141499"/>
+          </a:xfrm>
+          <a:prstGeom prst="rect">
+            <a:avLst/>
+          </a:prstGeom>
+        </p:spPr>
+        <p:txBody>
+          <a:bodyPr lIns="91425" tIns="91425" rIns="91425" bIns="91425" anchor="b" anchorCtr="0">
+            <a:noAutofit/>
+          </a:bodyPr>
+          <a:lstStyle/>
+          <a:p>
+            <a:pPr>
+              <a:spcBef>
+                <a:spcPts val="0"/>
+              </a:spcBef>
+              <a:buNone/>
+            </a:pPr>
+            <a:r>
+              <a:rPr lang="nl" dirty="0"/>
+              <a:t>Controller </a:t>
+            </a:r>
+            <a:r>
+              <a:rPr lang="nl" dirty="0" smtClean="0"/>
+              <a:t>[Son]</a:t>
+            </a:r>
+            <a:endParaRPr lang="nl" dirty="0"/>
+          </a:p>
+        </p:txBody>
+      </p:sp>
+      <p:sp>
+        <p:nvSpPr>
+          <p:cNvPr id="72" name="Shape 72"/>
+          <p:cNvSpPr txBox="1">
+            <a:spLocks noGrp="1"/>
+          </p:cNvSpPr>
+          <p:nvPr>
+            <p:ph type="body" idx="1"/>
+          </p:nvPr>
+        </p:nvSpPr>
+        <p:spPr>
+          <a:xfrm>
+            <a:off x="457200" y="1460499"/>
+            <a:ext cx="8229600" cy="3465299"/>
+          </a:xfrm>
+          <a:prstGeom prst="rect">
+            <a:avLst/>
+          </a:prstGeom>
+        </p:spPr>
+        <p:txBody>
+          <a:bodyPr lIns="91425" tIns="91425" rIns="91425" bIns="91425" anchor="t" anchorCtr="0">
+            <a:noAutofit/>
+          </a:bodyPr>
+          <a:lstStyle/>
+          <a:p>
+            <a:pPr lvl="0" rtl="0">
+              <a:spcBef>
+                <a:spcPts val="0"/>
+              </a:spcBef>
+              <a:buClr>
+                <a:schemeClr val="dk1"/>
+              </a:buClr>
+              <a:buSzPct val="91666"/>
+              <a:buFont typeface="Arial"/>
+              <a:buNone/>
+            </a:pPr>
+            <a:r>
+              <a:rPr lang="nl" sz="1200">
+                <a:solidFill>
+                  <a:schemeClr val="dk1"/>
+                </a:solidFill>
+                <a:latin typeface="Calibri"/>
+                <a:ea typeface="Calibri"/>
+                <a:cs typeface="Calibri"/>
+                <a:sym typeface="Calibri"/>
+              </a:rPr>
+              <a:t>Controller is a JavaScript constructor function that is used to augment the Angular Scope</a:t>
+            </a:r>
+          </a:p>
+          <a:p>
+            <a:pPr lvl="0" rtl="0">
+              <a:spcBef>
+                <a:spcPts val="0"/>
+              </a:spcBef>
+              <a:buClr>
+                <a:schemeClr val="dk1"/>
+              </a:buClr>
+              <a:buFont typeface="Arial"/>
+              <a:buNone/>
+            </a:pPr>
+            <a:endParaRPr sz="1200">
+              <a:solidFill>
+                <a:schemeClr val="dk1"/>
+              </a:solidFill>
+              <a:latin typeface="Calibri"/>
+              <a:ea typeface="Calibri"/>
+              <a:cs typeface="Calibri"/>
+              <a:sym typeface="Calibri"/>
+            </a:endParaRPr>
+          </a:p>
+          <a:p>
+            <a:pPr lvl="0" rtl="0">
+              <a:spcBef>
+                <a:spcPts val="0"/>
+              </a:spcBef>
+              <a:buClr>
+                <a:schemeClr val="dk1"/>
+              </a:buClr>
+              <a:buSzPct val="91666"/>
+              <a:buFont typeface="Arial"/>
+              <a:buNone/>
+            </a:pPr>
+            <a:r>
+              <a:rPr lang="nl" sz="1200">
+                <a:solidFill>
+                  <a:schemeClr val="dk1"/>
+                </a:solidFill>
+                <a:latin typeface="Calibri"/>
+                <a:ea typeface="Calibri"/>
+                <a:cs typeface="Calibri"/>
+                <a:sym typeface="Calibri"/>
+              </a:rPr>
+              <a:t>When to use:</a:t>
+            </a:r>
+          </a:p>
+          <a:p>
+            <a:pPr lvl="0" rtl="0">
+              <a:spcBef>
+                <a:spcPts val="0"/>
+              </a:spcBef>
+              <a:buClr>
+                <a:schemeClr val="dk1"/>
+              </a:buClr>
+              <a:buSzPct val="91666"/>
+              <a:buFont typeface="Arial"/>
+              <a:buNone/>
+            </a:pPr>
+            <a:r>
+              <a:rPr lang="nl" sz="1200">
+                <a:solidFill>
+                  <a:schemeClr val="dk1"/>
+                </a:solidFill>
+                <a:latin typeface="Calibri"/>
+                <a:ea typeface="Calibri"/>
+                <a:cs typeface="Calibri"/>
+                <a:sym typeface="Calibri"/>
+              </a:rPr>
+              <a:t>Set up the initial state of the $scope object.</a:t>
+            </a:r>
+          </a:p>
+          <a:p>
+            <a:pPr lvl="0">
+              <a:spcBef>
+                <a:spcPts val="0"/>
+              </a:spcBef>
+              <a:buNone/>
+            </a:pPr>
+            <a:r>
+              <a:rPr lang="nl" sz="1200">
+                <a:solidFill>
+                  <a:schemeClr val="dk1"/>
+                </a:solidFill>
+                <a:latin typeface="Calibri"/>
+                <a:ea typeface="Calibri"/>
+                <a:cs typeface="Calibri"/>
+                <a:sym typeface="Calibri"/>
+              </a:rPr>
+              <a:t>Add behavior to the $scope object.</a:t>
+            </a:r>
+          </a:p>
+        </p:txBody>
+      </p:sp>
+    </p:spTree>
+  </p:cSld>
+  <p:clrMapOvr>
+    <a:masterClrMapping/>
+  </p:clrMapOvr>
+  <p:transition spd="slow">
+    <p:cut/>
+  </p:transition>
+</p:sld>
+</file>
+
+<file path=ppt/slides/slide13.xml><?xml version="1.0" encoding="utf-8"?>
+<p:sld xmlns:a="http://schemas.openxmlformats.org/drawingml/2006/main" xmlns:r="http://schemas.openxmlformats.org/officeDocument/2006/relationships" xmlns:p="http://schemas.openxmlformats.org/presentationml/2006/main">
+  <p:cSld>
+    <p:spTree>
+      <p:nvGrpSpPr>
+        <p:cNvPr id="1" name="Shape 76"/>
+        <p:cNvGrpSpPr/>
+        <p:nvPr/>
+      </p:nvGrpSpPr>
+      <p:grpSpPr>
+        <a:xfrm>
+          <a:off x="0" y="0"/>
+          <a:ext cx="0" cy="0"/>
+          <a:chOff x="0" y="0"/>
+          <a:chExt cx="0" cy="0"/>
+        </a:xfrm>
+      </p:grpSpPr>
+      <p:sp>
+        <p:nvSpPr>
+          <p:cNvPr id="77" name="Shape 77"/>
+          <p:cNvSpPr txBox="1">
+            <a:spLocks noGrp="1"/>
+          </p:cNvSpPr>
+          <p:nvPr>
+            <p:ph type="title"/>
+          </p:nvPr>
+        </p:nvSpPr>
+        <p:spPr>
+          <a:xfrm>
+            <a:off x="457200" y="205977"/>
+            <a:ext cx="8229600" cy="1141499"/>
+          </a:xfrm>
+          <a:prstGeom prst="rect">
+            <a:avLst/>
+          </a:prstGeom>
+        </p:spPr>
+        <p:txBody>
+          <a:bodyPr lIns="91425" tIns="91425" rIns="91425" bIns="91425" anchor="b" anchorCtr="0">
+            <a:noAutofit/>
+          </a:bodyPr>
+          <a:lstStyle/>
+          <a:p>
+            <a:pPr lvl="0" rtl="0">
+              <a:spcBef>
+                <a:spcPts val="0"/>
+              </a:spcBef>
+              <a:buNone/>
+            </a:pPr>
+            <a:r>
+              <a:rPr lang="nl" dirty="0"/>
+              <a:t>Controller </a:t>
+            </a:r>
+            <a:r>
+              <a:rPr lang="nl" dirty="0" smtClean="0"/>
+              <a:t>[Son]</a:t>
+            </a:r>
+            <a:endParaRPr lang="nl" dirty="0"/>
+          </a:p>
+        </p:txBody>
+      </p:sp>
+      <p:sp>
+        <p:nvSpPr>
+          <p:cNvPr id="78" name="Shape 78"/>
+          <p:cNvSpPr txBox="1">
+            <a:spLocks noGrp="1"/>
+          </p:cNvSpPr>
+          <p:nvPr>
+            <p:ph type="body" idx="1"/>
+          </p:nvPr>
+        </p:nvSpPr>
+        <p:spPr>
+          <a:xfrm>
+            <a:off x="457200" y="1460499"/>
+            <a:ext cx="8229600" cy="3465299"/>
+          </a:xfrm>
+          <a:prstGeom prst="rect">
+            <a:avLst/>
+          </a:prstGeom>
+        </p:spPr>
+        <p:txBody>
+          <a:bodyPr lIns="91425" tIns="91425" rIns="91425" bIns="91425" anchor="t" anchorCtr="0">
+            <a:noAutofit/>
+          </a:bodyPr>
+          <a:lstStyle/>
+          <a:p>
+            <a:pPr lvl="0" rtl="0">
+              <a:spcBef>
+                <a:spcPts val="0"/>
+              </a:spcBef>
+              <a:buNone/>
+            </a:pPr>
+            <a:r>
+              <a:rPr lang="nl" sz="1000" i="1">
+                <a:solidFill>
+                  <a:schemeClr val="dk1"/>
+                </a:solidFill>
+                <a:latin typeface="Calibri"/>
+                <a:ea typeface="Calibri"/>
+                <a:cs typeface="Calibri"/>
+                <a:sym typeface="Calibri"/>
+              </a:rPr>
+              <a:t>Minimal example</a:t>
+            </a:r>
+          </a:p>
+          <a:p>
+            <a:pPr lvl="0" rtl="0">
+              <a:spcBef>
+                <a:spcPts val="0"/>
+              </a:spcBef>
+              <a:buNone/>
+            </a:pPr>
+            <a:endParaRPr sz="1000" i="1">
+              <a:solidFill>
+                <a:schemeClr val="dk1"/>
+              </a:solidFill>
+              <a:latin typeface="Calibri"/>
+              <a:ea typeface="Calibri"/>
+              <a:cs typeface="Calibri"/>
+              <a:sym typeface="Calibri"/>
+            </a:endParaRPr>
+          </a:p>
+          <a:p>
+            <a:pPr lvl="0" rtl="0">
+              <a:spcBef>
+                <a:spcPts val="0"/>
+              </a:spcBef>
+              <a:buNone/>
+            </a:pPr>
+            <a:r>
+              <a:rPr lang="nl" sz="1000" i="1">
+                <a:solidFill>
+                  <a:schemeClr val="dk1"/>
+                </a:solidFill>
+                <a:latin typeface="Calibri"/>
+                <a:ea typeface="Calibri"/>
+                <a:cs typeface="Calibri"/>
+                <a:sym typeface="Calibri"/>
+              </a:rPr>
+              <a:t>=&gt; index.html</a:t>
+            </a:r>
+          </a:p>
+          <a:p>
+            <a:pPr lvl="0" rtl="0">
+              <a:spcBef>
+                <a:spcPts val="0"/>
+              </a:spcBef>
+              <a:buNone/>
+            </a:pPr>
+            <a:endParaRPr sz="1000" i="1">
+              <a:solidFill>
+                <a:schemeClr val="dk1"/>
+              </a:solidFill>
+              <a:latin typeface="Calibri"/>
+              <a:ea typeface="Calibri"/>
+              <a:cs typeface="Calibri"/>
+              <a:sym typeface="Calibri"/>
+            </a:endParaRPr>
+          </a:p>
+          <a:p>
+            <a:pPr lvl="0" rtl="0">
+              <a:spcBef>
+                <a:spcPts val="0"/>
+              </a:spcBef>
+              <a:buNone/>
+            </a:pPr>
+            <a:r>
+              <a:rPr lang="nl" sz="1000" i="1">
+                <a:solidFill>
+                  <a:schemeClr val="dk1"/>
+                </a:solidFill>
+                <a:latin typeface="Calibri"/>
+                <a:ea typeface="Calibri"/>
+                <a:cs typeface="Calibri"/>
+                <a:sym typeface="Calibri"/>
+              </a:rPr>
+              <a:t>&lt;html ng-app&gt;</a:t>
+            </a:r>
+          </a:p>
+          <a:p>
+            <a:pPr lvl="0" rtl="0">
+              <a:spcBef>
+                <a:spcPts val="0"/>
+              </a:spcBef>
+              <a:buNone/>
+            </a:pPr>
+            <a:r>
+              <a:rPr lang="nl" sz="1000" i="1">
+                <a:solidFill>
+                  <a:schemeClr val="dk1"/>
+                </a:solidFill>
+                <a:latin typeface="Calibri"/>
+                <a:ea typeface="Calibri"/>
+                <a:cs typeface="Calibri"/>
+                <a:sym typeface="Calibri"/>
+              </a:rPr>
+              <a:t>&lt;head&gt;</a:t>
+            </a:r>
+          </a:p>
+          <a:p>
+            <a:pPr lvl="0" rtl="0">
+              <a:spcBef>
+                <a:spcPts val="0"/>
+              </a:spcBef>
+              <a:buNone/>
+            </a:pPr>
+            <a:r>
+              <a:rPr lang="nl" sz="1000" i="1">
+                <a:solidFill>
+                  <a:schemeClr val="dk1"/>
+                </a:solidFill>
+                <a:latin typeface="Calibri"/>
+                <a:ea typeface="Calibri"/>
+                <a:cs typeface="Calibri"/>
+                <a:sym typeface="Calibri"/>
+              </a:rPr>
+              <a:t>&lt;script src="angular.js"&gt;&lt;/script&gt;</a:t>
+            </a:r>
+          </a:p>
+          <a:p>
+            <a:pPr lvl="0" rtl="0">
+              <a:spcBef>
+                <a:spcPts val="0"/>
+              </a:spcBef>
+              <a:buNone/>
+            </a:pPr>
+            <a:r>
+              <a:rPr lang="nl" sz="1000" i="1">
+                <a:solidFill>
+                  <a:schemeClr val="dk1"/>
+                </a:solidFill>
+                <a:latin typeface="Calibri"/>
+                <a:ea typeface="Calibri"/>
+                <a:cs typeface="Calibri"/>
+                <a:sym typeface="Calibri"/>
+              </a:rPr>
+              <a:t>&lt;script src="controllers.js"&gt;&lt;/script&gt;</a:t>
+            </a:r>
+          </a:p>
+          <a:p>
+            <a:pPr lvl="0" rtl="0">
+              <a:spcBef>
+                <a:spcPts val="0"/>
+              </a:spcBef>
+              <a:buNone/>
+            </a:pPr>
+            <a:r>
+              <a:rPr lang="nl" sz="1000" i="1">
+                <a:solidFill>
+                  <a:schemeClr val="dk1"/>
+                </a:solidFill>
+                <a:latin typeface="Calibri"/>
+                <a:ea typeface="Calibri"/>
+                <a:cs typeface="Calibri"/>
+                <a:sym typeface="Calibri"/>
+              </a:rPr>
+              <a:t>&lt;/head&gt;</a:t>
+            </a:r>
+          </a:p>
+          <a:p>
+            <a:pPr lvl="0" rtl="0">
+              <a:spcBef>
+                <a:spcPts val="0"/>
+              </a:spcBef>
+              <a:buNone/>
+            </a:pPr>
+            <a:r>
+              <a:rPr lang="nl" sz="1000" i="1">
+                <a:solidFill>
+                  <a:schemeClr val="dk1"/>
+                </a:solidFill>
+                <a:latin typeface="Calibri"/>
+                <a:ea typeface="Calibri"/>
+                <a:cs typeface="Calibri"/>
+                <a:sym typeface="Calibri"/>
+              </a:rPr>
+              <a:t>&lt;body&gt;</a:t>
+            </a:r>
+          </a:p>
+          <a:p>
+            <a:pPr lvl="0" rtl="0">
+              <a:spcBef>
+                <a:spcPts val="0"/>
+              </a:spcBef>
+              <a:buNone/>
+            </a:pPr>
+            <a:r>
+              <a:rPr lang="nl" sz="1000" i="1">
+                <a:solidFill>
+                  <a:schemeClr val="dk1"/>
+                </a:solidFill>
+                <a:latin typeface="Calibri"/>
+                <a:ea typeface="Calibri"/>
+                <a:cs typeface="Calibri"/>
+                <a:sym typeface="Calibri"/>
+              </a:rPr>
+              <a:t>&lt;div ng-controller='HelloController'&gt;</a:t>
+            </a:r>
+          </a:p>
+          <a:p>
+            <a:pPr lvl="0" rtl="0">
+              <a:spcBef>
+                <a:spcPts val="0"/>
+              </a:spcBef>
+              <a:buNone/>
+            </a:pPr>
+            <a:r>
+              <a:rPr lang="nl" sz="1000" i="1">
+                <a:solidFill>
+                  <a:schemeClr val="dk1"/>
+                </a:solidFill>
+                <a:latin typeface="Calibri"/>
+                <a:ea typeface="Calibri"/>
+                <a:cs typeface="Calibri"/>
+                <a:sym typeface="Calibri"/>
+              </a:rPr>
+              <a:t>&lt;p&gt;{{greeting.text}} World&lt;/p&gt; &lt;/div&gt;</a:t>
+            </a:r>
+          </a:p>
+          <a:p>
+            <a:pPr lvl="0" rtl="0">
+              <a:spcBef>
+                <a:spcPts val="0"/>
+              </a:spcBef>
+              <a:buNone/>
+            </a:pPr>
+            <a:r>
+              <a:rPr lang="nl" sz="1000" i="1">
+                <a:solidFill>
+                  <a:schemeClr val="dk1"/>
+                </a:solidFill>
+                <a:latin typeface="Calibri"/>
+                <a:ea typeface="Calibri"/>
+                <a:cs typeface="Calibri"/>
+                <a:sym typeface="Calibri"/>
+              </a:rPr>
+              <a:t>&lt;/body&gt;</a:t>
+            </a:r>
+          </a:p>
+          <a:p>
+            <a:pPr lvl="0" rtl="0">
+              <a:spcBef>
+                <a:spcPts val="0"/>
+              </a:spcBef>
+              <a:buNone/>
+            </a:pPr>
+            <a:r>
+              <a:rPr lang="nl" sz="1000" i="1">
+                <a:solidFill>
+                  <a:schemeClr val="dk1"/>
+                </a:solidFill>
+                <a:latin typeface="Calibri"/>
+                <a:ea typeface="Calibri"/>
+                <a:cs typeface="Calibri"/>
+                <a:sym typeface="Calibri"/>
+              </a:rPr>
+              <a:t>&lt;/html&gt;</a:t>
+            </a:r>
+          </a:p>
+        </p:txBody>
+      </p:sp>
+    </p:spTree>
+  </p:cSld>
+  <p:clrMapOvr>
+    <a:masterClrMapping/>
+  </p:clrMapOvr>
+  <p:transition spd="slow">
+    <p:cut/>
+  </p:transition>
+</p:sld>
+</file>
+
+<file path=ppt/slides/slide14.xml><?xml version="1.0" encoding="utf-8"?>
+<p:sld xmlns:a="http://schemas.openxmlformats.org/drawingml/2006/main" xmlns:r="http://schemas.openxmlformats.org/officeDocument/2006/relationships" xmlns:p="http://schemas.openxmlformats.org/presentationml/2006/main">
+  <p:cSld>
+    <p:spTree>
+      <p:nvGrpSpPr>
         <p:cNvPr id="1" name="Shape 82"/>
         <p:cNvGrpSpPr/>
         <p:nvPr/>
@@ -5518,9 +7641,14 @@
               <a:buNone/>
             </a:pPr>
             <a:r>
-              <a:rPr lang="nl"/>
-              <a:t>Controller [R]</a:t>
-            </a:r>
+              <a:rPr lang="nl" dirty="0"/>
+              <a:t>Controller </a:t>
+            </a:r>
+            <a:r>
+              <a:rPr lang="nl" dirty="0" smtClean="0"/>
+              <a:t>[Son]</a:t>
+            </a:r>
+            <a:endParaRPr lang="nl" dirty="0"/>
           </a:p>
         </p:txBody>
       </p:sp>
@@ -5926,7 +8054,7 @@
 </p:sld>
 </file>
 
-<file path=ppt/slides/slide11.xml><?xml version="1.0" encoding="utf-8"?>
+<file path=ppt/slides/slide15.xml><?xml version="1.0" encoding="utf-8"?>
 <p:sld xmlns:a="http://schemas.openxmlformats.org/drawingml/2006/main" xmlns:r="http://schemas.openxmlformats.org/officeDocument/2006/relationships" xmlns:p="http://schemas.openxmlformats.org/presentationml/2006/main">
   <p:cSld>
     <p:spTree>
@@ -5975,9 +8103,14 @@
               <a:buNone/>
             </a:pPr>
             <a:r>
-              <a:rPr lang="nl"/>
-              <a:t>Dependency Injection [R]</a:t>
-            </a:r>
+              <a:rPr lang="nl" dirty="0"/>
+              <a:t>Dependency Injection </a:t>
+            </a:r>
+            <a:r>
+              <a:rPr lang="nl" dirty="0" smtClean="0"/>
+              <a:t>[Son]</a:t>
+            </a:r>
+            <a:endParaRPr lang="nl" dirty="0"/>
           </a:p>
         </p:txBody>
       </p:sp>
@@ -6027,398 +8160,7 @@
 </p:sld>
 </file>
 
-<file path=ppt/slides/slide12.xml><?xml version="1.0" encoding="utf-8"?>
-<p:sld xmlns:a="http://schemas.openxmlformats.org/drawingml/2006/main" xmlns:r="http://schemas.openxmlformats.org/officeDocument/2006/relationships" xmlns:p="http://schemas.openxmlformats.org/presentationml/2006/main">
-  <p:cSld>
-    <p:spTree>
-      <p:nvGrpSpPr>
-        <p:cNvPr id="1" name="Shape 94"/>
-        <p:cNvGrpSpPr/>
-        <p:nvPr/>
-      </p:nvGrpSpPr>
-      <p:grpSpPr>
-        <a:xfrm>
-          <a:off x="0" y="0"/>
-          <a:ext cx="0" cy="0"/>
-          <a:chOff x="0" y="0"/>
-          <a:chExt cx="0" cy="0"/>
-        </a:xfrm>
-      </p:grpSpPr>
-      <p:sp>
-        <p:nvSpPr>
-          <p:cNvPr id="95" name="Shape 95"/>
-          <p:cNvSpPr txBox="1">
-            <a:spLocks noGrp="1"/>
-          </p:cNvSpPr>
-          <p:nvPr>
-            <p:ph type="title"/>
-          </p:nvPr>
-        </p:nvSpPr>
-        <p:spPr>
-          <a:xfrm>
-            <a:off x="457200" y="205977"/>
-            <a:ext cx="8229600" cy="1141499"/>
-          </a:xfrm>
-          <a:prstGeom prst="rect">
-            <a:avLst/>
-          </a:prstGeom>
-        </p:spPr>
-        <p:txBody>
-          <a:bodyPr lIns="91425" tIns="91425" rIns="91425" bIns="91425" anchor="b" anchorCtr="0">
-            <a:noAutofit/>
-          </a:bodyPr>
-          <a:lstStyle/>
-          <a:p>
-            <a:pPr>
-              <a:spcBef>
-                <a:spcPts val="0"/>
-              </a:spcBef>
-              <a:buNone/>
-            </a:pPr>
-            <a:r>
-              <a:rPr lang="nl"/>
-              <a:t>Model [S]</a:t>
-            </a:r>
-          </a:p>
-        </p:txBody>
-      </p:sp>
-      <p:sp>
-        <p:nvSpPr>
-          <p:cNvPr id="96" name="Shape 96"/>
-          <p:cNvSpPr txBox="1">
-            <a:spLocks noGrp="1"/>
-          </p:cNvSpPr>
-          <p:nvPr>
-            <p:ph type="body" idx="1"/>
-          </p:nvPr>
-        </p:nvSpPr>
-        <p:spPr>
-          <a:xfrm>
-            <a:off x="457200" y="1460499"/>
-            <a:ext cx="8229600" cy="3465299"/>
-          </a:xfrm>
-          <a:prstGeom prst="rect">
-            <a:avLst/>
-          </a:prstGeom>
-        </p:spPr>
-        <p:txBody>
-          <a:bodyPr lIns="91425" tIns="91425" rIns="91425" bIns="91425" anchor="t" anchorCtr="0">
-            <a:noAutofit/>
-          </a:bodyPr>
-          <a:lstStyle/>
-          <a:p>
-            <a:pPr rtl="0">
-              <a:spcBef>
-                <a:spcPts val="0"/>
-              </a:spcBef>
-              <a:buNone/>
-            </a:pPr>
-            <a:r>
-              <a:rPr lang="nl" sz="1400" b="1"/>
-              <a:t>Doel</a:t>
-            </a:r>
-          </a:p>
-          <a:p>
-            <a:pPr rtl="0">
-              <a:spcBef>
-                <a:spcPts val="0"/>
-              </a:spcBef>
-              <a:buNone/>
-            </a:pPr>
-            <a:r>
-              <a:rPr lang="nl" sz="1400"/>
-              <a:t>Het </a:t>
-            </a:r>
-            <a:r>
-              <a:rPr lang="nl" sz="1400" i="1"/>
-              <a:t>Model</a:t>
-            </a:r>
-            <a:r>
-              <a:rPr lang="nl" sz="1400"/>
-              <a:t> in AngularJS is een JS object. Een </a:t>
-            </a:r>
-            <a:r>
-              <a:rPr lang="nl" sz="1400" i="1"/>
-              <a:t>Model</a:t>
-            </a:r>
-            <a:r>
-              <a:rPr lang="nl" sz="1400"/>
-              <a:t> wordt in principe altijd gevuld in een JSON formaat, </a:t>
-            </a:r>
-            <a:r>
-              <a:rPr lang="nl" sz="1400" b="1"/>
-              <a:t>maar </a:t>
-            </a:r>
-            <a:r>
-              <a:rPr lang="nl" sz="1400"/>
-              <a:t>kan ook worden gevuld met een String waarde. Het </a:t>
-            </a:r>
-            <a:r>
-              <a:rPr lang="nl" sz="1400" i="1"/>
-              <a:t>Model</a:t>
-            </a:r>
-            <a:r>
-              <a:rPr lang="nl" sz="1400"/>
-              <a:t> wordt gebruikt in een UI, Web Service etc.</a:t>
-            </a:r>
-          </a:p>
-          <a:p>
-            <a:pPr rtl="0">
-              <a:spcBef>
-                <a:spcPts val="0"/>
-              </a:spcBef>
-              <a:buNone/>
-            </a:pPr>
-            <a:endParaRPr sz="1400"/>
-          </a:p>
-          <a:p>
-            <a:pPr rtl="0">
-              <a:spcBef>
-                <a:spcPts val="0"/>
-              </a:spcBef>
-              <a:buNone/>
-            </a:pPr>
-            <a:r>
-              <a:rPr lang="nl" sz="1400" b="1"/>
-              <a:t>Voorbeeld</a:t>
-            </a:r>
-          </a:p>
-          <a:p>
-            <a:pPr rtl="0">
-              <a:spcBef>
-                <a:spcPts val="0"/>
-              </a:spcBef>
-              <a:buNone/>
-            </a:pPr>
-            <a:r>
-              <a:rPr lang="nl" sz="1400"/>
-              <a:t>$scope.title = ‘AngularJS demo’;</a:t>
-            </a:r>
-          </a:p>
-          <a:p>
-            <a:pPr rtl="0">
-              <a:spcBef>
-                <a:spcPts val="0"/>
-              </a:spcBef>
-              <a:buNone/>
-            </a:pPr>
-            <a:r>
-              <a:rPr lang="nl" sz="1400"/>
-              <a:t>$scope.users = [</a:t>
-            </a:r>
-          </a:p>
-          <a:p>
-            <a:pPr rtl="0">
-              <a:spcBef>
-                <a:spcPts val="0"/>
-              </a:spcBef>
-              <a:buNone/>
-            </a:pPr>
-            <a:r>
-              <a:rPr lang="nl" sz="1400"/>
-              <a:t>	{‘firstname’: ‘Sander’, ‘lastname’: ‘Tetteroo’},</a:t>
-            </a:r>
-          </a:p>
-          <a:p>
-            <a:pPr rtl="0">
-              <a:spcBef>
-                <a:spcPts val="0"/>
-              </a:spcBef>
-              <a:buNone/>
-            </a:pPr>
-            <a:r>
-              <a:rPr lang="nl" sz="1400"/>
-              <a:t>	{‘firstname’: ‘Remco’, ‘lastname’: ‘van der Horst’}</a:t>
-            </a:r>
-          </a:p>
-          <a:p>
-            <a:pPr>
-              <a:spcBef>
-                <a:spcPts val="0"/>
-              </a:spcBef>
-              <a:buNone/>
-            </a:pPr>
-            <a:r>
-              <a:rPr lang="nl" sz="1400"/>
-              <a:t>];</a:t>
-            </a:r>
-          </a:p>
-        </p:txBody>
-      </p:sp>
-    </p:spTree>
-  </p:cSld>
-  <p:clrMapOvr>
-    <a:masterClrMapping/>
-  </p:clrMapOvr>
-  <p:transition spd="slow">
-    <p:cut/>
-  </p:transition>
-</p:sld>
-</file>
-
-<file path=ppt/slides/slide13.xml><?xml version="1.0" encoding="utf-8"?>
-<p:sld xmlns:a="http://schemas.openxmlformats.org/drawingml/2006/main" xmlns:r="http://schemas.openxmlformats.org/officeDocument/2006/relationships" xmlns:p="http://schemas.openxmlformats.org/presentationml/2006/main">
-  <p:cSld>
-    <p:spTree>
-      <p:nvGrpSpPr>
-        <p:cNvPr id="1" name="Shape 100"/>
-        <p:cNvGrpSpPr/>
-        <p:nvPr/>
-      </p:nvGrpSpPr>
-      <p:grpSpPr>
-        <a:xfrm>
-          <a:off x="0" y="0"/>
-          <a:ext cx="0" cy="0"/>
-          <a:chOff x="0" y="0"/>
-          <a:chExt cx="0" cy="0"/>
-        </a:xfrm>
-      </p:grpSpPr>
-      <p:sp>
-        <p:nvSpPr>
-          <p:cNvPr id="101" name="Shape 101"/>
-          <p:cNvSpPr txBox="1">
-            <a:spLocks noGrp="1"/>
-          </p:cNvSpPr>
-          <p:nvPr>
-            <p:ph type="title"/>
-          </p:nvPr>
-        </p:nvSpPr>
-        <p:spPr>
-          <a:xfrm>
-            <a:off x="457200" y="205977"/>
-            <a:ext cx="8229600" cy="1141499"/>
-          </a:xfrm>
-          <a:prstGeom prst="rect">
-            <a:avLst/>
-          </a:prstGeom>
-        </p:spPr>
-        <p:txBody>
-          <a:bodyPr lIns="91425" tIns="91425" rIns="91425" bIns="91425" anchor="b" anchorCtr="0">
-            <a:noAutofit/>
-          </a:bodyPr>
-          <a:lstStyle/>
-          <a:p>
-            <a:pPr>
-              <a:spcBef>
-                <a:spcPts val="0"/>
-              </a:spcBef>
-              <a:buNone/>
-            </a:pPr>
-            <a:r>
-              <a:rPr lang="nl"/>
-              <a:t>View [S]</a:t>
-            </a:r>
-          </a:p>
-        </p:txBody>
-      </p:sp>
-      <p:sp>
-        <p:nvSpPr>
-          <p:cNvPr id="102" name="Shape 102"/>
-          <p:cNvSpPr txBox="1">
-            <a:spLocks noGrp="1"/>
-          </p:cNvSpPr>
-          <p:nvPr>
-            <p:ph type="body" idx="1"/>
-          </p:nvPr>
-        </p:nvSpPr>
-        <p:spPr>
-          <a:xfrm>
-            <a:off x="457200" y="1460499"/>
-            <a:ext cx="8229600" cy="3465299"/>
-          </a:xfrm>
-          <a:prstGeom prst="rect">
-            <a:avLst/>
-          </a:prstGeom>
-        </p:spPr>
-        <p:txBody>
-          <a:bodyPr lIns="91425" tIns="91425" rIns="91425" bIns="91425" anchor="t" anchorCtr="0">
-            <a:noAutofit/>
-          </a:bodyPr>
-          <a:lstStyle/>
-          <a:p>
-            <a:pPr rtl="0">
-              <a:spcBef>
-                <a:spcPts val="0"/>
-              </a:spcBef>
-              <a:buNone/>
-            </a:pPr>
-            <a:r>
-              <a:rPr lang="nl" sz="1400" b="1"/>
-              <a:t>Doel</a:t>
-            </a:r>
-          </a:p>
-          <a:p>
-            <a:pPr rtl="0">
-              <a:spcBef>
-                <a:spcPts val="0"/>
-              </a:spcBef>
-              <a:buNone/>
-            </a:pPr>
-            <a:r>
-              <a:rPr lang="nl" sz="1400"/>
-              <a:t>De </a:t>
-            </a:r>
-            <a:r>
-              <a:rPr lang="nl" sz="1400" i="1"/>
-              <a:t>View</a:t>
-            </a:r>
-            <a:r>
-              <a:rPr lang="nl" sz="1400"/>
-              <a:t> in AngularJS is de content van de webpagina. </a:t>
-            </a:r>
-          </a:p>
-          <a:p>
-            <a:pPr rtl="0">
-              <a:spcBef>
-                <a:spcPts val="0"/>
-              </a:spcBef>
-              <a:buNone/>
-            </a:pPr>
-            <a:endParaRPr sz="1400"/>
-          </a:p>
-          <a:p>
-            <a:pPr rtl="0">
-              <a:spcBef>
-                <a:spcPts val="0"/>
-              </a:spcBef>
-              <a:buNone/>
-            </a:pPr>
-            <a:r>
-              <a:rPr lang="nl" sz="1400" b="1"/>
-              <a:t>Link</a:t>
-            </a:r>
-          </a:p>
-          <a:p>
-            <a:pPr>
-              <a:spcBef>
-                <a:spcPts val="0"/>
-              </a:spcBef>
-              <a:buNone/>
-            </a:pPr>
-            <a:r>
-              <a:rPr lang="nl" sz="1400" u="sng">
-                <a:solidFill>
-                  <a:schemeClr val="hlink"/>
-                </a:solidFill>
-                <a:hlinkClick r:id="rId3"/>
-              </a:rPr>
-              <a:t>http://localhost:8080/kes-angular/demo/view</a:t>
-            </a:r>
-          </a:p>
-        </p:txBody>
-      </p:sp>
-    </p:spTree>
-  </p:cSld>
-  <p:clrMapOvr>
-    <a:masterClrMapping/>
-  </p:clrMapOvr>
-  <p:transition spd="slow">
-    <p:cut/>
-  </p:transition>
-</p:sld>
-</file>
-
-<file path=ppt/slides/slide14.xml><?xml version="1.0" encoding="utf-8"?>
+<file path=ppt/slides/slide16.xml><?xml version="1.0" encoding="utf-8"?>
 <p:sld xmlns:a="http://schemas.openxmlformats.org/drawingml/2006/main" xmlns:r="http://schemas.openxmlformats.org/officeDocument/2006/relationships" xmlns:p="http://schemas.openxmlformats.org/presentationml/2006/main">
   <p:cSld>
     <p:spTree>
@@ -6467,9 +8209,10 @@
               <a:buNone/>
             </a:pPr>
             <a:r>
-              <a:rPr lang="nl" sz="4600"/>
-              <a:t>Service, Factory of Provider </a:t>
-            </a:r>
+              <a:rPr lang="nl" sz="4600" dirty="0" smtClean="0"/>
+              <a:t>Service [S]</a:t>
+            </a:r>
+            <a:endParaRPr lang="nl" sz="4600" dirty="0"/>
           </a:p>
         </p:txBody>
       </p:sp>
@@ -6589,394 +8332,6 @@
           </a:p>
           <a:p>
             <a:pPr>
-              <a:spcBef>
-                <a:spcPts val="0"/>
-              </a:spcBef>
-              <a:buNone/>
-            </a:pPr>
-            <a:r>
-              <a:rPr lang="nl" sz="1400"/>
-              <a:t>link</a:t>
-            </a:r>
-          </a:p>
-        </p:txBody>
-      </p:sp>
-    </p:spTree>
-  </p:cSld>
-  <p:clrMapOvr>
-    <a:masterClrMapping/>
-  </p:clrMapOvr>
-  <p:transition spd="slow">
-    <p:cut/>
-  </p:transition>
-</p:sld>
-</file>
-
-<file path=ppt/slides/slide15.xml><?xml version="1.0" encoding="utf-8"?>
-<p:sld xmlns:a="http://schemas.openxmlformats.org/drawingml/2006/main" xmlns:r="http://schemas.openxmlformats.org/officeDocument/2006/relationships" xmlns:p="http://schemas.openxmlformats.org/presentationml/2006/main">
-  <p:cSld>
-    <p:spTree>
-      <p:nvGrpSpPr>
-        <p:cNvPr id="1" name="Shape 112"/>
-        <p:cNvGrpSpPr/>
-        <p:nvPr/>
-      </p:nvGrpSpPr>
-      <p:grpSpPr>
-        <a:xfrm>
-          <a:off x="0" y="0"/>
-          <a:ext cx="0" cy="0"/>
-          <a:chOff x="0" y="0"/>
-          <a:chExt cx="0" cy="0"/>
-        </a:xfrm>
-      </p:grpSpPr>
-      <p:sp>
-        <p:nvSpPr>
-          <p:cNvPr id="113" name="Shape 113"/>
-          <p:cNvSpPr txBox="1">
-            <a:spLocks noGrp="1"/>
-          </p:cNvSpPr>
-          <p:nvPr>
-            <p:ph type="title"/>
-          </p:nvPr>
-        </p:nvSpPr>
-        <p:spPr>
-          <a:xfrm>
-            <a:off x="457200" y="205977"/>
-            <a:ext cx="8229600" cy="1141499"/>
-          </a:xfrm>
-          <a:prstGeom prst="rect">
-            <a:avLst/>
-          </a:prstGeom>
-        </p:spPr>
-        <p:txBody>
-          <a:bodyPr lIns="91425" tIns="91425" rIns="91425" bIns="91425" anchor="b" anchorCtr="0">
-            <a:noAutofit/>
-          </a:bodyPr>
-          <a:lstStyle/>
-          <a:p>
-            <a:pPr lvl="0" rtl="0">
-              <a:spcBef>
-                <a:spcPts val="0"/>
-              </a:spcBef>
-              <a:buNone/>
-            </a:pPr>
-            <a:r>
-              <a:rPr lang="nl" sz="4600"/>
-              <a:t>Service, Factory of Provider </a:t>
-            </a:r>
-          </a:p>
-        </p:txBody>
-      </p:sp>
-      <p:sp>
-        <p:nvSpPr>
-          <p:cNvPr id="114" name="Shape 114"/>
-          <p:cNvSpPr txBox="1">
-            <a:spLocks noGrp="1"/>
-          </p:cNvSpPr>
-          <p:nvPr>
-            <p:ph type="body" idx="1"/>
-          </p:nvPr>
-        </p:nvSpPr>
-        <p:spPr>
-          <a:xfrm>
-            <a:off x="457200" y="1460499"/>
-            <a:ext cx="8229600" cy="3465299"/>
-          </a:xfrm>
-          <a:prstGeom prst="rect">
-            <a:avLst/>
-          </a:prstGeom>
-        </p:spPr>
-        <p:txBody>
-          <a:bodyPr lIns="91425" tIns="91425" rIns="91425" bIns="91425" anchor="t" anchorCtr="0">
-            <a:noAutofit/>
-          </a:bodyPr>
-          <a:lstStyle/>
-          <a:p>
-            <a:pPr lvl="0" rtl="0">
-              <a:spcBef>
-                <a:spcPts val="0"/>
-              </a:spcBef>
-              <a:buNone/>
-            </a:pPr>
-            <a:r>
-              <a:rPr lang="nl" sz="1400" b="1"/>
-              <a:t>Factory</a:t>
-            </a:r>
-          </a:p>
-          <a:p>
-            <a:pPr lvl="0" rtl="0">
-              <a:spcBef>
-                <a:spcPts val="0"/>
-              </a:spcBef>
-              <a:buNone/>
-            </a:pPr>
-            <a:r>
-              <a:rPr lang="nl" sz="1400"/>
-              <a:t>Een </a:t>
-            </a:r>
-            <a:r>
-              <a:rPr lang="nl" sz="1400" i="1"/>
-              <a:t>Factory </a:t>
-            </a:r>
-            <a:r>
-              <a:rPr lang="nl" sz="1400"/>
-              <a:t>in AngularJS wordt gebruikt om ...</a:t>
-            </a:r>
-          </a:p>
-          <a:p>
-            <a:pPr lvl="0" rtl="0">
-              <a:spcBef>
-                <a:spcPts val="0"/>
-              </a:spcBef>
-              <a:buNone/>
-            </a:pPr>
-            <a:endParaRPr sz="1400"/>
-          </a:p>
-          <a:p>
-            <a:pPr lvl="0" rtl="0">
-              <a:spcBef>
-                <a:spcPts val="0"/>
-              </a:spcBef>
-              <a:buNone/>
-            </a:pPr>
-            <a:r>
-              <a:rPr lang="nl" sz="1400" b="1">
-                <a:solidFill>
-                  <a:srgbClr val="FF0000"/>
-                </a:solidFill>
-              </a:rPr>
-              <a:t>Niet verwarren met</a:t>
-            </a:r>
-          </a:p>
-          <a:p>
-            <a:pPr lvl="0" rtl="0">
-              <a:spcBef>
-                <a:spcPts val="0"/>
-              </a:spcBef>
-              <a:buNone/>
-            </a:pPr>
-            <a:r>
-              <a:rPr lang="nl" sz="1400"/>
-              <a:t>Web Service</a:t>
-            </a:r>
-          </a:p>
-          <a:p>
-            <a:pPr lvl="0" rtl="0">
-              <a:spcBef>
-                <a:spcPts val="0"/>
-              </a:spcBef>
-              <a:buNone/>
-            </a:pPr>
-            <a:endParaRPr sz="1400"/>
-          </a:p>
-          <a:p>
-            <a:pPr lvl="0" rtl="0">
-              <a:spcBef>
-                <a:spcPts val="0"/>
-              </a:spcBef>
-              <a:buNone/>
-            </a:pPr>
-            <a:r>
-              <a:rPr lang="nl" sz="1400" b="1"/>
-              <a:t>Voorbeeld</a:t>
-            </a:r>
-          </a:p>
-          <a:p>
-            <a:pPr lvl="0" rtl="0">
-              <a:spcBef>
-                <a:spcPts val="0"/>
-              </a:spcBef>
-              <a:buNone/>
-            </a:pPr>
-            <a:r>
-              <a:rPr lang="nl" sz="1400"/>
-              <a:t>link</a:t>
-            </a:r>
-          </a:p>
-        </p:txBody>
-      </p:sp>
-    </p:spTree>
-  </p:cSld>
-  <p:clrMapOvr>
-    <a:masterClrMapping/>
-  </p:clrMapOvr>
-  <p:transition spd="slow">
-    <p:cut/>
-  </p:transition>
-</p:sld>
-</file>
-
-<file path=ppt/slides/slide16.xml><?xml version="1.0" encoding="utf-8"?>
-<p:sld xmlns:a="http://schemas.openxmlformats.org/drawingml/2006/main" xmlns:r="http://schemas.openxmlformats.org/officeDocument/2006/relationships" xmlns:p="http://schemas.openxmlformats.org/presentationml/2006/main">
-  <p:cSld>
-    <p:spTree>
-      <p:nvGrpSpPr>
-        <p:cNvPr id="1" name="Shape 118"/>
-        <p:cNvGrpSpPr/>
-        <p:nvPr/>
-      </p:nvGrpSpPr>
-      <p:grpSpPr>
-        <a:xfrm>
-          <a:off x="0" y="0"/>
-          <a:ext cx="0" cy="0"/>
-          <a:chOff x="0" y="0"/>
-          <a:chExt cx="0" cy="0"/>
-        </a:xfrm>
-      </p:grpSpPr>
-      <p:sp>
-        <p:nvSpPr>
-          <p:cNvPr id="119" name="Shape 119"/>
-          <p:cNvSpPr txBox="1">
-            <a:spLocks noGrp="1"/>
-          </p:cNvSpPr>
-          <p:nvPr>
-            <p:ph type="title"/>
-          </p:nvPr>
-        </p:nvSpPr>
-        <p:spPr>
-          <a:xfrm>
-            <a:off x="457200" y="205977"/>
-            <a:ext cx="8229600" cy="1141499"/>
-          </a:xfrm>
-          <a:prstGeom prst="rect">
-            <a:avLst/>
-          </a:prstGeom>
-        </p:spPr>
-        <p:txBody>
-          <a:bodyPr lIns="91425" tIns="91425" rIns="91425" bIns="91425" anchor="b" anchorCtr="0">
-            <a:noAutofit/>
-          </a:bodyPr>
-          <a:lstStyle/>
-          <a:p>
-            <a:pPr lvl="0" rtl="0">
-              <a:spcBef>
-                <a:spcPts val="0"/>
-              </a:spcBef>
-              <a:buNone/>
-            </a:pPr>
-            <a:r>
-              <a:rPr lang="nl" sz="4600"/>
-              <a:t>Service, Factory of Provider </a:t>
-            </a:r>
-          </a:p>
-        </p:txBody>
-      </p:sp>
-      <p:sp>
-        <p:nvSpPr>
-          <p:cNvPr id="120" name="Shape 120"/>
-          <p:cNvSpPr txBox="1">
-            <a:spLocks noGrp="1"/>
-          </p:cNvSpPr>
-          <p:nvPr>
-            <p:ph type="body" idx="1"/>
-          </p:nvPr>
-        </p:nvSpPr>
-        <p:spPr>
-          <a:xfrm>
-            <a:off x="457200" y="1460499"/>
-            <a:ext cx="8229600" cy="3465299"/>
-          </a:xfrm>
-          <a:prstGeom prst="rect">
-            <a:avLst/>
-          </a:prstGeom>
-        </p:spPr>
-        <p:txBody>
-          <a:bodyPr lIns="91425" tIns="91425" rIns="91425" bIns="91425" anchor="t" anchorCtr="0">
-            <a:noAutofit/>
-          </a:bodyPr>
-          <a:lstStyle/>
-          <a:p>
-            <a:pPr lvl="0" rtl="0">
-              <a:spcBef>
-                <a:spcPts val="0"/>
-              </a:spcBef>
-              <a:buNone/>
-            </a:pPr>
-            <a:r>
-              <a:rPr lang="nl" sz="1400" b="1"/>
-              <a:t>Provider</a:t>
-            </a:r>
-          </a:p>
-          <a:p>
-            <a:pPr lvl="0" rtl="0">
-              <a:spcBef>
-                <a:spcPts val="0"/>
-              </a:spcBef>
-              <a:buNone/>
-            </a:pPr>
-            <a:r>
-              <a:rPr lang="nl" sz="1400"/>
-              <a:t>Een </a:t>
-            </a:r>
-            <a:r>
-              <a:rPr lang="nl" sz="1400" i="1"/>
-              <a:t>Provider </a:t>
-            </a:r>
-            <a:r>
-              <a:rPr lang="nl" sz="1400"/>
-              <a:t>in AngularJS wordt gebruikt om ...</a:t>
-            </a:r>
-          </a:p>
-          <a:p>
-            <a:pPr lvl="0" rtl="0">
-              <a:spcBef>
-                <a:spcPts val="0"/>
-              </a:spcBef>
-              <a:buNone/>
-            </a:pPr>
-            <a:endParaRPr sz="1400"/>
-          </a:p>
-          <a:p>
-            <a:pPr lvl="0" rtl="0">
-              <a:spcBef>
-                <a:spcPts val="0"/>
-              </a:spcBef>
-              <a:buNone/>
-            </a:pPr>
-            <a:r>
-              <a:rPr lang="nl" sz="1400" b="1">
-                <a:solidFill>
-                  <a:srgbClr val="FF0000"/>
-                </a:solidFill>
-              </a:rPr>
-              <a:t>Niet verwarren met</a:t>
-            </a:r>
-          </a:p>
-          <a:p>
-            <a:pPr lvl="0" rtl="0">
-              <a:spcBef>
-                <a:spcPts val="0"/>
-              </a:spcBef>
-              <a:buNone/>
-            </a:pPr>
-            <a:r>
-              <a:rPr lang="nl" sz="1400"/>
-              <a:t>Web Service</a:t>
-            </a:r>
-          </a:p>
-          <a:p>
-            <a:pPr lvl="0" rtl="0">
-              <a:spcBef>
-                <a:spcPts val="0"/>
-              </a:spcBef>
-              <a:buNone/>
-            </a:pPr>
-            <a:endParaRPr sz="1400"/>
-          </a:p>
-          <a:p>
-            <a:pPr lvl="0" rtl="0">
-              <a:spcBef>
-                <a:spcPts val="0"/>
-              </a:spcBef>
-              <a:buNone/>
-            </a:pPr>
-            <a:r>
-              <a:rPr lang="nl" sz="1400" b="1"/>
-              <a:t>Voorbeeld</a:t>
-            </a:r>
-          </a:p>
-          <a:p>
-            <a:pPr lvl="0" rtl="0">
               <a:spcBef>
                 <a:spcPts val="0"/>
               </a:spcBef>
@@ -7965,7 +9320,7 @@
           <p:nvPr>
             <p:extLst>
               <p:ext uri="{D42A27DB-BD31-4B8C-83A1-F6EECF244321}">
-                <p14:modId xmlns:p14="http://schemas.microsoft.com/office/powerpoint/2010/main" val="3607671499"/>
+                <p14:modId xmlns:p14="http://schemas.microsoft.com/office/powerpoint/2010/main" val="102158732"/>
               </p:ext>
             </p:extLst>
           </p:nvPr>
@@ -8024,7 +9379,7 @@
                         <a:buChar char="●"/>
                       </a:pPr>
                       <a:r>
-                        <a:rPr lang="nl" sz="1600" dirty="0">
+                        <a:rPr lang="nl" sz="1600" dirty="0" smtClean="0">
                           <a:solidFill>
                             <a:schemeClr val="dk2"/>
                           </a:solidFill>
@@ -8045,12 +9400,12 @@
                         <a:buChar char="●"/>
                       </a:pPr>
                       <a:r>
-                        <a:rPr lang="nl" sz="1600" dirty="0">
+                        <a:rPr lang="nl" sz="1600" dirty="0" smtClean="0">
                           <a:solidFill>
                             <a:schemeClr val="dk2"/>
                           </a:solidFill>
                         </a:rPr>
-                        <a:t>Two-way Data Binding</a:t>
+                        <a:t>Two-way data-binding</a:t>
                       </a:r>
                     </a:p>
                     <a:p>
@@ -8066,7 +9421,28 @@
                         <a:buChar char="●"/>
                       </a:pPr>
                       <a:r>
-                        <a:rPr lang="nl" sz="1600" dirty="0">
+                        <a:rPr lang="nl" sz="1600" dirty="0" smtClean="0">
+                          <a:solidFill>
+                            <a:schemeClr val="dk2"/>
+                          </a:solidFill>
+                        </a:rPr>
+                        <a:t>Structuur</a:t>
+                      </a:r>
+                    </a:p>
+                    <a:p>
+                      <a:pPr marL="457200" lvl="0" indent="-330200" rtl="0">
+                        <a:spcBef>
+                          <a:spcPts val="600"/>
+                        </a:spcBef>
+                        <a:buClr>
+                          <a:schemeClr val="dk2"/>
+                        </a:buClr>
+                        <a:buSzPct val="100000"/>
+                        <a:buFont typeface="Arial"/>
+                        <a:buChar char="●"/>
+                      </a:pPr>
+                      <a:r>
+                        <a:rPr lang="nl" sz="1600" dirty="0" smtClean="0">
                           <a:solidFill>
                             <a:schemeClr val="dk2"/>
                           </a:solidFill>
@@ -8087,49 +9463,7 @@
                         <a:buChar char="●"/>
                       </a:pPr>
                       <a:r>
-                        <a:rPr lang="nl" sz="1600" dirty="0">
-                          <a:solidFill>
-                            <a:schemeClr val="dk2"/>
-                          </a:solidFill>
-                        </a:rPr>
-                        <a:t>Dependency Injection</a:t>
-                      </a:r>
-                    </a:p>
-                    <a:p>
-                      <a:pPr marL="457200" lvl="0" indent="-330200" rtl="0">
-                        <a:spcBef>
-                          <a:spcPts val="600"/>
-                        </a:spcBef>
-                        <a:buClr>
-                          <a:schemeClr val="dk2"/>
-                        </a:buClr>
-                        <a:buSzPct val="100000"/>
-                        <a:buFont typeface="Arial"/>
-                        <a:buChar char="●"/>
-                      </a:pPr>
-                      <a:r>
-                        <a:rPr lang="nl" sz="1600" dirty="0">
-                          <a:solidFill>
-                            <a:schemeClr val="dk2"/>
-                          </a:solidFill>
-                        </a:rPr>
-                        <a:t>Controller</a:t>
-                      </a:r>
-                    </a:p>
-                    <a:p>
-                      <a:pPr marL="457200" lvl="0" indent="-330200" rtl="0">
-                        <a:spcBef>
-                          <a:spcPts val="600"/>
-                        </a:spcBef>
-                        <a:buClr>
-                          <a:schemeClr val="dk2"/>
-                        </a:buClr>
-                        <a:buSzPct val="100000"/>
-                        <a:buFont typeface="Arial"/>
-                        <a:buChar char="●"/>
-                      </a:pPr>
-                      <a:r>
-                        <a:rPr lang="nl" sz="1600" dirty="0">
+                        <a:rPr lang="nl" sz="1600" dirty="0" smtClean="0">
                           <a:solidFill>
                             <a:schemeClr val="dk2"/>
                           </a:solidFill>
@@ -8150,7 +9484,7 @@
                         <a:buChar char="●"/>
                       </a:pPr>
                       <a:r>
-                        <a:rPr lang="nl" sz="1600" dirty="0">
+                        <a:rPr lang="nl" sz="1600" dirty="0" smtClean="0">
                           <a:solidFill>
                             <a:schemeClr val="dk2"/>
                           </a:solidFill>
@@ -8171,12 +9505,46 @@
                         <a:buChar char="●"/>
                       </a:pPr>
                       <a:r>
+                        <a:rPr lang="nl" sz="1600" dirty="0" smtClean="0">
+                          <a:solidFill>
+                            <a:schemeClr val="dk2"/>
+                          </a:solidFill>
+                        </a:rPr>
+                        <a:t>Controller</a:t>
+                      </a:r>
+                      <a:endParaRPr lang="nl" sz="1600" dirty="0">
+                        <a:solidFill>
+                          <a:schemeClr val="dk2"/>
+                        </a:solidFill>
+                      </a:endParaRPr>
+                    </a:p>
+                    <a:p>
+                      <a:pPr marL="457200" lvl="0" indent="-330200" rtl="0">
+                        <a:spcBef>
+                          <a:spcPts val="600"/>
+                        </a:spcBef>
+                        <a:buClr>
+                          <a:schemeClr val="dk2"/>
+                        </a:buClr>
+                        <a:buSzPct val="100000"/>
+                        <a:buFont typeface="Arial"/>
+                        <a:buChar char="●"/>
+                      </a:pPr>
+                      <a:r>
                         <a:rPr lang="nl" sz="1600" dirty="0">
                           <a:solidFill>
                             <a:schemeClr val="dk2"/>
                           </a:solidFill>
                         </a:rPr>
-                        <a:t>Service, Factory en Provider</a:t>
+                        <a:t>Dependency </a:t>
+                      </a:r>
+                      <a:r>
+                        <a:rPr lang="nl" sz="1600" dirty="0" smtClean="0">
+                          <a:solidFill>
+                            <a:schemeClr val="dk2"/>
+                          </a:solidFill>
+                        </a:rPr>
+                        <a:t>Injection</a:t>
                       </a:r>
                     </a:p>
                     <a:p>
@@ -8197,7 +9565,7 @@
                             <a:schemeClr val="dk2"/>
                           </a:solidFill>
                         </a:rPr>
-                        <a:t>Filter</a:t>
+                        <a:t>Service</a:t>
                       </a:r>
                       <a:endParaRPr dirty="0"/>
                     </a:p>
@@ -8266,7 +9634,29 @@
                         <a:buChar char="●"/>
                       </a:pPr>
                       <a:r>
-                        <a:rPr lang="nl" sz="1600" smtClean="0">
+                        <a:rPr lang="en-US" sz="1600" dirty="0" smtClean="0">
+                          <a:solidFill>
+                            <a:schemeClr val="dk2"/>
+                          </a:solidFill>
+                        </a:rPr>
+                        <a:t>Filter</a:t>
+                      </a:r>
+                      <a:endParaRPr lang="en-US" sz="1600" dirty="0" smtClean="0"/>
+                    </a:p>
+                    <a:p>
+                      <a:pPr marL="457200" lvl="0" indent="-330200" rtl="0">
+                        <a:spcBef>
+                          <a:spcPts val="600"/>
+                        </a:spcBef>
+                        <a:buClr>
+                          <a:schemeClr val="dk2"/>
+                        </a:buClr>
+                        <a:buSzPct val="100000"/>
+                        <a:buFont typeface="Arial"/>
+                        <a:buChar char="●"/>
+                      </a:pPr>
+                      <a:r>
+                        <a:rPr lang="nl" sz="1600" dirty="0" smtClean="0">
                           <a:solidFill>
                             <a:schemeClr val="dk2"/>
                           </a:solidFill>
@@ -8642,7 +10032,7 @@
               <a:buNone/>
             </a:pPr>
             <a:r>
-              <a:rPr lang="nl"/>
+              <a:rPr lang="nl" dirty="0"/>
               <a:t>ng-bind</a:t>
             </a:r>
           </a:p>
@@ -8654,7 +10044,7 @@
               <a:buNone/>
             </a:pPr>
             <a:r>
-              <a:rPr lang="nl"/>
+              <a:rPr lang="nl" dirty="0"/>
               <a:t>ng-if</a:t>
             </a:r>
           </a:p>
@@ -8666,7 +10056,7 @@
               <a:buNone/>
             </a:pPr>
             <a:r>
-              <a:rPr lang="nl"/>
+              <a:rPr lang="nl" dirty="0"/>
               <a:t>ng-repeat</a:t>
             </a:r>
           </a:p>
@@ -8678,7 +10068,7 @@
               <a:buNone/>
             </a:pPr>
             <a:r>
-              <a:rPr lang="nl"/>
+              <a:rPr lang="nl" dirty="0"/>
               <a:t>ng-model</a:t>
             </a:r>
           </a:p>
@@ -8690,7 +10080,7 @@
               <a:buNone/>
             </a:pPr>
             <a:r>
-              <a:rPr lang="nl"/>
+              <a:rPr lang="nl" dirty="0"/>
               <a:t>ng-click</a:t>
             </a:r>
           </a:p>
@@ -8702,7 +10092,7 @@
               <a:buNone/>
             </a:pPr>
             <a:r>
-              <a:rPr lang="nl"/>
+              <a:rPr lang="nl" dirty="0"/>
               <a:t>ng-class (de meest bekende en gebruikte pakken - meer te vinden op MEER INFO sheet)</a:t>
             </a:r>
           </a:p>
@@ -9106,9 +10496,14 @@
               <a:buNone/>
             </a:pPr>
             <a:r>
-              <a:rPr lang="nl"/>
-              <a:t>Vragen [R/S]</a:t>
-            </a:r>
+              <a:rPr lang="nl" dirty="0"/>
+              <a:t>Vragen [</a:t>
+            </a:r>
+            <a:r>
+              <a:rPr lang="nl" dirty="0" smtClean="0"/>
+              <a:t>R/S/Son]</a:t>
+            </a:r>
+            <a:endParaRPr lang="nl" dirty="0"/>
           </a:p>
         </p:txBody>
       </p:sp>
@@ -9284,209 +10679,6 @@
   <p:cSld>
     <p:spTree>
       <p:nvGrpSpPr>
-        <p:cNvPr id="1" name="Shape 40"/>
-        <p:cNvGrpSpPr/>
-        <p:nvPr/>
-      </p:nvGrpSpPr>
-      <p:grpSpPr>
-        <a:xfrm>
-          <a:off x="0" y="0"/>
-          <a:ext cx="0" cy="0"/>
-          <a:chOff x="0" y="0"/>
-          <a:chExt cx="0" cy="0"/>
-        </a:xfrm>
-      </p:grpSpPr>
-      <p:sp>
-        <p:nvSpPr>
-          <p:cNvPr id="41" name="Shape 41"/>
-          <p:cNvSpPr txBox="1">
-            <a:spLocks noGrp="1"/>
-          </p:cNvSpPr>
-          <p:nvPr>
-            <p:ph type="title"/>
-          </p:nvPr>
-        </p:nvSpPr>
-        <p:spPr>
-          <a:xfrm>
-            <a:off x="457200" y="205977"/>
-            <a:ext cx="8229600" cy="1141499"/>
-          </a:xfrm>
-          <a:prstGeom prst="rect">
-            <a:avLst/>
-          </a:prstGeom>
-        </p:spPr>
-        <p:txBody>
-          <a:bodyPr lIns="91425" tIns="91425" rIns="91425" bIns="91425" anchor="b" anchorCtr="0">
-            <a:noAutofit/>
-          </a:bodyPr>
-          <a:lstStyle/>
-          <a:p>
-            <a:pPr>
-              <a:spcBef>
-                <a:spcPts val="0"/>
-              </a:spcBef>
-              <a:buNone/>
-            </a:pPr>
-            <a:r>
-              <a:rPr lang="nl"/>
-              <a:t>TO DO</a:t>
-            </a:r>
-          </a:p>
-        </p:txBody>
-      </p:sp>
-      <p:sp>
-        <p:nvSpPr>
-          <p:cNvPr id="42" name="Shape 42"/>
-          <p:cNvSpPr txBox="1">
-            <a:spLocks noGrp="1"/>
-          </p:cNvSpPr>
-          <p:nvPr>
-            <p:ph type="body" idx="1"/>
-          </p:nvPr>
-        </p:nvSpPr>
-        <p:spPr>
-          <a:xfrm>
-            <a:off x="457200" y="1460499"/>
-            <a:ext cx="8229600" cy="3465299"/>
-          </a:xfrm>
-          <a:prstGeom prst="rect">
-            <a:avLst/>
-          </a:prstGeom>
-        </p:spPr>
-        <p:txBody>
-          <a:bodyPr lIns="91425" tIns="91425" rIns="91425" bIns="91425" anchor="t" anchorCtr="0">
-            <a:noAutofit/>
-          </a:bodyPr>
-          <a:lstStyle/>
-          <a:p>
-            <a:pPr lvl="0" rtl="0">
-              <a:spcBef>
-                <a:spcPts val="0"/>
-              </a:spcBef>
-              <a:buClr>
-                <a:schemeClr val="dk1"/>
-              </a:buClr>
-              <a:buSzPct val="36666"/>
-              <a:buFont typeface="Arial"/>
-              <a:buNone/>
-            </a:pPr>
-            <a:r>
-              <a:rPr lang="nl"/>
-              <a:t>Elke sheet:</a:t>
-            </a:r>
-          </a:p>
-          <a:p>
-            <a:pPr marL="457200" lvl="0" indent="-419100" rtl="0">
-              <a:spcBef>
-                <a:spcPts val="0"/>
-              </a:spcBef>
-              <a:buClr>
-                <a:schemeClr val="dk2"/>
-              </a:buClr>
-              <a:buSzPct val="100000"/>
-              <a:buFont typeface="Arial"/>
-              <a:buChar char="●"/>
-            </a:pPr>
-            <a:r>
-              <a:rPr lang="nl"/>
-              <a:t>Doel</a:t>
-            </a:r>
-          </a:p>
-          <a:p>
-            <a:pPr marL="457200" lvl="0" indent="-419100" rtl="0">
-              <a:spcBef>
-                <a:spcPts val="0"/>
-              </a:spcBef>
-              <a:buClr>
-                <a:schemeClr val="dk2"/>
-              </a:buClr>
-              <a:buSzPct val="100000"/>
-              <a:buFont typeface="Arial"/>
-              <a:buChar char="●"/>
-            </a:pPr>
-            <a:r>
-              <a:rPr lang="nl"/>
-              <a:t>Voorbeeld</a:t>
-            </a:r>
-          </a:p>
-          <a:p>
-            <a:pPr marL="457200" lvl="0" indent="-419100" rtl="0">
-              <a:spcBef>
-                <a:spcPts val="0"/>
-              </a:spcBef>
-              <a:buClr>
-                <a:schemeClr val="dk2"/>
-              </a:buClr>
-              <a:buSzPct val="100000"/>
-              <a:buFont typeface="Arial"/>
-              <a:buChar char="●"/>
-            </a:pPr>
-            <a:r>
-              <a:rPr lang="nl"/>
-              <a:t>Code</a:t>
-            </a:r>
-          </a:p>
-          <a:p>
-            <a:pPr marL="457200" lvl="0" indent="-419100" rtl="0">
-              <a:spcBef>
-                <a:spcPts val="0"/>
-              </a:spcBef>
-              <a:buClr>
-                <a:schemeClr val="dk2"/>
-              </a:buClr>
-              <a:buSzPct val="100000"/>
-              <a:buFont typeface="Arial"/>
-              <a:buChar char="●"/>
-            </a:pPr>
-            <a:r>
-              <a:rPr lang="nl"/>
-              <a:t>Begripsverwarring</a:t>
-            </a:r>
-          </a:p>
-          <a:p>
-            <a:pPr marL="457200" lvl="0" indent="-419100" rtl="0">
-              <a:spcBef>
-                <a:spcPts val="0"/>
-              </a:spcBef>
-              <a:buClr>
-                <a:schemeClr val="dk2"/>
-              </a:buClr>
-              <a:buSzPct val="100000"/>
-              <a:buFont typeface="Arial"/>
-              <a:buChar char="●"/>
-            </a:pPr>
-            <a:r>
-              <a:rPr lang="nl"/>
-              <a:t>Demo per topic</a:t>
-            </a:r>
-          </a:p>
-          <a:p>
-            <a:pPr>
-              <a:spcBef>
-                <a:spcPts val="0"/>
-              </a:spcBef>
-              <a:buNone/>
-            </a:pPr>
-            <a:endParaRPr/>
-          </a:p>
-        </p:txBody>
-      </p:sp>
-    </p:spTree>
-  </p:cSld>
-  <p:clrMapOvr>
-    <a:masterClrMapping/>
-  </p:clrMapOvr>
-  <p:transition spd="slow">
-    <p:cut/>
-  </p:transition>
-</p:sld>
-</file>
-
-<file path=ppt/slides/slide4.xml><?xml version="1.0" encoding="utf-8"?>
-<p:sld xmlns:a="http://schemas.openxmlformats.org/drawingml/2006/main" xmlns:r="http://schemas.openxmlformats.org/officeDocument/2006/relationships" xmlns:p="http://schemas.openxmlformats.org/presentationml/2006/main">
-  <p:cSld>
-    <p:spTree>
-      <p:nvGrpSpPr>
         <p:cNvPr id="1" name="Shape 46"/>
         <p:cNvGrpSpPr/>
         <p:nvPr/>
@@ -9531,7 +10723,7 @@
               <a:buNone/>
             </a:pPr>
             <a:r>
-              <a:rPr lang="nl"/>
+              <a:rPr lang="nl" dirty="0"/>
               <a:t>Introductie [S]</a:t>
             </a:r>
           </a:p>
@@ -9562,99 +10754,115 @@
           </a:bodyPr>
           <a:lstStyle/>
           <a:p>
-            <a:pPr rtl="0">
-              <a:spcBef>
-                <a:spcPts val="0"/>
-              </a:spcBef>
-              <a:buNone/>
-            </a:pPr>
-            <a:r>
-              <a:rPr lang="nl" sz="1800"/>
-              <a:t>Model-View-Controller JS framework</a:t>
-            </a:r>
-          </a:p>
-          <a:p>
-            <a:pPr rtl="0">
-              <a:spcBef>
-                <a:spcPts val="0"/>
-              </a:spcBef>
-              <a:buNone/>
-            </a:pPr>
-            <a:r>
-              <a:rPr lang="nl" sz="1800" b="1"/>
-              <a:t>PRESENTATIE </a:t>
-            </a:r>
-            <a:r>
-              <a:rPr lang="nl" sz="1800" u="sng">
-                <a:solidFill>
-                  <a:schemeClr val="hlink"/>
-                </a:solidFill>
-                <a:hlinkClick r:id="rId3"/>
+            <a:pPr algn="ctr" rtl="0">
+              <a:spcBef>
+                <a:spcPts val="0"/>
+              </a:spcBef>
+              <a:buNone/>
+            </a:pPr>
+            <a:endParaRPr lang="nl" sz="1800" dirty="0" smtClean="0"/>
+          </a:p>
+          <a:p>
+            <a:pPr algn="ctr" rtl="0">
+              <a:spcBef>
+                <a:spcPts val="0"/>
+              </a:spcBef>
+              <a:buNone/>
+            </a:pPr>
+            <a:r>
+              <a:rPr lang="nl" sz="2800" dirty="0" smtClean="0"/>
+              <a:t>AngularJS</a:t>
+            </a:r>
+            <a:endParaRPr lang="nl" sz="1800" dirty="0" smtClean="0"/>
+          </a:p>
+          <a:p>
+            <a:pPr algn="ctr" rtl="0">
+              <a:spcBef>
+                <a:spcPts val="0"/>
+              </a:spcBef>
+              <a:buNone/>
+            </a:pPr>
+            <a:endParaRPr lang="nl" sz="1800" dirty="0" smtClean="0"/>
+          </a:p>
+          <a:p>
+            <a:pPr algn="ctr" rtl="0">
+              <a:spcBef>
+                <a:spcPts val="0"/>
+              </a:spcBef>
+            </a:pPr>
+            <a:r>
+              <a:rPr lang="nl" sz="1800" dirty="0" smtClean="0"/>
+              <a:t>Wat?</a:t>
+            </a:r>
+          </a:p>
+          <a:p>
+            <a:pPr algn="ctr" rtl="0">
+              <a:spcBef>
+                <a:spcPts val="0"/>
+              </a:spcBef>
+            </a:pPr>
+            <a:r>
+              <a:rPr lang="nl" sz="1800" dirty="0" smtClean="0">
+                <a:solidFill>
+                  <a:schemeClr val="bg1">
+                    <a:lumMod val="65000"/>
+                  </a:schemeClr>
+                </a:solidFill>
               </a:rPr>
-              <a:t>https://docs.google.com/presentation/d/1PgW0y9sg8tbLYrO5cXRVwepdYFZ_dxV3qb6kTOyt5Ec/edit#slide=id.g46b77f51_0_78</a:t>
-            </a:r>
-            <a:r>
-              <a:rPr lang="nl" sz="1800"/>
-              <a:t> </a:t>
-            </a:r>
-          </a:p>
-          <a:p>
-            <a:pPr rtl="0">
-              <a:spcBef>
-                <a:spcPts val="0"/>
-              </a:spcBef>
-              <a:buNone/>
-            </a:pPr>
-            <a:r>
-              <a:rPr lang="nl" sz="1800" b="1"/>
-              <a:t>THINKSTER</a:t>
-            </a:r>
-          </a:p>
-          <a:p>
-            <a:pPr rtl="0">
-              <a:spcBef>
-                <a:spcPts val="0"/>
-              </a:spcBef>
-              <a:buNone/>
-            </a:pPr>
-            <a:r>
-              <a:rPr lang="nl" sz="1800" u="sng">
-                <a:solidFill>
-                  <a:schemeClr val="hlink"/>
-                </a:solidFill>
-                <a:hlinkClick r:id="rId4"/>
+              <a:t>JS framework | Google | 100% clientside | MVC</a:t>
+            </a:r>
+            <a:endParaRPr lang="nl" sz="1800" dirty="0">
+              <a:solidFill>
+                <a:schemeClr val="bg1">
+                  <a:lumMod val="65000"/>
+                </a:schemeClr>
+              </a:solidFill>
+            </a:endParaRPr>
+          </a:p>
+          <a:p>
+            <a:pPr algn="ctr" rtl="0">
+              <a:spcBef>
+                <a:spcPts val="0"/>
+              </a:spcBef>
+            </a:pPr>
+            <a:endParaRPr lang="nl" sz="1800" dirty="0" smtClean="0"/>
+          </a:p>
+          <a:p>
+            <a:pPr algn="ctr" rtl="0">
+              <a:spcBef>
+                <a:spcPts val="0"/>
+              </a:spcBef>
+            </a:pPr>
+            <a:r>
+              <a:rPr lang="nl" sz="1800" dirty="0" smtClean="0"/>
+              <a:t>Waarom?</a:t>
+            </a:r>
+            <a:endParaRPr lang="nl" sz="1800" dirty="0" smtClean="0"/>
+          </a:p>
+          <a:p>
+            <a:pPr algn="ctr" rtl="0">
+              <a:spcBef>
+                <a:spcPts val="0"/>
+              </a:spcBef>
+              <a:buNone/>
+            </a:pPr>
+            <a:r>
+              <a:rPr lang="nl" sz="1800" dirty="0" smtClean="0">
+                <a:solidFill>
+                  <a:schemeClr val="bg1">
+                    <a:lumMod val="65000"/>
+                  </a:schemeClr>
+                </a:solidFill>
               </a:rPr>
-              <a:t>https://thinkster.io/angulartutorial/a-better-way-to-learn-angularjs/</a:t>
-            </a:r>
-          </a:p>
-          <a:p>
-            <a:pPr rtl="0">
-              <a:spcBef>
-                <a:spcPts val="0"/>
-              </a:spcBef>
-              <a:buNone/>
-            </a:pPr>
-            <a:r>
-              <a:rPr lang="nl" sz="1800" b="1"/>
-              <a:t>EXTRA</a:t>
-            </a:r>
-          </a:p>
-          <a:p>
-            <a:pPr>
-              <a:spcBef>
-                <a:spcPts val="0"/>
-              </a:spcBef>
-              <a:buNone/>
-            </a:pPr>
-            <a:r>
-              <a:rPr lang="nl" sz="1800" u="sng">
-                <a:solidFill>
-                  <a:schemeClr val="hlink"/>
-                </a:solidFill>
-                <a:hlinkClick r:id="rId5"/>
-              </a:rPr>
-              <a:t>http://www.slideshare.net/sbegaudeau/angular-js-101-everything-you-need-to-know-to-get-started</a:t>
-            </a:r>
+              <a:t>SPA | Two-way data-binding | POJO | Directives | DOM manipulatie | MVC</a:t>
+            </a:r>
+            <a:endParaRPr lang="nl" sz="1800" dirty="0">
+              <a:solidFill>
+                <a:schemeClr val="bg1">
+                  <a:lumMod val="65000"/>
+                </a:schemeClr>
+              </a:solidFill>
+            </a:endParaRPr>
           </a:p>
         </p:txBody>
       </p:sp>
@@ -9669,7 +10877,7 @@
 </p:sld>
 </file>
 
-<file path=ppt/slides/slide5.xml><?xml version="1.0" encoding="utf-8"?>
+<file path=ppt/slides/slide4.xml><?xml version="1.0" encoding="utf-8"?>
 <p:sld xmlns:a="http://schemas.openxmlformats.org/drawingml/2006/main" xmlns:r="http://schemas.openxmlformats.org/officeDocument/2006/relationships" xmlns:p="http://schemas.openxmlformats.org/presentationml/2006/main">
   <p:cSld>
     <p:spTree>
@@ -9718,7 +10926,7 @@
               <a:buNone/>
             </a:pPr>
             <a:r>
-              <a:rPr lang="nl"/>
+              <a:rPr lang="nl" dirty="0"/>
               <a:t>Historie [R]</a:t>
             </a:r>
           </a:p>
@@ -9761,7 +10969,7 @@
               <a:buNone/>
             </a:pPr>
             <a:r>
-              <a:rPr lang="nl" sz="1200">
+              <a:rPr lang="nl" sz="1200" dirty="0">
                 <a:solidFill>
                   <a:schemeClr val="dk1"/>
                 </a:solidFill>
@@ -9786,7 +10994,7 @@
               <a:buNone/>
             </a:pPr>
             <a:r>
-              <a:rPr lang="nl" sz="1200">
+              <a:rPr lang="nl" sz="1200" dirty="0">
                 <a:solidFill>
                   <a:schemeClr val="dk1"/>
                 </a:solidFill>
@@ -9809,7 +11017,7 @@
               <a:buFont typeface="Arial"/>
               <a:buNone/>
             </a:pPr>
-            <a:endParaRPr sz="1200">
+            <a:endParaRPr sz="1200" dirty="0">
               <a:solidFill>
                 <a:schemeClr val="dk1"/>
               </a:solidFill>
@@ -9832,7 +11040,7 @@
               <a:buNone/>
             </a:pPr>
             <a:r>
-              <a:rPr lang="nl" sz="1200">
+              <a:rPr lang="nl" sz="1200" dirty="0">
                 <a:solidFill>
                   <a:schemeClr val="dk1"/>
                 </a:solidFill>
@@ -9857,7 +11065,7 @@
               <a:buNone/>
             </a:pPr>
             <a:r>
-              <a:rPr lang="nl" sz="1200">
+              <a:rPr lang="nl" sz="1200" dirty="0">
                 <a:solidFill>
                   <a:schemeClr val="dk1"/>
                 </a:solidFill>
@@ -9882,7 +11090,7 @@
               <a:buNone/>
             </a:pPr>
             <a:r>
-              <a:rPr lang="nl" sz="1200">
+              <a:rPr lang="nl" sz="1200" dirty="0">
                 <a:solidFill>
                   <a:schemeClr val="dk1"/>
                 </a:solidFill>
@@ -9905,7 +11113,7 @@
               <a:buFont typeface="Arial"/>
               <a:buNone/>
             </a:pPr>
-            <a:endParaRPr sz="1200">
+            <a:endParaRPr sz="1200" dirty="0">
               <a:solidFill>
                 <a:schemeClr val="dk1"/>
               </a:solidFill>
@@ -9928,7 +11136,7 @@
               <a:buNone/>
             </a:pPr>
             <a:r>
-              <a:rPr lang="nl" sz="1200">
+              <a:rPr lang="nl" sz="1200" dirty="0">
                 <a:solidFill>
                   <a:schemeClr val="dk1"/>
                 </a:solidFill>
@@ -9953,7 +11161,7 @@
               <a:buNone/>
             </a:pPr>
             <a:r>
-              <a:rPr lang="nl" sz="1200">
+              <a:rPr lang="nl" sz="1200" dirty="0">
                 <a:solidFill>
                   <a:schemeClr val="dk1"/>
                 </a:solidFill>
@@ -9978,7 +11186,7 @@
               <a:buNone/>
             </a:pPr>
             <a:r>
-              <a:rPr lang="nl" sz="1200">
+              <a:rPr lang="nl" sz="1200" dirty="0">
                 <a:solidFill>
                   <a:schemeClr val="dk1"/>
                 </a:solidFill>
@@ -10003,7 +11211,7 @@
               <a:buNone/>
             </a:pPr>
             <a:r>
-              <a:rPr lang="nl" sz="1200">
+              <a:rPr lang="nl" sz="1200" dirty="0">
                 <a:solidFill>
                   <a:schemeClr val="dk1"/>
                 </a:solidFill>
@@ -10023,7 +11231,7 @@
               <a:buNone/>
             </a:pPr>
             <a:r>
-              <a:rPr lang="nl" sz="1200">
+              <a:rPr lang="nl" sz="1200" dirty="0">
                 <a:solidFill>
                   <a:schemeClr val="dk1"/>
                 </a:solidFill>
@@ -10048,7 +11256,7 @@
 </p:sld>
 </file>
 
-<file path=ppt/slides/slide6.xml><?xml version="1.0" encoding="utf-8"?>
+<file path=ppt/slides/slide5.xml><?xml version="1.0" encoding="utf-8"?>
 <p:sld xmlns:a="http://schemas.openxmlformats.org/drawingml/2006/main" xmlns:r="http://schemas.openxmlformats.org/officeDocument/2006/relationships" xmlns:p="http://schemas.openxmlformats.org/presentationml/2006/main">
   <p:cSld>
     <p:spTree>
@@ -10076,10 +11284,6 @@
           </p:nvPr>
         </p:nvSpPr>
         <p:spPr>
-          <a:xfrm>
-            <a:off x="457200" y="205977"/>
-            <a:ext cx="8229600" cy="1141499"/>
-          </a:xfrm>
           <a:prstGeom prst="rect">
             <a:avLst/>
           </a:prstGeom>
@@ -10097,8 +11301,16 @@
               <a:buNone/>
             </a:pPr>
             <a:r>
-              <a:rPr lang="nl"/>
-              <a:t>Two-way Data Binding [S]</a:t>
+              <a:rPr lang="nl" dirty="0"/>
+              <a:t>Two-way </a:t>
+            </a:r>
+            <a:r>
+              <a:rPr lang="nl" dirty="0" smtClean="0"/>
+              <a:t>data-binding </a:t>
+            </a:r>
+            <a:r>
+              <a:rPr lang="nl" dirty="0"/>
+              <a:t>[S]</a:t>
             </a:r>
           </a:p>
         </p:txBody>
@@ -10114,10 +11326,6 @@
           </p:nvPr>
         </p:nvSpPr>
         <p:spPr>
-          <a:xfrm>
-            <a:off x="457200" y="1560824"/>
-            <a:ext cx="8229600" cy="3465299"/>
-          </a:xfrm>
           <a:prstGeom prst="rect">
             <a:avLst/>
           </a:prstGeom>
@@ -10135,7 +11343,7 @@
               <a:buNone/>
             </a:pPr>
             <a:r>
-              <a:rPr lang="nl" sz="1100" b="1"/>
+              <a:rPr lang="nl" sz="1100" b="1" dirty="0"/>
               <a:t>Doel</a:t>
             </a:r>
           </a:p>
@@ -10147,7 +11355,7 @@
               <a:buNone/>
             </a:pPr>
             <a:r>
-              <a:rPr lang="nl" sz="1100"/>
+              <a:rPr lang="nl" sz="1100" dirty="0"/>
               <a:t>Data binding neemt het probleem weg dat je zelf data heen en weer moet schuiven tussen objecten en de DOM.</a:t>
             </a:r>
           </a:p>
@@ -10158,7 +11366,7 @@
               </a:spcBef>
               <a:buNone/>
             </a:pPr>
-            <a:endParaRPr sz="1100"/>
+            <a:endParaRPr sz="1100" dirty="0"/>
           </a:p>
           <a:p>
             <a:pPr rtl="0">
@@ -10168,7 +11376,7 @@
               <a:buNone/>
             </a:pPr>
             <a:r>
-              <a:rPr lang="nl" sz="1100" b="1"/>
+              <a:rPr lang="nl" sz="1100" b="1" dirty="0"/>
               <a:t>Hoe te gebruiken?</a:t>
             </a:r>
           </a:p>
@@ -10180,15 +11388,15 @@
               <a:buNone/>
             </a:pPr>
             <a:r>
-              <a:rPr lang="nl" sz="1100"/>
+              <a:rPr lang="nl" sz="1100" dirty="0"/>
               <a:t>Je definieert welk JS object property gelinkt is aan je UI en AngularJS regelt de rest. Als een gebruiker de UI aanpast, past AngularJS de object property aan. Als je de object property aanpast, past AngularJS de UI aan. Een JS object is het </a:t>
             </a:r>
             <a:r>
-              <a:rPr lang="nl" sz="1100" i="1"/>
+              <a:rPr lang="nl" sz="1100" i="1" dirty="0"/>
               <a:t>Model</a:t>
             </a:r>
             <a:r>
-              <a:rPr lang="nl" sz="1100"/>
+              <a:rPr lang="nl" sz="1100" dirty="0"/>
               <a:t>.</a:t>
             </a:r>
           </a:p>
@@ -10199,7 +11407,7 @@
               </a:spcBef>
               <a:buNone/>
             </a:pPr>
-            <a:endParaRPr sz="1100"/>
+            <a:endParaRPr sz="1100" dirty="0"/>
           </a:p>
           <a:p>
             <a:pPr rtl="0">
@@ -10209,7 +11417,7 @@
               <a:buNone/>
             </a:pPr>
             <a:r>
-              <a:rPr lang="nl" sz="1100" b="1"/>
+              <a:rPr lang="nl" sz="1100" b="1" dirty="0"/>
               <a:t>Voorbeeld</a:t>
             </a:r>
           </a:p>
@@ -10221,7 +11429,7 @@
               <a:buNone/>
             </a:pPr>
             <a:r>
-              <a:rPr lang="nl" sz="1100"/>
+              <a:rPr lang="nl" sz="1100" dirty="0"/>
               <a:t>$scope.firstname = ‘Sander’;		← Object property</a:t>
             </a:r>
           </a:p>
@@ -10233,8 +11441,16 @@
               <a:buNone/>
             </a:pPr>
             <a:r>
-              <a:rPr lang="nl" sz="1100"/>
-              <a:t>{{firstname}}				← UI</a:t>
+              <a:rPr lang="nl" sz="1100" dirty="0"/>
+              <a:t>{{firstname}}			</a:t>
+            </a:r>
+            <a:r>
+              <a:rPr lang="nl" sz="1100" dirty="0" smtClean="0"/>
+              <a:t>← </a:t>
+            </a:r>
+            <a:r>
+              <a:rPr lang="nl" sz="1100" dirty="0"/>
+              <a:t>UI</a:t>
             </a:r>
           </a:p>
           <a:p>
@@ -10244,7 +11460,7 @@
               </a:spcBef>
               <a:buNone/>
             </a:pPr>
-            <a:endParaRPr sz="1100"/>
+            <a:endParaRPr sz="1100" dirty="0"/>
           </a:p>
           <a:p>
             <a:pPr rtl="0">
@@ -10254,7 +11470,7 @@
               <a:buNone/>
             </a:pPr>
             <a:r>
-              <a:rPr lang="nl" sz="1100" b="1"/>
+              <a:rPr lang="nl" sz="1100" b="1" dirty="0"/>
               <a:t>Link</a:t>
             </a:r>
           </a:p>
@@ -10266,7 +11482,7 @@
               <a:buNone/>
             </a:pPr>
             <a:r>
-              <a:rPr lang="nl" sz="1100" u="sng">
+              <a:rPr lang="nl" sz="1100" u="sng" dirty="0">
                 <a:solidFill>
                   <a:schemeClr val="hlink"/>
                 </a:solidFill>
@@ -10274,6 +11490,268 @@
               </a:rPr>
               <a:t>http://localhost:8080/kes-angular/demo/two-way-data-binding</a:t>
             </a:r>
+          </a:p>
+        </p:txBody>
+      </p:sp>
+      <p:sp>
+        <p:nvSpPr>
+          <p:cNvPr id="2" name="Tijdelijke aanduiding voor tekst 1"/>
+          <p:cNvSpPr>
+            <a:spLocks noGrp="1"/>
+          </p:cNvSpPr>
+          <p:nvPr>
+            <p:ph type="body" idx="2"/>
+          </p:nvPr>
+        </p:nvSpPr>
+        <p:spPr>
+          <a:ln>
+            <a:solidFill>
+              <a:schemeClr val="tx1">
+                <a:lumMod val="95000"/>
+                <a:lumOff val="5000"/>
+              </a:schemeClr>
+            </a:solidFill>
+          </a:ln>
+        </p:spPr>
+        <p:txBody>
+          <a:bodyPr/>
+          <a:lstStyle/>
+          <a:p>
+            <a:r>
+              <a:rPr lang="en-US" sz="1400" b="1" dirty="0" smtClean="0">
+                <a:solidFill>
+                  <a:schemeClr val="tx1"/>
+                </a:solidFill>
+              </a:rPr>
+              <a:t>AngularJS </a:t>
+            </a:r>
+            <a:r>
+              <a:rPr lang="en-US" sz="1400" b="1" dirty="0" err="1" smtClean="0">
+                <a:solidFill>
+                  <a:schemeClr val="tx1"/>
+                </a:solidFill>
+              </a:rPr>
+              <a:t>applicatie</a:t>
+            </a:r>
+            <a:endParaRPr lang="en-US" sz="1400" b="1" dirty="0" smtClean="0">
+              <a:solidFill>
+                <a:schemeClr val="tx1"/>
+              </a:solidFill>
+            </a:endParaRPr>
+          </a:p>
+          <a:p>
+            <a:endParaRPr lang="en-US" sz="400" b="1" dirty="0" smtClean="0">
+              <a:solidFill>
+                <a:schemeClr val="tx1"/>
+              </a:solidFill>
+            </a:endParaRPr>
+          </a:p>
+          <a:p>
+            <a:r>
+              <a:rPr lang="en-US" sz="1400" dirty="0" smtClean="0">
+                <a:solidFill>
+                  <a:schemeClr val="tx1"/>
+                </a:solidFill>
+              </a:rPr>
+              <a:t>&lt;html </a:t>
+            </a:r>
+            <a:r>
+              <a:rPr lang="en-US" sz="1400" dirty="0" smtClean="0">
+                <a:solidFill>
+                  <a:srgbClr val="0070C0"/>
+                </a:solidFill>
+              </a:rPr>
+              <a:t>ng-app</a:t>
+            </a:r>
+            <a:r>
+              <a:rPr lang="en-US" sz="1400" dirty="0" smtClean="0">
+                <a:solidFill>
+                  <a:schemeClr val="tx1"/>
+                </a:solidFill>
+              </a:rPr>
+              <a:t>&gt;</a:t>
+            </a:r>
+          </a:p>
+          <a:p>
+            <a:r>
+              <a:rPr lang="en-US" sz="1400" dirty="0" smtClean="0">
+                <a:solidFill>
+                  <a:schemeClr val="tx1"/>
+                </a:solidFill>
+              </a:rPr>
+              <a:t>    &lt;head&gt;</a:t>
+            </a:r>
+          </a:p>
+          <a:p>
+            <a:r>
+              <a:rPr lang="en-US" sz="1400" dirty="0" smtClean="0">
+                <a:solidFill>
+                  <a:schemeClr val="tx1"/>
+                </a:solidFill>
+              </a:rPr>
+              <a:t>        &lt;script </a:t>
+            </a:r>
+            <a:r>
+              <a:rPr lang="en-US" sz="1400" dirty="0" err="1" smtClean="0">
+                <a:solidFill>
+                  <a:schemeClr val="tx1"/>
+                </a:solidFill>
+              </a:rPr>
+              <a:t>src</a:t>
+            </a:r>
+            <a:r>
+              <a:rPr lang="en-US" sz="1400" dirty="0" smtClean="0">
+                <a:solidFill>
+                  <a:schemeClr val="tx1"/>
+                </a:solidFill>
+              </a:rPr>
+              <a:t>=‘</a:t>
+            </a:r>
+            <a:r>
+              <a:rPr lang="en-US" sz="1400" dirty="0" smtClean="0">
+                <a:solidFill>
+                  <a:srgbClr val="0070C0"/>
+                </a:solidFill>
+              </a:rPr>
+              <a:t>angular.js</a:t>
+            </a:r>
+            <a:r>
+              <a:rPr lang="en-US" sz="1400" dirty="0" smtClean="0">
+                <a:solidFill>
+                  <a:schemeClr val="tx1"/>
+                </a:solidFill>
+              </a:rPr>
+              <a:t>’&gt;&lt;/script&gt;</a:t>
+            </a:r>
+          </a:p>
+          <a:p>
+            <a:r>
+              <a:rPr lang="en-US" sz="1400" dirty="0" smtClean="0">
+                <a:solidFill>
+                  <a:schemeClr val="tx1"/>
+                </a:solidFill>
+              </a:rPr>
+              <a:t>    &lt;/head&gt;</a:t>
+            </a:r>
+          </a:p>
+          <a:p>
+            <a:r>
+              <a:rPr lang="en-US" sz="1400" dirty="0" smtClean="0">
+                <a:solidFill>
+                  <a:schemeClr val="tx1"/>
+                </a:solidFill>
+              </a:rPr>
+              <a:t>    &lt;body </a:t>
+            </a:r>
+            <a:r>
+              <a:rPr lang="en-US" sz="1400" dirty="0" smtClean="0">
+                <a:solidFill>
+                  <a:srgbClr val="0070C0"/>
+                </a:solidFill>
+              </a:rPr>
+              <a:t>ng-init=“user.name = ‘Sander’”</a:t>
+            </a:r>
+            <a:r>
+              <a:rPr lang="en-US" sz="1400" dirty="0" smtClean="0">
+                <a:solidFill>
+                  <a:schemeClr val="tx1"/>
+                </a:solidFill>
+              </a:rPr>
+              <a:t>&gt;</a:t>
+            </a:r>
+          </a:p>
+          <a:p>
+            <a:r>
+              <a:rPr lang="en-US" sz="1400" dirty="0">
+                <a:solidFill>
+                  <a:schemeClr val="tx1"/>
+                </a:solidFill>
+              </a:rPr>
+              <a:t> </a:t>
+            </a:r>
+            <a:r>
+              <a:rPr lang="en-US" sz="1400" dirty="0" smtClean="0">
+                <a:solidFill>
+                  <a:schemeClr val="tx1"/>
+                </a:solidFill>
+              </a:rPr>
+              <a:t>       &lt;div&gt;Welkom </a:t>
+            </a:r>
+            <a:r>
+              <a:rPr lang="en-US" sz="1400" dirty="0" smtClean="0">
+                <a:solidFill>
+                  <a:srgbClr val="0070C0"/>
+                </a:solidFill>
+              </a:rPr>
+              <a:t>{{user.name}}</a:t>
+            </a:r>
+            <a:r>
+              <a:rPr lang="en-US" sz="1400" dirty="0" smtClean="0">
+                <a:solidFill>
+                  <a:schemeClr val="tx1"/>
+                </a:solidFill>
+              </a:rPr>
+              <a:t>&lt;/div&gt;</a:t>
+            </a:r>
+          </a:p>
+          <a:p>
+            <a:r>
+              <a:rPr lang="en-US" sz="1400" dirty="0" smtClean="0">
+                <a:solidFill>
+                  <a:schemeClr val="tx1"/>
+                </a:solidFill>
+              </a:rPr>
+              <a:t>    &lt;/body&gt;</a:t>
+            </a:r>
+          </a:p>
+          <a:p>
+            <a:r>
+              <a:rPr lang="en-US" sz="1400" dirty="0" smtClean="0">
+                <a:solidFill>
+                  <a:schemeClr val="tx1"/>
+                </a:solidFill>
+              </a:rPr>
+              <a:t>&lt;/html&gt;</a:t>
+            </a:r>
+          </a:p>
+          <a:p>
+            <a:endParaRPr lang="en-US" sz="1600" dirty="0">
+              <a:solidFill>
+                <a:schemeClr val="tx1"/>
+              </a:solidFill>
+            </a:endParaRPr>
+          </a:p>
+          <a:p>
+            <a:r>
+              <a:rPr lang="en-US" sz="1400" b="1" dirty="0" smtClean="0">
+                <a:solidFill>
+                  <a:schemeClr val="tx1"/>
+                </a:solidFill>
+              </a:rPr>
+              <a:t>Output</a:t>
+            </a:r>
+          </a:p>
+          <a:p>
+            <a:endParaRPr lang="en-US" sz="400" b="1" dirty="0" smtClean="0">
+              <a:solidFill>
+                <a:schemeClr val="tx1"/>
+              </a:solidFill>
+            </a:endParaRPr>
+          </a:p>
+          <a:p>
+            <a:r>
+              <a:rPr lang="en-US" sz="1400" dirty="0" smtClean="0">
+                <a:solidFill>
+                  <a:schemeClr val="tx1"/>
+                </a:solidFill>
+              </a:rPr>
+              <a:t>Welkom Sander</a:t>
+            </a:r>
+            <a:endParaRPr lang="en-US" sz="1400" dirty="0">
+              <a:solidFill>
+                <a:schemeClr val="tx1"/>
+              </a:solidFill>
+            </a:endParaRPr>
           </a:p>
         </p:txBody>
       </p:sp>
@@ -10288,7 +11766,2451 @@
 </p:sld>
 </file>
 
+<file path=ppt/slides/slide6.xml><?xml version="1.0" encoding="utf-8"?>
+<p:sld xmlns:a="http://schemas.openxmlformats.org/drawingml/2006/main" xmlns:r="http://schemas.openxmlformats.org/officeDocument/2006/relationships" xmlns:p="http://schemas.openxmlformats.org/presentationml/2006/main">
+  <p:cSld>
+    <p:spTree>
+      <p:nvGrpSpPr>
+        <p:cNvPr id="1" name=""/>
+        <p:cNvGrpSpPr/>
+        <p:nvPr/>
+      </p:nvGrpSpPr>
+      <p:grpSpPr>
+        <a:xfrm>
+          <a:off x="0" y="0"/>
+          <a:ext cx="0" cy="0"/>
+          <a:chOff x="0" y="0"/>
+          <a:chExt cx="0" cy="0"/>
+        </a:xfrm>
+      </p:grpSpPr>
+      <p:sp>
+        <p:nvSpPr>
+          <p:cNvPr id="2" name="Titel 1"/>
+          <p:cNvSpPr>
+            <a:spLocks noGrp="1"/>
+          </p:cNvSpPr>
+          <p:nvPr>
+            <p:ph type="title"/>
+          </p:nvPr>
+        </p:nvSpPr>
+        <p:spPr/>
+        <p:txBody>
+          <a:bodyPr/>
+          <a:lstStyle/>
+          <a:p>
+            <a:r>
+              <a:rPr lang="en-US" dirty="0" err="1" smtClean="0"/>
+              <a:t>Structuur</a:t>
+            </a:r>
+            <a:endParaRPr lang="en-US" dirty="0"/>
+          </a:p>
+        </p:txBody>
+      </p:sp>
+      <p:sp>
+        <p:nvSpPr>
+          <p:cNvPr id="12" name="Shape 47"/>
+          <p:cNvSpPr/>
+          <p:nvPr/>
+        </p:nvSpPr>
+        <p:spPr>
+          <a:xfrm>
+            <a:off x="457200" y="1723921"/>
+            <a:ext cx="2106386" cy="1092758"/>
+          </a:xfrm>
+          <a:prstGeom prst="rect">
+            <a:avLst/>
+          </a:prstGeom>
+          <a:solidFill>
+            <a:schemeClr val="bg1">
+              <a:lumMod val="85000"/>
+            </a:schemeClr>
+          </a:solidFill>
+          <a:ln w="19050" cap="flat">
+            <a:solidFill>
+              <a:schemeClr val="dk2"/>
+            </a:solidFill>
+            <a:prstDash val="solid"/>
+            <a:round/>
+            <a:headEnd type="none" w="med" len="med"/>
+            <a:tailEnd type="none" w="med" len="med"/>
+          </a:ln>
+        </p:spPr>
+        <p:txBody>
+          <a:bodyPr lIns="91425" tIns="91425" rIns="91425" bIns="91425" anchor="ctr" anchorCtr="0">
+            <a:noAutofit/>
+          </a:bodyPr>
+          <a:lstStyle/>
+          <a:p>
+            <a:pPr algn="ctr">
+              <a:spcBef>
+                <a:spcPts val="0"/>
+              </a:spcBef>
+              <a:buNone/>
+            </a:pPr>
+            <a:r>
+              <a:rPr lang="en" sz="2800" dirty="0"/>
+              <a:t>Data</a:t>
+            </a:r>
+            <a:endParaRPr lang="en" sz="3000" dirty="0"/>
+          </a:p>
+        </p:txBody>
+      </p:sp>
+      <p:sp>
+        <p:nvSpPr>
+          <p:cNvPr id="13" name="Shape 48"/>
+          <p:cNvSpPr/>
+          <p:nvPr/>
+        </p:nvSpPr>
+        <p:spPr>
+          <a:xfrm>
+            <a:off x="6580414" y="1723921"/>
+            <a:ext cx="2106386" cy="1092758"/>
+          </a:xfrm>
+          <a:prstGeom prst="rect">
+            <a:avLst/>
+          </a:prstGeom>
+          <a:solidFill>
+            <a:schemeClr val="bg1">
+              <a:lumMod val="85000"/>
+            </a:schemeClr>
+          </a:solidFill>
+          <a:ln w="19050" cap="flat">
+            <a:solidFill>
+              <a:schemeClr val="dk2"/>
+            </a:solidFill>
+            <a:prstDash val="solid"/>
+            <a:round/>
+            <a:headEnd type="none" w="med" len="med"/>
+            <a:tailEnd type="none" w="med" len="med"/>
+          </a:ln>
+        </p:spPr>
+        <p:txBody>
+          <a:bodyPr lIns="91425" tIns="91425" rIns="91425" bIns="91425" anchor="ctr" anchorCtr="0">
+            <a:noAutofit/>
+          </a:bodyPr>
+          <a:lstStyle/>
+          <a:p>
+            <a:pPr lvl="0" algn="ctr" rtl="0">
+              <a:spcBef>
+                <a:spcPts val="0"/>
+              </a:spcBef>
+              <a:buNone/>
+            </a:pPr>
+            <a:r>
+              <a:rPr lang="en" sz="2800" dirty="0"/>
+              <a:t>UI</a:t>
+            </a:r>
+            <a:endParaRPr lang="en" sz="3000" dirty="0"/>
+          </a:p>
+        </p:txBody>
+      </p:sp>
+      <p:sp>
+        <p:nvSpPr>
+          <p:cNvPr id="14" name="Shape 49"/>
+          <p:cNvSpPr/>
+          <p:nvPr/>
+        </p:nvSpPr>
+        <p:spPr>
+          <a:xfrm>
+            <a:off x="3518807" y="3653313"/>
+            <a:ext cx="2106386" cy="1092758"/>
+          </a:xfrm>
+          <a:prstGeom prst="rect">
+            <a:avLst/>
+          </a:prstGeom>
+          <a:solidFill>
+            <a:schemeClr val="bg1">
+              <a:lumMod val="85000"/>
+            </a:schemeClr>
+          </a:solidFill>
+          <a:ln w="19050" cap="flat">
+            <a:solidFill>
+              <a:schemeClr val="dk2"/>
+            </a:solidFill>
+            <a:prstDash val="solid"/>
+            <a:round/>
+            <a:headEnd type="none" w="med" len="med"/>
+            <a:tailEnd type="none" w="med" len="med"/>
+          </a:ln>
+        </p:spPr>
+        <p:txBody>
+          <a:bodyPr lIns="91425" tIns="91425" rIns="91425" bIns="91425" anchor="ctr" anchorCtr="0">
+            <a:noAutofit/>
+          </a:bodyPr>
+          <a:lstStyle/>
+          <a:p>
+            <a:pPr lvl="0" algn="ctr" rtl="0">
+              <a:spcBef>
+                <a:spcPts val="0"/>
+              </a:spcBef>
+              <a:buNone/>
+            </a:pPr>
+            <a:r>
+              <a:rPr lang="en" sz="2800" dirty="0" smtClean="0"/>
+              <a:t>Logica</a:t>
+            </a:r>
+            <a:endParaRPr lang="en" sz="3000" dirty="0"/>
+          </a:p>
+        </p:txBody>
+      </p:sp>
+    </p:spTree>
+    <p:extLst>
+      <p:ext uri="{BB962C8B-B14F-4D97-AF65-F5344CB8AC3E}">
+        <p14:creationId xmlns:p14="http://schemas.microsoft.com/office/powerpoint/2010/main" val="920304582"/>
+      </p:ext>
+    </p:extLst>
+  </p:cSld>
+  <p:clrMapOvr>
+    <a:masterClrMapping/>
+  </p:clrMapOvr>
+</p:sld>
+</file>
+
 <file path=ppt/slides/slide7.xml><?xml version="1.0" encoding="utf-8"?>
+<p:sld xmlns:a="http://schemas.openxmlformats.org/drawingml/2006/main" xmlns:r="http://schemas.openxmlformats.org/officeDocument/2006/relationships" xmlns:p="http://schemas.openxmlformats.org/presentationml/2006/main">
+  <p:cSld>
+    <p:spTree>
+      <p:nvGrpSpPr>
+        <p:cNvPr id="1" name=""/>
+        <p:cNvGrpSpPr/>
+        <p:nvPr/>
+      </p:nvGrpSpPr>
+      <p:grpSpPr>
+        <a:xfrm>
+          <a:off x="0" y="0"/>
+          <a:ext cx="0" cy="0"/>
+          <a:chOff x="0" y="0"/>
+          <a:chExt cx="0" cy="0"/>
+        </a:xfrm>
+      </p:grpSpPr>
+      <p:sp>
+        <p:nvSpPr>
+          <p:cNvPr id="2" name="Titel 1"/>
+          <p:cNvSpPr>
+            <a:spLocks noGrp="1"/>
+          </p:cNvSpPr>
+          <p:nvPr>
+            <p:ph type="title"/>
+          </p:nvPr>
+        </p:nvSpPr>
+        <p:spPr/>
+        <p:txBody>
+          <a:bodyPr/>
+          <a:lstStyle/>
+          <a:p>
+            <a:r>
+              <a:rPr lang="en-US" dirty="0" err="1" smtClean="0"/>
+              <a:t>Structuur</a:t>
+            </a:r>
+            <a:r>
+              <a:rPr lang="en-US" dirty="0" smtClean="0"/>
+              <a:t> MVC</a:t>
+            </a:r>
+            <a:endParaRPr lang="en-US" dirty="0"/>
+          </a:p>
+        </p:txBody>
+      </p:sp>
+      <p:cxnSp>
+        <p:nvCxnSpPr>
+          <p:cNvPr id="6" name="Shape 59"/>
+          <p:cNvCxnSpPr/>
+          <p:nvPr/>
+        </p:nvCxnSpPr>
+        <p:spPr>
+          <a:xfrm>
+            <a:off x="2563586" y="2277765"/>
+            <a:ext cx="4016828" cy="0"/>
+          </a:xfrm>
+          <a:prstGeom prst="straightConnector1">
+            <a:avLst/>
+          </a:prstGeom>
+          <a:noFill/>
+          <a:ln w="76200" cap="flat">
+            <a:solidFill>
+              <a:srgbClr val="6FA8DC"/>
+            </a:solidFill>
+            <a:prstDash val="solid"/>
+            <a:round/>
+            <a:headEnd type="none" w="lg" len="lg"/>
+            <a:tailEnd type="triangle" w="lg" len="lg"/>
+          </a:ln>
+        </p:spPr>
+      </p:cxnSp>
+      <p:cxnSp>
+        <p:nvCxnSpPr>
+          <p:cNvPr id="8" name="Shape 58"/>
+          <p:cNvCxnSpPr>
+            <a:endCxn id="14" idx="1"/>
+          </p:cNvCxnSpPr>
+          <p:nvPr/>
+        </p:nvCxnSpPr>
+        <p:spPr>
+          <a:xfrm>
+            <a:off x="1510393" y="2816679"/>
+            <a:ext cx="2008414" cy="1383013"/>
+          </a:xfrm>
+          <a:prstGeom prst="curvedConnector3">
+            <a:avLst>
+              <a:gd name="adj1" fmla="val 0"/>
+            </a:avLst>
+          </a:prstGeom>
+          <a:noFill/>
+          <a:ln w="76200" cap="flat">
+            <a:solidFill>
+              <a:srgbClr val="6FA8DC"/>
+            </a:solidFill>
+            <a:prstDash val="solid"/>
+            <a:round/>
+            <a:headEnd type="stealth" w="lg" len="lg"/>
+            <a:tailEnd type="none" w="lg" len="lg"/>
+          </a:ln>
+        </p:spPr>
+      </p:cxnSp>
+      <p:cxnSp>
+        <p:nvCxnSpPr>
+          <p:cNvPr id="10" name="Shape 60"/>
+          <p:cNvCxnSpPr>
+            <a:endCxn id="14" idx="3"/>
+          </p:cNvCxnSpPr>
+          <p:nvPr/>
+        </p:nvCxnSpPr>
+        <p:spPr>
+          <a:xfrm rot="10800000" flipV="1">
+            <a:off x="5625193" y="2797892"/>
+            <a:ext cx="2008414" cy="1401799"/>
+          </a:xfrm>
+          <a:prstGeom prst="curvedConnector3">
+            <a:avLst>
+              <a:gd name="adj1" fmla="val -406"/>
+            </a:avLst>
+          </a:prstGeom>
+          <a:noFill/>
+          <a:ln w="76200" cap="flat">
+            <a:solidFill>
+              <a:srgbClr val="6FA8DC"/>
+            </a:solidFill>
+            <a:prstDash val="solid"/>
+            <a:round/>
+            <a:headEnd type="none" w="lg" len="lg"/>
+            <a:tailEnd type="triangle" w="lg" len="lg"/>
+          </a:ln>
+        </p:spPr>
+      </p:cxnSp>
+      <p:sp>
+        <p:nvSpPr>
+          <p:cNvPr id="13" name="Shape 48"/>
+          <p:cNvSpPr/>
+          <p:nvPr/>
+        </p:nvSpPr>
+        <p:spPr>
+          <a:xfrm>
+            <a:off x="6580414" y="1723921"/>
+            <a:ext cx="2106386" cy="1092758"/>
+          </a:xfrm>
+          <a:prstGeom prst="rect">
+            <a:avLst/>
+          </a:prstGeom>
+          <a:solidFill>
+            <a:schemeClr val="bg1">
+              <a:lumMod val="85000"/>
+            </a:schemeClr>
+          </a:solidFill>
+          <a:ln w="19050" cap="flat">
+            <a:solidFill>
+              <a:schemeClr val="dk2"/>
+            </a:solidFill>
+            <a:prstDash val="solid"/>
+            <a:round/>
+            <a:headEnd type="none" w="med" len="med"/>
+            <a:tailEnd type="none" w="med" len="med"/>
+          </a:ln>
+        </p:spPr>
+        <p:txBody>
+          <a:bodyPr lIns="91425" tIns="91425" rIns="91425" bIns="91425" anchor="ctr" anchorCtr="0">
+            <a:noAutofit/>
+          </a:bodyPr>
+          <a:lstStyle/>
+          <a:p>
+            <a:pPr lvl="0" algn="ctr" rtl="0">
+              <a:spcBef>
+                <a:spcPts val="0"/>
+              </a:spcBef>
+              <a:buNone/>
+            </a:pPr>
+            <a:r>
+              <a:rPr lang="en" sz="2800" dirty="0" smtClean="0"/>
+              <a:t>View</a:t>
+            </a:r>
+            <a:endParaRPr lang="en" sz="3000" dirty="0"/>
+          </a:p>
+        </p:txBody>
+      </p:sp>
+      <p:sp>
+        <p:nvSpPr>
+          <p:cNvPr id="14" name="Shape 49"/>
+          <p:cNvSpPr/>
+          <p:nvPr/>
+        </p:nvSpPr>
+        <p:spPr>
+          <a:xfrm>
+            <a:off x="3518807" y="3653313"/>
+            <a:ext cx="2106386" cy="1092758"/>
+          </a:xfrm>
+          <a:prstGeom prst="rect">
+            <a:avLst/>
+          </a:prstGeom>
+          <a:solidFill>
+            <a:schemeClr val="bg1">
+              <a:lumMod val="85000"/>
+            </a:schemeClr>
+          </a:solidFill>
+          <a:ln w="19050" cap="flat">
+            <a:solidFill>
+              <a:schemeClr val="dk2"/>
+            </a:solidFill>
+            <a:prstDash val="solid"/>
+            <a:round/>
+            <a:headEnd type="none" w="med" len="med"/>
+            <a:tailEnd type="none" w="med" len="med"/>
+          </a:ln>
+        </p:spPr>
+        <p:txBody>
+          <a:bodyPr lIns="91425" tIns="91425" rIns="91425" bIns="91425" anchor="ctr" anchorCtr="0">
+            <a:noAutofit/>
+          </a:bodyPr>
+          <a:lstStyle/>
+          <a:p>
+            <a:pPr lvl="0" algn="ctr" rtl="0">
+              <a:spcBef>
+                <a:spcPts val="0"/>
+              </a:spcBef>
+              <a:buNone/>
+            </a:pPr>
+            <a:r>
+              <a:rPr lang="en" sz="2800" dirty="0" smtClean="0"/>
+              <a:t>Controller</a:t>
+            </a:r>
+            <a:endParaRPr lang="en" sz="3000" dirty="0"/>
+          </a:p>
+        </p:txBody>
+      </p:sp>
+      <p:sp>
+        <p:nvSpPr>
+          <p:cNvPr id="12" name="Shape 47"/>
+          <p:cNvSpPr/>
+          <p:nvPr/>
+        </p:nvSpPr>
+        <p:spPr>
+          <a:xfrm>
+            <a:off x="457200" y="1723921"/>
+            <a:ext cx="2106386" cy="1092758"/>
+          </a:xfrm>
+          <a:prstGeom prst="rect">
+            <a:avLst/>
+          </a:prstGeom>
+          <a:solidFill>
+            <a:schemeClr val="bg1">
+              <a:lumMod val="85000"/>
+            </a:schemeClr>
+          </a:solidFill>
+          <a:ln w="19050" cap="flat">
+            <a:solidFill>
+              <a:schemeClr val="dk2"/>
+            </a:solidFill>
+            <a:prstDash val="solid"/>
+            <a:round/>
+            <a:headEnd type="none" w="med" len="med"/>
+            <a:tailEnd type="none" w="med" len="med"/>
+          </a:ln>
+        </p:spPr>
+        <p:txBody>
+          <a:bodyPr lIns="91425" tIns="91425" rIns="91425" bIns="91425" anchor="ctr" anchorCtr="0">
+            <a:noAutofit/>
+          </a:bodyPr>
+          <a:lstStyle/>
+          <a:p>
+            <a:pPr algn="ctr">
+              <a:spcBef>
+                <a:spcPts val="0"/>
+              </a:spcBef>
+              <a:buNone/>
+            </a:pPr>
+            <a:r>
+              <a:rPr lang="en" sz="2800" dirty="0" smtClean="0"/>
+              <a:t>Model</a:t>
+            </a:r>
+            <a:endParaRPr lang="en" sz="3000" dirty="0"/>
+          </a:p>
+        </p:txBody>
+      </p:sp>
+      <p:sp>
+        <p:nvSpPr>
+          <p:cNvPr id="15" name="Shape 62"/>
+          <p:cNvSpPr txBox="1"/>
+          <p:nvPr/>
+        </p:nvSpPr>
+        <p:spPr>
+          <a:xfrm>
+            <a:off x="3749700" y="1748778"/>
+            <a:ext cx="1644600" cy="627394"/>
+          </a:xfrm>
+          <a:prstGeom prst="rect">
+            <a:avLst/>
+          </a:prstGeom>
+          <a:noFill/>
+          <a:ln>
+            <a:noFill/>
+          </a:ln>
+        </p:spPr>
+        <p:txBody>
+          <a:bodyPr lIns="91425" tIns="91425" rIns="91425" bIns="91425" anchor="t" anchorCtr="0">
+            <a:noAutofit/>
+          </a:bodyPr>
+          <a:lstStyle/>
+          <a:p>
+            <a:pPr lvl="0" algn="ctr" rtl="0">
+              <a:spcBef>
+                <a:spcPts val="0"/>
+              </a:spcBef>
+              <a:buNone/>
+            </a:pPr>
+            <a:r>
+              <a:rPr lang="en" sz="1600" dirty="0" smtClean="0">
+                <a:solidFill>
+                  <a:schemeClr val="tx1"/>
+                </a:solidFill>
+              </a:rPr>
+              <a:t>Maakt</a:t>
+            </a:r>
+            <a:r>
+              <a:rPr lang="en" sz="2000" dirty="0" smtClean="0">
+                <a:solidFill>
+                  <a:schemeClr val="tx1"/>
+                </a:solidFill>
+              </a:rPr>
+              <a:t> </a:t>
+            </a:r>
+            <a:r>
+              <a:rPr lang="en" sz="1600" dirty="0" smtClean="0">
+                <a:solidFill>
+                  <a:schemeClr val="tx1"/>
+                </a:solidFill>
+              </a:rPr>
+              <a:t>bekend</a:t>
+            </a:r>
+            <a:endParaRPr lang="en" sz="3000" dirty="0">
+              <a:solidFill>
+                <a:schemeClr val="tx1"/>
+              </a:solidFill>
+            </a:endParaRPr>
+          </a:p>
+        </p:txBody>
+      </p:sp>
+      <p:sp>
+        <p:nvSpPr>
+          <p:cNvPr id="16" name="Shape 62"/>
+          <p:cNvSpPr txBox="1"/>
+          <p:nvPr/>
+        </p:nvSpPr>
+        <p:spPr>
+          <a:xfrm>
+            <a:off x="6811308" y="3975070"/>
+            <a:ext cx="1644600" cy="632293"/>
+          </a:xfrm>
+          <a:prstGeom prst="rect">
+            <a:avLst/>
+          </a:prstGeom>
+          <a:noFill/>
+          <a:ln>
+            <a:noFill/>
+          </a:ln>
+        </p:spPr>
+        <p:txBody>
+          <a:bodyPr lIns="91425" tIns="91425" rIns="91425" bIns="91425" anchor="t" anchorCtr="0">
+            <a:noAutofit/>
+          </a:bodyPr>
+          <a:lstStyle/>
+          <a:p>
+            <a:pPr lvl="0" algn="ctr" rtl="0">
+              <a:spcBef>
+                <a:spcPts val="0"/>
+              </a:spcBef>
+              <a:buNone/>
+            </a:pPr>
+            <a:r>
+              <a:rPr lang="en" sz="1600" dirty="0" smtClean="0">
+                <a:solidFill>
+                  <a:schemeClr val="tx1"/>
+                </a:solidFill>
+              </a:rPr>
+              <a:t>Maakt bekend</a:t>
+            </a:r>
+            <a:endParaRPr lang="en" sz="2800" dirty="0">
+              <a:solidFill>
+                <a:schemeClr val="tx1"/>
+              </a:solidFill>
+            </a:endParaRPr>
+          </a:p>
+        </p:txBody>
+      </p:sp>
+      <p:sp>
+        <p:nvSpPr>
+          <p:cNvPr id="17" name="Shape 62"/>
+          <p:cNvSpPr txBox="1"/>
+          <p:nvPr/>
+        </p:nvSpPr>
+        <p:spPr>
+          <a:xfrm>
+            <a:off x="603727" y="3975070"/>
+            <a:ext cx="1813330" cy="607572"/>
+          </a:xfrm>
+          <a:prstGeom prst="rect">
+            <a:avLst/>
+          </a:prstGeom>
+          <a:noFill/>
+          <a:ln>
+            <a:noFill/>
+          </a:ln>
+        </p:spPr>
+        <p:txBody>
+          <a:bodyPr lIns="91425" tIns="91425" rIns="91425" bIns="91425" anchor="t" anchorCtr="0">
+            <a:noAutofit/>
+          </a:bodyPr>
+          <a:lstStyle/>
+          <a:p>
+            <a:pPr lvl="0" algn="ctr" rtl="0">
+              <a:spcBef>
+                <a:spcPts val="0"/>
+              </a:spcBef>
+              <a:buNone/>
+            </a:pPr>
+            <a:r>
+              <a:rPr lang="en" sz="1600" dirty="0" smtClean="0">
+                <a:solidFill>
+                  <a:schemeClr val="tx1"/>
+                </a:solidFill>
+              </a:rPr>
+              <a:t>Veranderd</a:t>
+            </a:r>
+            <a:endParaRPr lang="en" sz="3000" dirty="0">
+              <a:solidFill>
+                <a:schemeClr val="tx1"/>
+              </a:solidFill>
+            </a:endParaRPr>
+          </a:p>
+        </p:txBody>
+      </p:sp>
+      <p:sp>
+        <p:nvSpPr>
+          <p:cNvPr id="18" name="Tekstvak 17"/>
+          <p:cNvSpPr txBox="1"/>
+          <p:nvPr/>
+        </p:nvSpPr>
+        <p:spPr>
+          <a:xfrm>
+            <a:off x="457200" y="1723921"/>
+            <a:ext cx="617477" cy="338554"/>
+          </a:xfrm>
+          <a:prstGeom prst="rect">
+            <a:avLst/>
+          </a:prstGeom>
+          <a:noFill/>
+        </p:spPr>
+        <p:txBody>
+          <a:bodyPr wrap="none" rtlCol="0">
+            <a:spAutoFit/>
+          </a:bodyPr>
+          <a:lstStyle/>
+          <a:p>
+            <a:r>
+              <a:rPr lang="en-US" sz="1600" dirty="0" smtClean="0"/>
+              <a:t>Data</a:t>
+            </a:r>
+            <a:endParaRPr lang="en-US" dirty="0"/>
+          </a:p>
+        </p:txBody>
+      </p:sp>
+      <p:sp>
+        <p:nvSpPr>
+          <p:cNvPr id="19" name="Tekstvak 18"/>
+          <p:cNvSpPr txBox="1"/>
+          <p:nvPr/>
+        </p:nvSpPr>
+        <p:spPr>
+          <a:xfrm>
+            <a:off x="3518807" y="3653313"/>
+            <a:ext cx="787395" cy="338554"/>
+          </a:xfrm>
+          <a:prstGeom prst="rect">
+            <a:avLst/>
+          </a:prstGeom>
+          <a:noFill/>
+        </p:spPr>
+        <p:txBody>
+          <a:bodyPr wrap="none" rtlCol="0">
+            <a:spAutoFit/>
+          </a:bodyPr>
+          <a:lstStyle/>
+          <a:p>
+            <a:r>
+              <a:rPr lang="en-US" sz="1600" dirty="0" err="1" smtClean="0"/>
+              <a:t>Logica</a:t>
+            </a:r>
+            <a:endParaRPr lang="en-US" dirty="0"/>
+          </a:p>
+        </p:txBody>
+      </p:sp>
+      <p:sp>
+        <p:nvSpPr>
+          <p:cNvPr id="20" name="Tekstvak 19"/>
+          <p:cNvSpPr txBox="1"/>
+          <p:nvPr/>
+        </p:nvSpPr>
+        <p:spPr>
+          <a:xfrm>
+            <a:off x="6580414" y="1729832"/>
+            <a:ext cx="364202" cy="307777"/>
+          </a:xfrm>
+          <a:prstGeom prst="rect">
+            <a:avLst/>
+          </a:prstGeom>
+          <a:noFill/>
+        </p:spPr>
+        <p:txBody>
+          <a:bodyPr wrap="none" rtlCol="0">
+            <a:spAutoFit/>
+          </a:bodyPr>
+          <a:lstStyle/>
+          <a:p>
+            <a:r>
+              <a:rPr lang="en-US" dirty="0" smtClean="0"/>
+              <a:t>UI</a:t>
+            </a:r>
+            <a:endParaRPr lang="en-US" dirty="0"/>
+          </a:p>
+        </p:txBody>
+      </p:sp>
+    </p:spTree>
+    <p:extLst>
+      <p:ext uri="{BB962C8B-B14F-4D97-AF65-F5344CB8AC3E}">
+        <p14:creationId xmlns:p14="http://schemas.microsoft.com/office/powerpoint/2010/main" val="2587126513"/>
+      </p:ext>
+    </p:extLst>
+  </p:cSld>
+  <p:clrMapOvr>
+    <a:masterClrMapping/>
+  </p:clrMapOvr>
+</p:sld>
+</file>
+
+<file path=ppt/slides/slide8.xml><?xml version="1.0" encoding="utf-8"?>
+<p:sld xmlns:a="http://schemas.openxmlformats.org/drawingml/2006/main" xmlns:r="http://schemas.openxmlformats.org/officeDocument/2006/relationships" xmlns:p="http://schemas.openxmlformats.org/presentationml/2006/main">
+  <p:cSld>
+    <p:spTree>
+      <p:nvGrpSpPr>
+        <p:cNvPr id="1" name=""/>
+        <p:cNvGrpSpPr/>
+        <p:nvPr/>
+      </p:nvGrpSpPr>
+      <p:grpSpPr>
+        <a:xfrm>
+          <a:off x="0" y="0"/>
+          <a:ext cx="0" cy="0"/>
+          <a:chOff x="0" y="0"/>
+          <a:chExt cx="0" cy="0"/>
+        </a:xfrm>
+      </p:grpSpPr>
+      <p:sp>
+        <p:nvSpPr>
+          <p:cNvPr id="2" name="Titel 1"/>
+          <p:cNvSpPr>
+            <a:spLocks noGrp="1"/>
+          </p:cNvSpPr>
+          <p:nvPr>
+            <p:ph type="title"/>
+          </p:nvPr>
+        </p:nvSpPr>
+        <p:spPr/>
+        <p:txBody>
+          <a:bodyPr/>
+          <a:lstStyle/>
+          <a:p>
+            <a:r>
+              <a:rPr lang="en-US" dirty="0" smtClean="0"/>
+              <a:t>MVC</a:t>
+            </a:r>
+            <a:endParaRPr lang="en-US" dirty="0"/>
+          </a:p>
+        </p:txBody>
+      </p:sp>
+      <p:sp>
+        <p:nvSpPr>
+          <p:cNvPr id="4" name="Shape 69"/>
+          <p:cNvSpPr txBox="1">
+            <a:spLocks/>
+          </p:cNvSpPr>
+          <p:nvPr/>
+        </p:nvSpPr>
+        <p:spPr>
+          <a:xfrm>
+            <a:off x="1037710" y="1699627"/>
+            <a:ext cx="2607828" cy="907630"/>
+          </a:xfrm>
+          <a:prstGeom prst="rect">
+            <a:avLst/>
+          </a:prstGeom>
+          <a:solidFill>
+            <a:schemeClr val="bg1">
+              <a:lumMod val="85000"/>
+            </a:schemeClr>
+          </a:solidFill>
+          <a:ln w="19050">
+            <a:solidFill>
+              <a:schemeClr val="tx1">
+                <a:lumMod val="95000"/>
+                <a:lumOff val="5000"/>
+              </a:schemeClr>
+            </a:solidFill>
+          </a:ln>
+        </p:spPr>
+        <p:txBody>
+          <a:bodyPr lIns="91425" tIns="91425" rIns="91425" bIns="91425" anchor="ctr" anchorCtr="0">
+            <a:noAutofit/>
+          </a:bodyPr>
+          <a:lstStyle>
+            <a:defPPr marR="0" algn="l" rtl="0">
+              <a:lnSpc>
+                <a:spcPct val="100000"/>
+              </a:lnSpc>
+              <a:spcBef>
+                <a:spcPts val="0"/>
+              </a:spcBef>
+              <a:spcAft>
+                <a:spcPts val="0"/>
+              </a:spcAft>
+            </a:defPPr>
+            <a:lvl1pPr marR="0" algn="l" rtl="0">
+              <a:lnSpc>
+                <a:spcPct val="100000"/>
+              </a:lnSpc>
+              <a:spcBef>
+                <a:spcPts val="0"/>
+              </a:spcBef>
+              <a:spcAft>
+                <a:spcPts val="0"/>
+              </a:spcAft>
+              <a:buClr>
+                <a:schemeClr val="dk2"/>
+              </a:buClr>
+              <a:buSzPct val="100000"/>
+              <a:buNone/>
+              <a:defRPr sz="3000" b="0" i="0" u="none" strike="noStrike" cap="none" baseline="0">
+                <a:solidFill>
+                  <a:schemeClr val="dk2"/>
+                </a:solidFill>
+                <a:latin typeface="Arial"/>
+                <a:ea typeface="Arial"/>
+                <a:cs typeface="Arial"/>
+                <a:sym typeface="Arial"/>
+                <a:rtl val="0"/>
+              </a:defRPr>
+            </a:lvl1pPr>
+            <a:lvl2pPr marR="0" algn="l" rtl="0">
+              <a:lnSpc>
+                <a:spcPct val="100000"/>
+              </a:lnSpc>
+              <a:spcBef>
+                <a:spcPts val="0"/>
+              </a:spcBef>
+              <a:spcAft>
+                <a:spcPts val="0"/>
+              </a:spcAft>
+              <a:buClr>
+                <a:schemeClr val="dk2"/>
+              </a:buClr>
+              <a:buSzPct val="100000"/>
+              <a:buNone/>
+              <a:defRPr sz="2400" b="0" i="0" u="none" strike="noStrike" cap="none" baseline="0">
+                <a:solidFill>
+                  <a:schemeClr val="dk2"/>
+                </a:solidFill>
+                <a:latin typeface="Arial"/>
+                <a:ea typeface="Arial"/>
+                <a:cs typeface="Arial"/>
+                <a:sym typeface="Arial"/>
+                <a:rtl val="0"/>
+              </a:defRPr>
+            </a:lvl2pPr>
+            <a:lvl3pPr marR="0" algn="l" rtl="0">
+              <a:lnSpc>
+                <a:spcPct val="100000"/>
+              </a:lnSpc>
+              <a:spcBef>
+                <a:spcPts val="0"/>
+              </a:spcBef>
+              <a:spcAft>
+                <a:spcPts val="0"/>
+              </a:spcAft>
+              <a:buClr>
+                <a:schemeClr val="dk2"/>
+              </a:buClr>
+              <a:buSzPct val="100000"/>
+              <a:buNone/>
+              <a:defRPr sz="2400" b="0" i="0" u="none" strike="noStrike" cap="none" baseline="0">
+                <a:solidFill>
+                  <a:schemeClr val="dk2"/>
+                </a:solidFill>
+                <a:latin typeface="Arial"/>
+                <a:ea typeface="Arial"/>
+                <a:cs typeface="Arial"/>
+                <a:sym typeface="Arial"/>
+                <a:rtl val="0"/>
+              </a:defRPr>
+            </a:lvl3pPr>
+            <a:lvl4pPr marR="0" algn="l" rtl="0">
+              <a:lnSpc>
+                <a:spcPct val="100000"/>
+              </a:lnSpc>
+              <a:spcBef>
+                <a:spcPts val="0"/>
+              </a:spcBef>
+              <a:spcAft>
+                <a:spcPts val="0"/>
+              </a:spcAft>
+              <a:buClr>
+                <a:schemeClr val="dk2"/>
+              </a:buClr>
+              <a:buSzPct val="100000"/>
+              <a:buNone/>
+              <a:defRPr sz="1800" b="0" i="0" u="none" strike="noStrike" cap="none" baseline="0">
+                <a:solidFill>
+                  <a:schemeClr val="dk2"/>
+                </a:solidFill>
+                <a:latin typeface="Arial"/>
+                <a:ea typeface="Arial"/>
+                <a:cs typeface="Arial"/>
+                <a:sym typeface="Arial"/>
+                <a:rtl val="0"/>
+              </a:defRPr>
+            </a:lvl4pPr>
+            <a:lvl5pPr marR="0" algn="l" rtl="0">
+              <a:lnSpc>
+                <a:spcPct val="100000"/>
+              </a:lnSpc>
+              <a:spcBef>
+                <a:spcPts val="0"/>
+              </a:spcBef>
+              <a:spcAft>
+                <a:spcPts val="0"/>
+              </a:spcAft>
+              <a:buClr>
+                <a:schemeClr val="dk2"/>
+              </a:buClr>
+              <a:buSzPct val="100000"/>
+              <a:buNone/>
+              <a:defRPr sz="1800" b="0" i="0" u="none" strike="noStrike" cap="none" baseline="0">
+                <a:solidFill>
+                  <a:schemeClr val="dk2"/>
+                </a:solidFill>
+                <a:latin typeface="Arial"/>
+                <a:ea typeface="Arial"/>
+                <a:cs typeface="Arial"/>
+                <a:sym typeface="Arial"/>
+                <a:rtl val="0"/>
+              </a:defRPr>
+            </a:lvl5pPr>
+            <a:lvl6pPr marR="0" algn="l" rtl="0">
+              <a:lnSpc>
+                <a:spcPct val="100000"/>
+              </a:lnSpc>
+              <a:spcBef>
+                <a:spcPts val="0"/>
+              </a:spcBef>
+              <a:spcAft>
+                <a:spcPts val="0"/>
+              </a:spcAft>
+              <a:buClr>
+                <a:schemeClr val="dk2"/>
+              </a:buClr>
+              <a:buSzPct val="100000"/>
+              <a:buNone/>
+              <a:defRPr sz="1800" b="0" i="0" u="none" strike="noStrike" cap="none" baseline="0">
+                <a:solidFill>
+                  <a:schemeClr val="dk2"/>
+                </a:solidFill>
+                <a:latin typeface="Arial"/>
+                <a:ea typeface="Arial"/>
+                <a:cs typeface="Arial"/>
+                <a:sym typeface="Arial"/>
+                <a:rtl val="0"/>
+              </a:defRPr>
+            </a:lvl6pPr>
+            <a:lvl7pPr marR="0" algn="l" rtl="0">
+              <a:lnSpc>
+                <a:spcPct val="100000"/>
+              </a:lnSpc>
+              <a:spcBef>
+                <a:spcPts val="0"/>
+              </a:spcBef>
+              <a:spcAft>
+                <a:spcPts val="0"/>
+              </a:spcAft>
+              <a:buClr>
+                <a:schemeClr val="dk2"/>
+              </a:buClr>
+              <a:buSzPct val="100000"/>
+              <a:buNone/>
+              <a:defRPr sz="1800" b="0" i="0" u="none" strike="noStrike" cap="none" baseline="0">
+                <a:solidFill>
+                  <a:schemeClr val="dk2"/>
+                </a:solidFill>
+                <a:latin typeface="Arial"/>
+                <a:ea typeface="Arial"/>
+                <a:cs typeface="Arial"/>
+                <a:sym typeface="Arial"/>
+                <a:rtl val="0"/>
+              </a:defRPr>
+            </a:lvl7pPr>
+            <a:lvl8pPr marR="0" algn="l" rtl="0">
+              <a:lnSpc>
+                <a:spcPct val="100000"/>
+              </a:lnSpc>
+              <a:spcBef>
+                <a:spcPts val="0"/>
+              </a:spcBef>
+              <a:spcAft>
+                <a:spcPts val="0"/>
+              </a:spcAft>
+              <a:buClr>
+                <a:schemeClr val="dk2"/>
+              </a:buClr>
+              <a:buSzPct val="100000"/>
+              <a:buNone/>
+              <a:defRPr sz="1800" b="0" i="0" u="none" strike="noStrike" cap="none" baseline="0">
+                <a:solidFill>
+                  <a:schemeClr val="dk2"/>
+                </a:solidFill>
+                <a:latin typeface="Arial"/>
+                <a:ea typeface="Arial"/>
+                <a:cs typeface="Arial"/>
+                <a:sym typeface="Arial"/>
+                <a:rtl val="0"/>
+              </a:defRPr>
+            </a:lvl8pPr>
+            <a:lvl9pPr marR="0" algn="l" rtl="0">
+              <a:lnSpc>
+                <a:spcPct val="100000"/>
+              </a:lnSpc>
+              <a:spcBef>
+                <a:spcPts val="0"/>
+              </a:spcBef>
+              <a:spcAft>
+                <a:spcPts val="0"/>
+              </a:spcAft>
+              <a:buClr>
+                <a:schemeClr val="dk2"/>
+              </a:buClr>
+              <a:buSzPct val="100000"/>
+              <a:buNone/>
+              <a:defRPr sz="1800" b="0" i="0" u="none" strike="noStrike" cap="none" baseline="0">
+                <a:solidFill>
+                  <a:schemeClr val="dk2"/>
+                </a:solidFill>
+                <a:latin typeface="Arial"/>
+                <a:ea typeface="Arial"/>
+                <a:cs typeface="Arial"/>
+                <a:sym typeface="Arial"/>
+                <a:rtl val="0"/>
+              </a:defRPr>
+            </a:lvl9pPr>
+          </a:lstStyle>
+          <a:p>
+            <a:pPr algn="ctr"/>
+            <a:r>
+              <a:rPr lang="en" sz="2800" dirty="0" smtClean="0"/>
+              <a:t>Model</a:t>
+            </a:r>
+            <a:endParaRPr lang="en" dirty="0"/>
+          </a:p>
+        </p:txBody>
+      </p:sp>
+      <p:sp>
+        <p:nvSpPr>
+          <p:cNvPr id="5" name="Shape 70"/>
+          <p:cNvSpPr txBox="1">
+            <a:spLocks/>
+          </p:cNvSpPr>
+          <p:nvPr/>
+        </p:nvSpPr>
+        <p:spPr>
+          <a:xfrm>
+            <a:off x="1037710" y="2730984"/>
+            <a:ext cx="2607828" cy="907630"/>
+          </a:xfrm>
+          <a:prstGeom prst="rect">
+            <a:avLst/>
+          </a:prstGeom>
+          <a:solidFill>
+            <a:schemeClr val="bg1">
+              <a:lumMod val="85000"/>
+            </a:schemeClr>
+          </a:solidFill>
+          <a:ln w="19050">
+            <a:solidFill>
+              <a:schemeClr val="tx1">
+                <a:lumMod val="95000"/>
+                <a:lumOff val="5000"/>
+              </a:schemeClr>
+            </a:solidFill>
+          </a:ln>
+        </p:spPr>
+        <p:txBody>
+          <a:bodyPr lIns="91425" tIns="91425" rIns="91425" bIns="91425" anchor="ctr" anchorCtr="0">
+            <a:noAutofit/>
+          </a:bodyPr>
+          <a:lstStyle>
+            <a:defPPr marR="0" algn="l" rtl="0">
+              <a:lnSpc>
+                <a:spcPct val="100000"/>
+              </a:lnSpc>
+              <a:spcBef>
+                <a:spcPts val="0"/>
+              </a:spcBef>
+              <a:spcAft>
+                <a:spcPts val="0"/>
+              </a:spcAft>
+            </a:defPPr>
+            <a:lvl1pPr marR="0" algn="l" rtl="0">
+              <a:lnSpc>
+                <a:spcPct val="100000"/>
+              </a:lnSpc>
+              <a:spcBef>
+                <a:spcPts val="0"/>
+              </a:spcBef>
+              <a:spcAft>
+                <a:spcPts val="0"/>
+              </a:spcAft>
+              <a:buNone/>
+              <a:defRPr sz="1400" b="0" i="0" u="none" strike="noStrike" cap="none" baseline="0">
+                <a:solidFill>
+                  <a:srgbClr val="000000"/>
+                </a:solidFill>
+                <a:latin typeface="Arial"/>
+                <a:ea typeface="Arial"/>
+                <a:cs typeface="Arial"/>
+                <a:sym typeface="Arial"/>
+                <a:rtl val="0"/>
+              </a:defRPr>
+            </a:lvl1pPr>
+            <a:lvl2pPr marR="0" algn="l" rtl="0">
+              <a:lnSpc>
+                <a:spcPct val="100000"/>
+              </a:lnSpc>
+              <a:spcBef>
+                <a:spcPts val="0"/>
+              </a:spcBef>
+              <a:spcAft>
+                <a:spcPts val="0"/>
+              </a:spcAft>
+              <a:buNone/>
+              <a:defRPr sz="1400" b="0" i="0" u="none" strike="noStrike" cap="none" baseline="0">
+                <a:solidFill>
+                  <a:srgbClr val="000000"/>
+                </a:solidFill>
+                <a:latin typeface="Arial"/>
+                <a:ea typeface="Arial"/>
+                <a:cs typeface="Arial"/>
+                <a:sym typeface="Arial"/>
+                <a:rtl val="0"/>
+              </a:defRPr>
+            </a:lvl2pPr>
+            <a:lvl3pPr marR="0" algn="l" rtl="0">
+              <a:lnSpc>
+                <a:spcPct val="100000"/>
+              </a:lnSpc>
+              <a:spcBef>
+                <a:spcPts val="0"/>
+              </a:spcBef>
+              <a:spcAft>
+                <a:spcPts val="0"/>
+              </a:spcAft>
+              <a:buNone/>
+              <a:defRPr sz="1400" b="0" i="0" u="none" strike="noStrike" cap="none" baseline="0">
+                <a:solidFill>
+                  <a:srgbClr val="000000"/>
+                </a:solidFill>
+                <a:latin typeface="Arial"/>
+                <a:ea typeface="Arial"/>
+                <a:cs typeface="Arial"/>
+                <a:sym typeface="Arial"/>
+                <a:rtl val="0"/>
+              </a:defRPr>
+            </a:lvl3pPr>
+            <a:lvl4pPr marR="0" algn="l" rtl="0">
+              <a:lnSpc>
+                <a:spcPct val="100000"/>
+              </a:lnSpc>
+              <a:spcBef>
+                <a:spcPts val="0"/>
+              </a:spcBef>
+              <a:spcAft>
+                <a:spcPts val="0"/>
+              </a:spcAft>
+              <a:buNone/>
+              <a:defRPr sz="1400" b="0" i="0" u="none" strike="noStrike" cap="none" baseline="0">
+                <a:solidFill>
+                  <a:srgbClr val="000000"/>
+                </a:solidFill>
+                <a:latin typeface="Arial"/>
+                <a:ea typeface="Arial"/>
+                <a:cs typeface="Arial"/>
+                <a:sym typeface="Arial"/>
+                <a:rtl val="0"/>
+              </a:defRPr>
+            </a:lvl4pPr>
+            <a:lvl5pPr marR="0" algn="l" rtl="0">
+              <a:lnSpc>
+                <a:spcPct val="100000"/>
+              </a:lnSpc>
+              <a:spcBef>
+                <a:spcPts val="0"/>
+              </a:spcBef>
+              <a:spcAft>
+                <a:spcPts val="0"/>
+              </a:spcAft>
+              <a:buNone/>
+              <a:defRPr sz="1400" b="0" i="0" u="none" strike="noStrike" cap="none" baseline="0">
+                <a:solidFill>
+                  <a:srgbClr val="000000"/>
+                </a:solidFill>
+                <a:latin typeface="Arial"/>
+                <a:ea typeface="Arial"/>
+                <a:cs typeface="Arial"/>
+                <a:sym typeface="Arial"/>
+                <a:rtl val="0"/>
+              </a:defRPr>
+            </a:lvl5pPr>
+            <a:lvl6pPr marR="0" algn="l" rtl="0">
+              <a:lnSpc>
+                <a:spcPct val="100000"/>
+              </a:lnSpc>
+              <a:spcBef>
+                <a:spcPts val="0"/>
+              </a:spcBef>
+              <a:spcAft>
+                <a:spcPts val="0"/>
+              </a:spcAft>
+              <a:buNone/>
+              <a:defRPr sz="1400" b="0" i="0" u="none" strike="noStrike" cap="none" baseline="0">
+                <a:solidFill>
+                  <a:srgbClr val="000000"/>
+                </a:solidFill>
+                <a:latin typeface="Arial"/>
+                <a:ea typeface="Arial"/>
+                <a:cs typeface="Arial"/>
+                <a:sym typeface="Arial"/>
+                <a:rtl val="0"/>
+              </a:defRPr>
+            </a:lvl6pPr>
+            <a:lvl7pPr marR="0" algn="l" rtl="0">
+              <a:lnSpc>
+                <a:spcPct val="100000"/>
+              </a:lnSpc>
+              <a:spcBef>
+                <a:spcPts val="0"/>
+              </a:spcBef>
+              <a:spcAft>
+                <a:spcPts val="0"/>
+              </a:spcAft>
+              <a:buNone/>
+              <a:defRPr sz="1400" b="0" i="0" u="none" strike="noStrike" cap="none" baseline="0">
+                <a:solidFill>
+                  <a:srgbClr val="000000"/>
+                </a:solidFill>
+                <a:latin typeface="Arial"/>
+                <a:ea typeface="Arial"/>
+                <a:cs typeface="Arial"/>
+                <a:sym typeface="Arial"/>
+                <a:rtl val="0"/>
+              </a:defRPr>
+            </a:lvl7pPr>
+            <a:lvl8pPr marR="0" algn="l" rtl="0">
+              <a:lnSpc>
+                <a:spcPct val="100000"/>
+              </a:lnSpc>
+              <a:spcBef>
+                <a:spcPts val="0"/>
+              </a:spcBef>
+              <a:spcAft>
+                <a:spcPts val="0"/>
+              </a:spcAft>
+              <a:buNone/>
+              <a:defRPr sz="1400" b="0" i="0" u="none" strike="noStrike" cap="none" baseline="0">
+                <a:solidFill>
+                  <a:srgbClr val="000000"/>
+                </a:solidFill>
+                <a:latin typeface="Arial"/>
+                <a:ea typeface="Arial"/>
+                <a:cs typeface="Arial"/>
+                <a:sym typeface="Arial"/>
+                <a:rtl val="0"/>
+              </a:defRPr>
+            </a:lvl8pPr>
+            <a:lvl9pPr marR="0" algn="l" rtl="0">
+              <a:lnSpc>
+                <a:spcPct val="100000"/>
+              </a:lnSpc>
+              <a:spcBef>
+                <a:spcPts val="0"/>
+              </a:spcBef>
+              <a:spcAft>
+                <a:spcPts val="0"/>
+              </a:spcAft>
+              <a:buNone/>
+              <a:defRPr sz="1400" b="0" i="0" u="none" strike="noStrike" cap="none" baseline="0">
+                <a:solidFill>
+                  <a:srgbClr val="000000"/>
+                </a:solidFill>
+                <a:latin typeface="Arial"/>
+                <a:ea typeface="Arial"/>
+                <a:cs typeface="Arial"/>
+                <a:sym typeface="Arial"/>
+                <a:rtl val="0"/>
+              </a:defRPr>
+            </a:lvl9pPr>
+          </a:lstStyle>
+          <a:p>
+            <a:pPr algn="ctr"/>
+            <a:r>
+              <a:rPr lang="en" sz="2800" dirty="0" smtClean="0"/>
+              <a:t>View</a:t>
+            </a:r>
+            <a:endParaRPr lang="en" sz="3000" dirty="0"/>
+          </a:p>
+        </p:txBody>
+      </p:sp>
+      <p:sp>
+        <p:nvSpPr>
+          <p:cNvPr id="6" name="Shape 71"/>
+          <p:cNvSpPr txBox="1">
+            <a:spLocks/>
+          </p:cNvSpPr>
+          <p:nvPr/>
+        </p:nvSpPr>
+        <p:spPr>
+          <a:xfrm>
+            <a:off x="1037710" y="3756910"/>
+            <a:ext cx="2607828" cy="907630"/>
+          </a:xfrm>
+          <a:prstGeom prst="rect">
+            <a:avLst/>
+          </a:prstGeom>
+          <a:solidFill>
+            <a:schemeClr val="bg1">
+              <a:lumMod val="85000"/>
+            </a:schemeClr>
+          </a:solidFill>
+          <a:ln w="19050">
+            <a:solidFill>
+              <a:schemeClr val="tx1">
+                <a:lumMod val="95000"/>
+                <a:lumOff val="5000"/>
+              </a:schemeClr>
+            </a:solidFill>
+          </a:ln>
+        </p:spPr>
+        <p:txBody>
+          <a:bodyPr lIns="91425" tIns="91425" rIns="91425" bIns="91425" anchor="ctr" anchorCtr="0">
+            <a:noAutofit/>
+          </a:bodyPr>
+          <a:lstStyle>
+            <a:defPPr marR="0" algn="l" rtl="0">
+              <a:lnSpc>
+                <a:spcPct val="100000"/>
+              </a:lnSpc>
+              <a:spcBef>
+                <a:spcPts val="0"/>
+              </a:spcBef>
+              <a:spcAft>
+                <a:spcPts val="0"/>
+              </a:spcAft>
+            </a:defPPr>
+            <a:lvl1pPr marR="0" algn="l" rtl="0">
+              <a:lnSpc>
+                <a:spcPct val="100000"/>
+              </a:lnSpc>
+              <a:spcBef>
+                <a:spcPts val="0"/>
+              </a:spcBef>
+              <a:spcAft>
+                <a:spcPts val="0"/>
+              </a:spcAft>
+              <a:buNone/>
+              <a:defRPr sz="1400" b="0" i="0" u="none" strike="noStrike" cap="none" baseline="0">
+                <a:solidFill>
+                  <a:srgbClr val="000000"/>
+                </a:solidFill>
+                <a:latin typeface="Arial"/>
+                <a:ea typeface="Arial"/>
+                <a:cs typeface="Arial"/>
+                <a:sym typeface="Arial"/>
+                <a:rtl val="0"/>
+              </a:defRPr>
+            </a:lvl1pPr>
+            <a:lvl2pPr marR="0" algn="l" rtl="0">
+              <a:lnSpc>
+                <a:spcPct val="100000"/>
+              </a:lnSpc>
+              <a:spcBef>
+                <a:spcPts val="0"/>
+              </a:spcBef>
+              <a:spcAft>
+                <a:spcPts val="0"/>
+              </a:spcAft>
+              <a:buNone/>
+              <a:defRPr sz="1400" b="0" i="0" u="none" strike="noStrike" cap="none" baseline="0">
+                <a:solidFill>
+                  <a:srgbClr val="000000"/>
+                </a:solidFill>
+                <a:latin typeface="Arial"/>
+                <a:ea typeface="Arial"/>
+                <a:cs typeface="Arial"/>
+                <a:sym typeface="Arial"/>
+                <a:rtl val="0"/>
+              </a:defRPr>
+            </a:lvl2pPr>
+            <a:lvl3pPr marR="0" algn="l" rtl="0">
+              <a:lnSpc>
+                <a:spcPct val="100000"/>
+              </a:lnSpc>
+              <a:spcBef>
+                <a:spcPts val="0"/>
+              </a:spcBef>
+              <a:spcAft>
+                <a:spcPts val="0"/>
+              </a:spcAft>
+              <a:buNone/>
+              <a:defRPr sz="1400" b="0" i="0" u="none" strike="noStrike" cap="none" baseline="0">
+                <a:solidFill>
+                  <a:srgbClr val="000000"/>
+                </a:solidFill>
+                <a:latin typeface="Arial"/>
+                <a:ea typeface="Arial"/>
+                <a:cs typeface="Arial"/>
+                <a:sym typeface="Arial"/>
+                <a:rtl val="0"/>
+              </a:defRPr>
+            </a:lvl3pPr>
+            <a:lvl4pPr marR="0" algn="l" rtl="0">
+              <a:lnSpc>
+                <a:spcPct val="100000"/>
+              </a:lnSpc>
+              <a:spcBef>
+                <a:spcPts val="0"/>
+              </a:spcBef>
+              <a:spcAft>
+                <a:spcPts val="0"/>
+              </a:spcAft>
+              <a:buNone/>
+              <a:defRPr sz="1400" b="0" i="0" u="none" strike="noStrike" cap="none" baseline="0">
+                <a:solidFill>
+                  <a:srgbClr val="000000"/>
+                </a:solidFill>
+                <a:latin typeface="Arial"/>
+                <a:ea typeface="Arial"/>
+                <a:cs typeface="Arial"/>
+                <a:sym typeface="Arial"/>
+                <a:rtl val="0"/>
+              </a:defRPr>
+            </a:lvl4pPr>
+            <a:lvl5pPr marR="0" algn="l" rtl="0">
+              <a:lnSpc>
+                <a:spcPct val="100000"/>
+              </a:lnSpc>
+              <a:spcBef>
+                <a:spcPts val="0"/>
+              </a:spcBef>
+              <a:spcAft>
+                <a:spcPts val="0"/>
+              </a:spcAft>
+              <a:buNone/>
+              <a:defRPr sz="1400" b="0" i="0" u="none" strike="noStrike" cap="none" baseline="0">
+                <a:solidFill>
+                  <a:srgbClr val="000000"/>
+                </a:solidFill>
+                <a:latin typeface="Arial"/>
+                <a:ea typeface="Arial"/>
+                <a:cs typeface="Arial"/>
+                <a:sym typeface="Arial"/>
+                <a:rtl val="0"/>
+              </a:defRPr>
+            </a:lvl5pPr>
+            <a:lvl6pPr marR="0" algn="l" rtl="0">
+              <a:lnSpc>
+                <a:spcPct val="100000"/>
+              </a:lnSpc>
+              <a:spcBef>
+                <a:spcPts val="0"/>
+              </a:spcBef>
+              <a:spcAft>
+                <a:spcPts val="0"/>
+              </a:spcAft>
+              <a:buNone/>
+              <a:defRPr sz="1400" b="0" i="0" u="none" strike="noStrike" cap="none" baseline="0">
+                <a:solidFill>
+                  <a:srgbClr val="000000"/>
+                </a:solidFill>
+                <a:latin typeface="Arial"/>
+                <a:ea typeface="Arial"/>
+                <a:cs typeface="Arial"/>
+                <a:sym typeface="Arial"/>
+                <a:rtl val="0"/>
+              </a:defRPr>
+            </a:lvl6pPr>
+            <a:lvl7pPr marR="0" algn="l" rtl="0">
+              <a:lnSpc>
+                <a:spcPct val="100000"/>
+              </a:lnSpc>
+              <a:spcBef>
+                <a:spcPts val="0"/>
+              </a:spcBef>
+              <a:spcAft>
+                <a:spcPts val="0"/>
+              </a:spcAft>
+              <a:buNone/>
+              <a:defRPr sz="1400" b="0" i="0" u="none" strike="noStrike" cap="none" baseline="0">
+                <a:solidFill>
+                  <a:srgbClr val="000000"/>
+                </a:solidFill>
+                <a:latin typeface="Arial"/>
+                <a:ea typeface="Arial"/>
+                <a:cs typeface="Arial"/>
+                <a:sym typeface="Arial"/>
+                <a:rtl val="0"/>
+              </a:defRPr>
+            </a:lvl7pPr>
+            <a:lvl8pPr marR="0" algn="l" rtl="0">
+              <a:lnSpc>
+                <a:spcPct val="100000"/>
+              </a:lnSpc>
+              <a:spcBef>
+                <a:spcPts val="0"/>
+              </a:spcBef>
+              <a:spcAft>
+                <a:spcPts val="0"/>
+              </a:spcAft>
+              <a:buNone/>
+              <a:defRPr sz="1400" b="0" i="0" u="none" strike="noStrike" cap="none" baseline="0">
+                <a:solidFill>
+                  <a:srgbClr val="000000"/>
+                </a:solidFill>
+                <a:latin typeface="Arial"/>
+                <a:ea typeface="Arial"/>
+                <a:cs typeface="Arial"/>
+                <a:sym typeface="Arial"/>
+                <a:rtl val="0"/>
+              </a:defRPr>
+            </a:lvl8pPr>
+            <a:lvl9pPr marR="0" algn="l" rtl="0">
+              <a:lnSpc>
+                <a:spcPct val="100000"/>
+              </a:lnSpc>
+              <a:spcBef>
+                <a:spcPts val="0"/>
+              </a:spcBef>
+              <a:spcAft>
+                <a:spcPts val="0"/>
+              </a:spcAft>
+              <a:buNone/>
+              <a:defRPr sz="1400" b="0" i="0" u="none" strike="noStrike" cap="none" baseline="0">
+                <a:solidFill>
+                  <a:srgbClr val="000000"/>
+                </a:solidFill>
+                <a:latin typeface="Arial"/>
+                <a:ea typeface="Arial"/>
+                <a:cs typeface="Arial"/>
+                <a:sym typeface="Arial"/>
+                <a:rtl val="0"/>
+              </a:defRPr>
+            </a:lvl9pPr>
+          </a:lstStyle>
+          <a:p>
+            <a:pPr algn="ctr"/>
+            <a:r>
+              <a:rPr lang="en" sz="2800" dirty="0" smtClean="0"/>
+              <a:t>Controller</a:t>
+            </a:r>
+            <a:endParaRPr lang="en" sz="3000" dirty="0"/>
+          </a:p>
+        </p:txBody>
+      </p:sp>
+      <p:sp>
+        <p:nvSpPr>
+          <p:cNvPr id="7" name="Shape 72"/>
+          <p:cNvSpPr txBox="1">
+            <a:spLocks/>
+          </p:cNvSpPr>
+          <p:nvPr/>
+        </p:nvSpPr>
+        <p:spPr>
+          <a:xfrm>
+            <a:off x="5451449" y="1699627"/>
+            <a:ext cx="2680180" cy="907630"/>
+          </a:xfrm>
+          <a:prstGeom prst="rect">
+            <a:avLst/>
+          </a:prstGeom>
+          <a:solidFill>
+            <a:schemeClr val="bg1">
+              <a:lumMod val="85000"/>
+            </a:schemeClr>
+          </a:solidFill>
+          <a:ln w="19050">
+            <a:solidFill>
+              <a:schemeClr val="tx1">
+                <a:lumMod val="95000"/>
+                <a:lumOff val="5000"/>
+              </a:schemeClr>
+            </a:solidFill>
+          </a:ln>
+        </p:spPr>
+        <p:txBody>
+          <a:bodyPr lIns="91425" tIns="91425" rIns="91425" bIns="91425" anchor="ctr" anchorCtr="0">
+            <a:noAutofit/>
+          </a:bodyPr>
+          <a:lstStyle>
+            <a:defPPr marR="0" algn="l" rtl="0">
+              <a:lnSpc>
+                <a:spcPct val="100000"/>
+              </a:lnSpc>
+              <a:spcBef>
+                <a:spcPts val="0"/>
+              </a:spcBef>
+              <a:spcAft>
+                <a:spcPts val="0"/>
+              </a:spcAft>
+            </a:defPPr>
+            <a:lvl1pPr marR="0" algn="l" rtl="0">
+              <a:lnSpc>
+                <a:spcPct val="100000"/>
+              </a:lnSpc>
+              <a:spcBef>
+                <a:spcPts val="0"/>
+              </a:spcBef>
+              <a:spcAft>
+                <a:spcPts val="0"/>
+              </a:spcAft>
+              <a:buNone/>
+              <a:defRPr sz="1400" b="0" i="0" u="none" strike="noStrike" cap="none" baseline="0">
+                <a:solidFill>
+                  <a:srgbClr val="000000"/>
+                </a:solidFill>
+                <a:latin typeface="Arial"/>
+                <a:ea typeface="Arial"/>
+                <a:cs typeface="Arial"/>
+                <a:sym typeface="Arial"/>
+                <a:rtl val="0"/>
+              </a:defRPr>
+            </a:lvl1pPr>
+            <a:lvl2pPr marR="0" algn="l" rtl="0">
+              <a:lnSpc>
+                <a:spcPct val="100000"/>
+              </a:lnSpc>
+              <a:spcBef>
+                <a:spcPts val="0"/>
+              </a:spcBef>
+              <a:spcAft>
+                <a:spcPts val="0"/>
+              </a:spcAft>
+              <a:buNone/>
+              <a:defRPr sz="1400" b="0" i="0" u="none" strike="noStrike" cap="none" baseline="0">
+                <a:solidFill>
+                  <a:srgbClr val="000000"/>
+                </a:solidFill>
+                <a:latin typeface="Arial"/>
+                <a:ea typeface="Arial"/>
+                <a:cs typeface="Arial"/>
+                <a:sym typeface="Arial"/>
+                <a:rtl val="0"/>
+              </a:defRPr>
+            </a:lvl2pPr>
+            <a:lvl3pPr marR="0" algn="l" rtl="0">
+              <a:lnSpc>
+                <a:spcPct val="100000"/>
+              </a:lnSpc>
+              <a:spcBef>
+                <a:spcPts val="0"/>
+              </a:spcBef>
+              <a:spcAft>
+                <a:spcPts val="0"/>
+              </a:spcAft>
+              <a:buNone/>
+              <a:defRPr sz="1400" b="0" i="0" u="none" strike="noStrike" cap="none" baseline="0">
+                <a:solidFill>
+                  <a:srgbClr val="000000"/>
+                </a:solidFill>
+                <a:latin typeface="Arial"/>
+                <a:ea typeface="Arial"/>
+                <a:cs typeface="Arial"/>
+                <a:sym typeface="Arial"/>
+                <a:rtl val="0"/>
+              </a:defRPr>
+            </a:lvl3pPr>
+            <a:lvl4pPr marR="0" algn="l" rtl="0">
+              <a:lnSpc>
+                <a:spcPct val="100000"/>
+              </a:lnSpc>
+              <a:spcBef>
+                <a:spcPts val="0"/>
+              </a:spcBef>
+              <a:spcAft>
+                <a:spcPts val="0"/>
+              </a:spcAft>
+              <a:buNone/>
+              <a:defRPr sz="1400" b="0" i="0" u="none" strike="noStrike" cap="none" baseline="0">
+                <a:solidFill>
+                  <a:srgbClr val="000000"/>
+                </a:solidFill>
+                <a:latin typeface="Arial"/>
+                <a:ea typeface="Arial"/>
+                <a:cs typeface="Arial"/>
+                <a:sym typeface="Arial"/>
+                <a:rtl val="0"/>
+              </a:defRPr>
+            </a:lvl4pPr>
+            <a:lvl5pPr marR="0" algn="l" rtl="0">
+              <a:lnSpc>
+                <a:spcPct val="100000"/>
+              </a:lnSpc>
+              <a:spcBef>
+                <a:spcPts val="0"/>
+              </a:spcBef>
+              <a:spcAft>
+                <a:spcPts val="0"/>
+              </a:spcAft>
+              <a:buNone/>
+              <a:defRPr sz="1400" b="0" i="0" u="none" strike="noStrike" cap="none" baseline="0">
+                <a:solidFill>
+                  <a:srgbClr val="000000"/>
+                </a:solidFill>
+                <a:latin typeface="Arial"/>
+                <a:ea typeface="Arial"/>
+                <a:cs typeface="Arial"/>
+                <a:sym typeface="Arial"/>
+                <a:rtl val="0"/>
+              </a:defRPr>
+            </a:lvl5pPr>
+            <a:lvl6pPr marR="0" algn="l" rtl="0">
+              <a:lnSpc>
+                <a:spcPct val="100000"/>
+              </a:lnSpc>
+              <a:spcBef>
+                <a:spcPts val="0"/>
+              </a:spcBef>
+              <a:spcAft>
+                <a:spcPts val="0"/>
+              </a:spcAft>
+              <a:buNone/>
+              <a:defRPr sz="1400" b="0" i="0" u="none" strike="noStrike" cap="none" baseline="0">
+                <a:solidFill>
+                  <a:srgbClr val="000000"/>
+                </a:solidFill>
+                <a:latin typeface="Arial"/>
+                <a:ea typeface="Arial"/>
+                <a:cs typeface="Arial"/>
+                <a:sym typeface="Arial"/>
+                <a:rtl val="0"/>
+              </a:defRPr>
+            </a:lvl6pPr>
+            <a:lvl7pPr marR="0" algn="l" rtl="0">
+              <a:lnSpc>
+                <a:spcPct val="100000"/>
+              </a:lnSpc>
+              <a:spcBef>
+                <a:spcPts val="0"/>
+              </a:spcBef>
+              <a:spcAft>
+                <a:spcPts val="0"/>
+              </a:spcAft>
+              <a:buNone/>
+              <a:defRPr sz="1400" b="0" i="0" u="none" strike="noStrike" cap="none" baseline="0">
+                <a:solidFill>
+                  <a:srgbClr val="000000"/>
+                </a:solidFill>
+                <a:latin typeface="Arial"/>
+                <a:ea typeface="Arial"/>
+                <a:cs typeface="Arial"/>
+                <a:sym typeface="Arial"/>
+                <a:rtl val="0"/>
+              </a:defRPr>
+            </a:lvl7pPr>
+            <a:lvl8pPr marR="0" algn="l" rtl="0">
+              <a:lnSpc>
+                <a:spcPct val="100000"/>
+              </a:lnSpc>
+              <a:spcBef>
+                <a:spcPts val="0"/>
+              </a:spcBef>
+              <a:spcAft>
+                <a:spcPts val="0"/>
+              </a:spcAft>
+              <a:buNone/>
+              <a:defRPr sz="1400" b="0" i="0" u="none" strike="noStrike" cap="none" baseline="0">
+                <a:solidFill>
+                  <a:srgbClr val="000000"/>
+                </a:solidFill>
+                <a:latin typeface="Arial"/>
+                <a:ea typeface="Arial"/>
+                <a:cs typeface="Arial"/>
+                <a:sym typeface="Arial"/>
+                <a:rtl val="0"/>
+              </a:defRPr>
+            </a:lvl8pPr>
+            <a:lvl9pPr marR="0" algn="l" rtl="0">
+              <a:lnSpc>
+                <a:spcPct val="100000"/>
+              </a:lnSpc>
+              <a:spcBef>
+                <a:spcPts val="0"/>
+              </a:spcBef>
+              <a:spcAft>
+                <a:spcPts val="0"/>
+              </a:spcAft>
+              <a:buNone/>
+              <a:defRPr sz="1400" b="0" i="0" u="none" strike="noStrike" cap="none" baseline="0">
+                <a:solidFill>
+                  <a:srgbClr val="000000"/>
+                </a:solidFill>
+                <a:latin typeface="Arial"/>
+                <a:ea typeface="Arial"/>
+                <a:cs typeface="Arial"/>
+                <a:sym typeface="Arial"/>
+                <a:rtl val="0"/>
+              </a:defRPr>
+            </a:lvl9pPr>
+          </a:lstStyle>
+          <a:p>
+            <a:pPr algn="ctr"/>
+            <a:r>
+              <a:rPr lang="en" sz="1600" dirty="0" smtClean="0"/>
+              <a:t>JS</a:t>
+            </a:r>
+            <a:r>
+              <a:rPr lang="en" dirty="0" smtClean="0"/>
+              <a:t> </a:t>
+            </a:r>
+            <a:r>
+              <a:rPr lang="en" sz="1600" dirty="0" smtClean="0"/>
+              <a:t>Objects</a:t>
+            </a:r>
+            <a:endParaRPr lang="en" dirty="0"/>
+          </a:p>
+        </p:txBody>
+      </p:sp>
+      <p:sp>
+        <p:nvSpPr>
+          <p:cNvPr id="8" name="Shape 73"/>
+          <p:cNvSpPr txBox="1">
+            <a:spLocks/>
+          </p:cNvSpPr>
+          <p:nvPr/>
+        </p:nvSpPr>
+        <p:spPr>
+          <a:xfrm>
+            <a:off x="5451449" y="2730984"/>
+            <a:ext cx="2680180" cy="907630"/>
+          </a:xfrm>
+          <a:prstGeom prst="rect">
+            <a:avLst/>
+          </a:prstGeom>
+          <a:solidFill>
+            <a:schemeClr val="bg1">
+              <a:lumMod val="85000"/>
+            </a:schemeClr>
+          </a:solidFill>
+          <a:ln w="19050">
+            <a:solidFill>
+              <a:schemeClr val="tx1"/>
+            </a:solidFill>
+          </a:ln>
+        </p:spPr>
+        <p:txBody>
+          <a:bodyPr lIns="91425" tIns="91425" rIns="91425" bIns="91425" anchor="ctr" anchorCtr="0">
+            <a:noAutofit/>
+          </a:bodyPr>
+          <a:lstStyle>
+            <a:defPPr marR="0" algn="l" rtl="0">
+              <a:lnSpc>
+                <a:spcPct val="100000"/>
+              </a:lnSpc>
+              <a:spcBef>
+                <a:spcPts val="0"/>
+              </a:spcBef>
+              <a:spcAft>
+                <a:spcPts val="0"/>
+              </a:spcAft>
+            </a:defPPr>
+            <a:lvl1pPr marR="0" algn="l" rtl="0">
+              <a:lnSpc>
+                <a:spcPct val="100000"/>
+              </a:lnSpc>
+              <a:spcBef>
+                <a:spcPts val="0"/>
+              </a:spcBef>
+              <a:spcAft>
+                <a:spcPts val="0"/>
+              </a:spcAft>
+              <a:buNone/>
+              <a:defRPr sz="1400" b="0" i="0" u="none" strike="noStrike" cap="none" baseline="0">
+                <a:solidFill>
+                  <a:srgbClr val="000000"/>
+                </a:solidFill>
+                <a:latin typeface="Arial"/>
+                <a:ea typeface="Arial"/>
+                <a:cs typeface="Arial"/>
+                <a:sym typeface="Arial"/>
+                <a:rtl val="0"/>
+              </a:defRPr>
+            </a:lvl1pPr>
+            <a:lvl2pPr marR="0" algn="l" rtl="0">
+              <a:lnSpc>
+                <a:spcPct val="100000"/>
+              </a:lnSpc>
+              <a:spcBef>
+                <a:spcPts val="0"/>
+              </a:spcBef>
+              <a:spcAft>
+                <a:spcPts val="0"/>
+              </a:spcAft>
+              <a:buNone/>
+              <a:defRPr sz="1400" b="0" i="0" u="none" strike="noStrike" cap="none" baseline="0">
+                <a:solidFill>
+                  <a:srgbClr val="000000"/>
+                </a:solidFill>
+                <a:latin typeface="Arial"/>
+                <a:ea typeface="Arial"/>
+                <a:cs typeface="Arial"/>
+                <a:sym typeface="Arial"/>
+                <a:rtl val="0"/>
+              </a:defRPr>
+            </a:lvl2pPr>
+            <a:lvl3pPr marR="0" algn="l" rtl="0">
+              <a:lnSpc>
+                <a:spcPct val="100000"/>
+              </a:lnSpc>
+              <a:spcBef>
+                <a:spcPts val="0"/>
+              </a:spcBef>
+              <a:spcAft>
+                <a:spcPts val="0"/>
+              </a:spcAft>
+              <a:buNone/>
+              <a:defRPr sz="1400" b="0" i="0" u="none" strike="noStrike" cap="none" baseline="0">
+                <a:solidFill>
+                  <a:srgbClr val="000000"/>
+                </a:solidFill>
+                <a:latin typeface="Arial"/>
+                <a:ea typeface="Arial"/>
+                <a:cs typeface="Arial"/>
+                <a:sym typeface="Arial"/>
+                <a:rtl val="0"/>
+              </a:defRPr>
+            </a:lvl3pPr>
+            <a:lvl4pPr marR="0" algn="l" rtl="0">
+              <a:lnSpc>
+                <a:spcPct val="100000"/>
+              </a:lnSpc>
+              <a:spcBef>
+                <a:spcPts val="0"/>
+              </a:spcBef>
+              <a:spcAft>
+                <a:spcPts val="0"/>
+              </a:spcAft>
+              <a:buNone/>
+              <a:defRPr sz="1400" b="0" i="0" u="none" strike="noStrike" cap="none" baseline="0">
+                <a:solidFill>
+                  <a:srgbClr val="000000"/>
+                </a:solidFill>
+                <a:latin typeface="Arial"/>
+                <a:ea typeface="Arial"/>
+                <a:cs typeface="Arial"/>
+                <a:sym typeface="Arial"/>
+                <a:rtl val="0"/>
+              </a:defRPr>
+            </a:lvl4pPr>
+            <a:lvl5pPr marR="0" algn="l" rtl="0">
+              <a:lnSpc>
+                <a:spcPct val="100000"/>
+              </a:lnSpc>
+              <a:spcBef>
+                <a:spcPts val="0"/>
+              </a:spcBef>
+              <a:spcAft>
+                <a:spcPts val="0"/>
+              </a:spcAft>
+              <a:buNone/>
+              <a:defRPr sz="1400" b="0" i="0" u="none" strike="noStrike" cap="none" baseline="0">
+                <a:solidFill>
+                  <a:srgbClr val="000000"/>
+                </a:solidFill>
+                <a:latin typeface="Arial"/>
+                <a:ea typeface="Arial"/>
+                <a:cs typeface="Arial"/>
+                <a:sym typeface="Arial"/>
+                <a:rtl val="0"/>
+              </a:defRPr>
+            </a:lvl5pPr>
+            <a:lvl6pPr marR="0" algn="l" rtl="0">
+              <a:lnSpc>
+                <a:spcPct val="100000"/>
+              </a:lnSpc>
+              <a:spcBef>
+                <a:spcPts val="0"/>
+              </a:spcBef>
+              <a:spcAft>
+                <a:spcPts val="0"/>
+              </a:spcAft>
+              <a:buNone/>
+              <a:defRPr sz="1400" b="0" i="0" u="none" strike="noStrike" cap="none" baseline="0">
+                <a:solidFill>
+                  <a:srgbClr val="000000"/>
+                </a:solidFill>
+                <a:latin typeface="Arial"/>
+                <a:ea typeface="Arial"/>
+                <a:cs typeface="Arial"/>
+                <a:sym typeface="Arial"/>
+                <a:rtl val="0"/>
+              </a:defRPr>
+            </a:lvl6pPr>
+            <a:lvl7pPr marR="0" algn="l" rtl="0">
+              <a:lnSpc>
+                <a:spcPct val="100000"/>
+              </a:lnSpc>
+              <a:spcBef>
+                <a:spcPts val="0"/>
+              </a:spcBef>
+              <a:spcAft>
+                <a:spcPts val="0"/>
+              </a:spcAft>
+              <a:buNone/>
+              <a:defRPr sz="1400" b="0" i="0" u="none" strike="noStrike" cap="none" baseline="0">
+                <a:solidFill>
+                  <a:srgbClr val="000000"/>
+                </a:solidFill>
+                <a:latin typeface="Arial"/>
+                <a:ea typeface="Arial"/>
+                <a:cs typeface="Arial"/>
+                <a:sym typeface="Arial"/>
+                <a:rtl val="0"/>
+              </a:defRPr>
+            </a:lvl7pPr>
+            <a:lvl8pPr marR="0" algn="l" rtl="0">
+              <a:lnSpc>
+                <a:spcPct val="100000"/>
+              </a:lnSpc>
+              <a:spcBef>
+                <a:spcPts val="0"/>
+              </a:spcBef>
+              <a:spcAft>
+                <a:spcPts val="0"/>
+              </a:spcAft>
+              <a:buNone/>
+              <a:defRPr sz="1400" b="0" i="0" u="none" strike="noStrike" cap="none" baseline="0">
+                <a:solidFill>
+                  <a:srgbClr val="000000"/>
+                </a:solidFill>
+                <a:latin typeface="Arial"/>
+                <a:ea typeface="Arial"/>
+                <a:cs typeface="Arial"/>
+                <a:sym typeface="Arial"/>
+                <a:rtl val="0"/>
+              </a:defRPr>
+            </a:lvl8pPr>
+            <a:lvl9pPr marR="0" algn="l" rtl="0">
+              <a:lnSpc>
+                <a:spcPct val="100000"/>
+              </a:lnSpc>
+              <a:spcBef>
+                <a:spcPts val="0"/>
+              </a:spcBef>
+              <a:spcAft>
+                <a:spcPts val="0"/>
+              </a:spcAft>
+              <a:buNone/>
+              <a:defRPr sz="1400" b="0" i="0" u="none" strike="noStrike" cap="none" baseline="0">
+                <a:solidFill>
+                  <a:srgbClr val="000000"/>
+                </a:solidFill>
+                <a:latin typeface="Arial"/>
+                <a:ea typeface="Arial"/>
+                <a:cs typeface="Arial"/>
+                <a:sym typeface="Arial"/>
+                <a:rtl val="0"/>
+              </a:defRPr>
+            </a:lvl9pPr>
+          </a:lstStyle>
+          <a:p>
+            <a:pPr algn="ctr"/>
+            <a:r>
+              <a:rPr lang="en" sz="1600" dirty="0" smtClean="0"/>
+              <a:t>DOM</a:t>
+            </a:r>
+            <a:endParaRPr lang="en" dirty="0"/>
+          </a:p>
+        </p:txBody>
+      </p:sp>
+      <p:sp>
+        <p:nvSpPr>
+          <p:cNvPr id="9" name="Shape 74"/>
+          <p:cNvSpPr txBox="1">
+            <a:spLocks/>
+          </p:cNvSpPr>
+          <p:nvPr/>
+        </p:nvSpPr>
+        <p:spPr>
+          <a:xfrm>
+            <a:off x="5451449" y="3756910"/>
+            <a:ext cx="2680180" cy="907630"/>
+          </a:xfrm>
+          <a:prstGeom prst="rect">
+            <a:avLst/>
+          </a:prstGeom>
+          <a:solidFill>
+            <a:schemeClr val="bg1">
+              <a:lumMod val="85000"/>
+            </a:schemeClr>
+          </a:solidFill>
+          <a:ln w="19050">
+            <a:solidFill>
+              <a:schemeClr val="tx1"/>
+            </a:solidFill>
+          </a:ln>
+        </p:spPr>
+        <p:txBody>
+          <a:bodyPr lIns="91425" tIns="91425" rIns="91425" bIns="91425" anchor="ctr" anchorCtr="0">
+            <a:noAutofit/>
+          </a:bodyPr>
+          <a:lstStyle>
+            <a:defPPr marR="0" algn="l" rtl="0">
+              <a:lnSpc>
+                <a:spcPct val="100000"/>
+              </a:lnSpc>
+              <a:spcBef>
+                <a:spcPts val="0"/>
+              </a:spcBef>
+              <a:spcAft>
+                <a:spcPts val="0"/>
+              </a:spcAft>
+            </a:defPPr>
+            <a:lvl1pPr marR="0" algn="l" rtl="0">
+              <a:lnSpc>
+                <a:spcPct val="100000"/>
+              </a:lnSpc>
+              <a:spcBef>
+                <a:spcPts val="0"/>
+              </a:spcBef>
+              <a:spcAft>
+                <a:spcPts val="0"/>
+              </a:spcAft>
+              <a:buNone/>
+              <a:defRPr sz="1400" b="0" i="0" u="none" strike="noStrike" cap="none" baseline="0">
+                <a:solidFill>
+                  <a:srgbClr val="000000"/>
+                </a:solidFill>
+                <a:latin typeface="Arial"/>
+                <a:ea typeface="Arial"/>
+                <a:cs typeface="Arial"/>
+                <a:sym typeface="Arial"/>
+                <a:rtl val="0"/>
+              </a:defRPr>
+            </a:lvl1pPr>
+            <a:lvl2pPr marR="0" algn="l" rtl="0">
+              <a:lnSpc>
+                <a:spcPct val="100000"/>
+              </a:lnSpc>
+              <a:spcBef>
+                <a:spcPts val="0"/>
+              </a:spcBef>
+              <a:spcAft>
+                <a:spcPts val="0"/>
+              </a:spcAft>
+              <a:buNone/>
+              <a:defRPr sz="1400" b="0" i="0" u="none" strike="noStrike" cap="none" baseline="0">
+                <a:solidFill>
+                  <a:srgbClr val="000000"/>
+                </a:solidFill>
+                <a:latin typeface="Arial"/>
+                <a:ea typeface="Arial"/>
+                <a:cs typeface="Arial"/>
+                <a:sym typeface="Arial"/>
+                <a:rtl val="0"/>
+              </a:defRPr>
+            </a:lvl2pPr>
+            <a:lvl3pPr marR="0" algn="l" rtl="0">
+              <a:lnSpc>
+                <a:spcPct val="100000"/>
+              </a:lnSpc>
+              <a:spcBef>
+                <a:spcPts val="0"/>
+              </a:spcBef>
+              <a:spcAft>
+                <a:spcPts val="0"/>
+              </a:spcAft>
+              <a:buNone/>
+              <a:defRPr sz="1400" b="0" i="0" u="none" strike="noStrike" cap="none" baseline="0">
+                <a:solidFill>
+                  <a:srgbClr val="000000"/>
+                </a:solidFill>
+                <a:latin typeface="Arial"/>
+                <a:ea typeface="Arial"/>
+                <a:cs typeface="Arial"/>
+                <a:sym typeface="Arial"/>
+                <a:rtl val="0"/>
+              </a:defRPr>
+            </a:lvl3pPr>
+            <a:lvl4pPr marR="0" algn="l" rtl="0">
+              <a:lnSpc>
+                <a:spcPct val="100000"/>
+              </a:lnSpc>
+              <a:spcBef>
+                <a:spcPts val="0"/>
+              </a:spcBef>
+              <a:spcAft>
+                <a:spcPts val="0"/>
+              </a:spcAft>
+              <a:buNone/>
+              <a:defRPr sz="1400" b="0" i="0" u="none" strike="noStrike" cap="none" baseline="0">
+                <a:solidFill>
+                  <a:srgbClr val="000000"/>
+                </a:solidFill>
+                <a:latin typeface="Arial"/>
+                <a:ea typeface="Arial"/>
+                <a:cs typeface="Arial"/>
+                <a:sym typeface="Arial"/>
+                <a:rtl val="0"/>
+              </a:defRPr>
+            </a:lvl4pPr>
+            <a:lvl5pPr marR="0" algn="l" rtl="0">
+              <a:lnSpc>
+                <a:spcPct val="100000"/>
+              </a:lnSpc>
+              <a:spcBef>
+                <a:spcPts val="0"/>
+              </a:spcBef>
+              <a:spcAft>
+                <a:spcPts val="0"/>
+              </a:spcAft>
+              <a:buNone/>
+              <a:defRPr sz="1400" b="0" i="0" u="none" strike="noStrike" cap="none" baseline="0">
+                <a:solidFill>
+                  <a:srgbClr val="000000"/>
+                </a:solidFill>
+                <a:latin typeface="Arial"/>
+                <a:ea typeface="Arial"/>
+                <a:cs typeface="Arial"/>
+                <a:sym typeface="Arial"/>
+                <a:rtl val="0"/>
+              </a:defRPr>
+            </a:lvl5pPr>
+            <a:lvl6pPr marR="0" algn="l" rtl="0">
+              <a:lnSpc>
+                <a:spcPct val="100000"/>
+              </a:lnSpc>
+              <a:spcBef>
+                <a:spcPts val="0"/>
+              </a:spcBef>
+              <a:spcAft>
+                <a:spcPts val="0"/>
+              </a:spcAft>
+              <a:buNone/>
+              <a:defRPr sz="1400" b="0" i="0" u="none" strike="noStrike" cap="none" baseline="0">
+                <a:solidFill>
+                  <a:srgbClr val="000000"/>
+                </a:solidFill>
+                <a:latin typeface="Arial"/>
+                <a:ea typeface="Arial"/>
+                <a:cs typeface="Arial"/>
+                <a:sym typeface="Arial"/>
+                <a:rtl val="0"/>
+              </a:defRPr>
+            </a:lvl6pPr>
+            <a:lvl7pPr marR="0" algn="l" rtl="0">
+              <a:lnSpc>
+                <a:spcPct val="100000"/>
+              </a:lnSpc>
+              <a:spcBef>
+                <a:spcPts val="0"/>
+              </a:spcBef>
+              <a:spcAft>
+                <a:spcPts val="0"/>
+              </a:spcAft>
+              <a:buNone/>
+              <a:defRPr sz="1400" b="0" i="0" u="none" strike="noStrike" cap="none" baseline="0">
+                <a:solidFill>
+                  <a:srgbClr val="000000"/>
+                </a:solidFill>
+                <a:latin typeface="Arial"/>
+                <a:ea typeface="Arial"/>
+                <a:cs typeface="Arial"/>
+                <a:sym typeface="Arial"/>
+                <a:rtl val="0"/>
+              </a:defRPr>
+            </a:lvl7pPr>
+            <a:lvl8pPr marR="0" algn="l" rtl="0">
+              <a:lnSpc>
+                <a:spcPct val="100000"/>
+              </a:lnSpc>
+              <a:spcBef>
+                <a:spcPts val="0"/>
+              </a:spcBef>
+              <a:spcAft>
+                <a:spcPts val="0"/>
+              </a:spcAft>
+              <a:buNone/>
+              <a:defRPr sz="1400" b="0" i="0" u="none" strike="noStrike" cap="none" baseline="0">
+                <a:solidFill>
+                  <a:srgbClr val="000000"/>
+                </a:solidFill>
+                <a:latin typeface="Arial"/>
+                <a:ea typeface="Arial"/>
+                <a:cs typeface="Arial"/>
+                <a:sym typeface="Arial"/>
+                <a:rtl val="0"/>
+              </a:defRPr>
+            </a:lvl8pPr>
+            <a:lvl9pPr marR="0" algn="l" rtl="0">
+              <a:lnSpc>
+                <a:spcPct val="100000"/>
+              </a:lnSpc>
+              <a:spcBef>
+                <a:spcPts val="0"/>
+              </a:spcBef>
+              <a:spcAft>
+                <a:spcPts val="0"/>
+              </a:spcAft>
+              <a:buNone/>
+              <a:defRPr sz="1400" b="0" i="0" u="none" strike="noStrike" cap="none" baseline="0">
+                <a:solidFill>
+                  <a:srgbClr val="000000"/>
+                </a:solidFill>
+                <a:latin typeface="Arial"/>
+                <a:ea typeface="Arial"/>
+                <a:cs typeface="Arial"/>
+                <a:sym typeface="Arial"/>
+                <a:rtl val="0"/>
+              </a:defRPr>
+            </a:lvl9pPr>
+          </a:lstStyle>
+          <a:p>
+            <a:pPr algn="ctr"/>
+            <a:r>
+              <a:rPr lang="en" sz="1600" dirty="0" smtClean="0"/>
+              <a:t>JS</a:t>
+            </a:r>
+            <a:r>
+              <a:rPr lang="en" dirty="0" smtClean="0"/>
+              <a:t> </a:t>
+            </a:r>
+            <a:r>
+              <a:rPr lang="en" sz="1600" dirty="0" smtClean="0"/>
+              <a:t>Classes</a:t>
+            </a:r>
+            <a:endParaRPr lang="en" dirty="0"/>
+          </a:p>
+        </p:txBody>
+      </p:sp>
+      <p:cxnSp>
+        <p:nvCxnSpPr>
+          <p:cNvPr id="10" name="Shape 75"/>
+          <p:cNvCxnSpPr/>
+          <p:nvPr/>
+        </p:nvCxnSpPr>
+        <p:spPr>
+          <a:xfrm>
+            <a:off x="3437164" y="2153442"/>
+            <a:ext cx="2212522" cy="0"/>
+          </a:xfrm>
+          <a:prstGeom prst="straightConnector1">
+            <a:avLst/>
+          </a:prstGeom>
+          <a:noFill/>
+          <a:ln w="76200" cap="flat">
+            <a:solidFill>
+              <a:srgbClr val="6FA8DC"/>
+            </a:solidFill>
+            <a:prstDash val="solid"/>
+            <a:round/>
+            <a:headEnd type="none" w="lg" len="lg"/>
+            <a:tailEnd type="triangle" w="lg" len="lg"/>
+          </a:ln>
+        </p:spPr>
+      </p:cxnSp>
+      <p:cxnSp>
+        <p:nvCxnSpPr>
+          <p:cNvPr id="11" name="Shape 76"/>
+          <p:cNvCxnSpPr/>
+          <p:nvPr/>
+        </p:nvCxnSpPr>
+        <p:spPr>
+          <a:xfrm>
+            <a:off x="3437164" y="3184799"/>
+            <a:ext cx="2212522" cy="0"/>
+          </a:xfrm>
+          <a:prstGeom prst="straightConnector1">
+            <a:avLst/>
+          </a:prstGeom>
+          <a:noFill/>
+          <a:ln w="76200" cap="flat">
+            <a:solidFill>
+              <a:srgbClr val="6FA8DC"/>
+            </a:solidFill>
+            <a:prstDash val="solid"/>
+            <a:round/>
+            <a:headEnd type="none" w="lg" len="lg"/>
+            <a:tailEnd type="triangle" w="lg" len="lg"/>
+          </a:ln>
+        </p:spPr>
+      </p:cxnSp>
+      <p:cxnSp>
+        <p:nvCxnSpPr>
+          <p:cNvPr id="12" name="Shape 77"/>
+          <p:cNvCxnSpPr/>
+          <p:nvPr/>
+        </p:nvCxnSpPr>
+        <p:spPr>
+          <a:xfrm>
+            <a:off x="3437164" y="4210725"/>
+            <a:ext cx="2212522" cy="0"/>
+          </a:xfrm>
+          <a:prstGeom prst="straightConnector1">
+            <a:avLst/>
+          </a:prstGeom>
+          <a:noFill/>
+          <a:ln w="76200" cap="flat">
+            <a:solidFill>
+              <a:srgbClr val="6FA8DC"/>
+            </a:solidFill>
+            <a:prstDash val="solid"/>
+            <a:round/>
+            <a:headEnd type="none" w="lg" len="lg"/>
+            <a:tailEnd type="triangle" w="lg" len="lg"/>
+          </a:ln>
+        </p:spPr>
+      </p:cxnSp>
+    </p:spTree>
+    <p:extLst>
+      <p:ext uri="{BB962C8B-B14F-4D97-AF65-F5344CB8AC3E}">
+        <p14:creationId xmlns:p14="http://schemas.microsoft.com/office/powerpoint/2010/main" val="384709911"/>
+      </p:ext>
+    </p:extLst>
+  </p:cSld>
+  <p:clrMapOvr>
+    <a:masterClrMapping/>
+  </p:clrMapOvr>
+</p:sld>
+</file>
+
+<file path=ppt/slides/slide9.xml><?xml version="1.0" encoding="utf-8"?>
 <p:sld xmlns:a="http://schemas.openxmlformats.org/drawingml/2006/main" xmlns:r="http://schemas.openxmlformats.org/officeDocument/2006/relationships" xmlns:p="http://schemas.openxmlformats.org/presentationml/2006/main">
   <p:cSld>
     <p:spTree>
@@ -10337,9 +14259,14 @@
               <a:buNone/>
             </a:pPr>
             <a:r>
-              <a:rPr lang="nl"/>
-              <a:t>Scope [R]</a:t>
-            </a:r>
+              <a:rPr lang="nl" dirty="0"/>
+              <a:t>Scope </a:t>
+            </a:r>
+            <a:r>
+              <a:rPr lang="nl" dirty="0" smtClean="0"/>
+              <a:t>[Son]</a:t>
+            </a:r>
+            <a:endParaRPr lang="nl" dirty="0"/>
           </a:p>
         </p:txBody>
       </p:sp>
@@ -10735,580 +14662,6 @@
                 <a:sym typeface="Calibri"/>
               </a:rPr>
               <a:t>(als bruggetje naar volgende sheet)</a:t>
-            </a:r>
-          </a:p>
-        </p:txBody>
-      </p:sp>
-    </p:spTree>
-  </p:cSld>
-  <p:clrMapOvr>
-    <a:masterClrMapping/>
-  </p:clrMapOvr>
-  <p:transition spd="slow">
-    <p:cut/>
-  </p:transition>
-</p:sld>
-</file>
-
-<file path=ppt/slides/slide8.xml><?xml version="1.0" encoding="utf-8"?>
-<p:sld xmlns:a="http://schemas.openxmlformats.org/drawingml/2006/main" xmlns:r="http://schemas.openxmlformats.org/officeDocument/2006/relationships" xmlns:p="http://schemas.openxmlformats.org/presentationml/2006/main">
-  <p:cSld>
-    <p:spTree>
-      <p:nvGrpSpPr>
-        <p:cNvPr id="1" name="Shape 70"/>
-        <p:cNvGrpSpPr/>
-        <p:nvPr/>
-      </p:nvGrpSpPr>
-      <p:grpSpPr>
-        <a:xfrm>
-          <a:off x="0" y="0"/>
-          <a:ext cx="0" cy="0"/>
-          <a:chOff x="0" y="0"/>
-          <a:chExt cx="0" cy="0"/>
-        </a:xfrm>
-      </p:grpSpPr>
-      <p:sp>
-        <p:nvSpPr>
-          <p:cNvPr id="71" name="Shape 71"/>
-          <p:cNvSpPr txBox="1">
-            <a:spLocks noGrp="1"/>
-          </p:cNvSpPr>
-          <p:nvPr>
-            <p:ph type="title"/>
-          </p:nvPr>
-        </p:nvSpPr>
-        <p:spPr>
-          <a:xfrm>
-            <a:off x="457200" y="205977"/>
-            <a:ext cx="8229600" cy="1141499"/>
-          </a:xfrm>
-          <a:prstGeom prst="rect">
-            <a:avLst/>
-          </a:prstGeom>
-        </p:spPr>
-        <p:txBody>
-          <a:bodyPr lIns="91425" tIns="91425" rIns="91425" bIns="91425" anchor="b" anchorCtr="0">
-            <a:noAutofit/>
-          </a:bodyPr>
-          <a:lstStyle/>
-          <a:p>
-            <a:pPr>
-              <a:spcBef>
-                <a:spcPts val="0"/>
-              </a:spcBef>
-              <a:buNone/>
-            </a:pPr>
-            <a:r>
-              <a:rPr lang="nl"/>
-              <a:t>Controller [R]</a:t>
-            </a:r>
-          </a:p>
-        </p:txBody>
-      </p:sp>
-      <p:sp>
-        <p:nvSpPr>
-          <p:cNvPr id="72" name="Shape 72"/>
-          <p:cNvSpPr txBox="1">
-            <a:spLocks noGrp="1"/>
-          </p:cNvSpPr>
-          <p:nvPr>
-            <p:ph type="body" idx="1"/>
-          </p:nvPr>
-        </p:nvSpPr>
-        <p:spPr>
-          <a:xfrm>
-            <a:off x="457200" y="1460499"/>
-            <a:ext cx="8229600" cy="3465299"/>
-          </a:xfrm>
-          <a:prstGeom prst="rect">
-            <a:avLst/>
-          </a:prstGeom>
-        </p:spPr>
-        <p:txBody>
-          <a:bodyPr lIns="91425" tIns="91425" rIns="91425" bIns="91425" anchor="t" anchorCtr="0">
-            <a:noAutofit/>
-          </a:bodyPr>
-          <a:lstStyle/>
-          <a:p>
-            <a:pPr lvl="0" rtl="0">
-              <a:spcBef>
-                <a:spcPts val="0"/>
-              </a:spcBef>
-              <a:buClr>
-                <a:schemeClr val="dk1"/>
-              </a:buClr>
-              <a:buSzPct val="91666"/>
-              <a:buFont typeface="Arial"/>
-              <a:buNone/>
-            </a:pPr>
-            <a:r>
-              <a:rPr lang="nl" sz="1200">
-                <a:solidFill>
-                  <a:schemeClr val="dk1"/>
-                </a:solidFill>
-                <a:latin typeface="Calibri"/>
-                <a:ea typeface="Calibri"/>
-                <a:cs typeface="Calibri"/>
-                <a:sym typeface="Calibri"/>
-              </a:rPr>
-              <a:t>Controller is a JavaScript constructor function that is used to augment the Angular Scope</a:t>
-            </a:r>
-          </a:p>
-          <a:p>
-            <a:pPr lvl="0" rtl="0">
-              <a:spcBef>
-                <a:spcPts val="0"/>
-              </a:spcBef>
-              <a:buClr>
-                <a:schemeClr val="dk1"/>
-              </a:buClr>
-              <a:buFont typeface="Arial"/>
-              <a:buNone/>
-            </a:pPr>
-            <a:endParaRPr sz="1200">
-              <a:solidFill>
-                <a:schemeClr val="dk1"/>
-              </a:solidFill>
-              <a:latin typeface="Calibri"/>
-              <a:ea typeface="Calibri"/>
-              <a:cs typeface="Calibri"/>
-              <a:sym typeface="Calibri"/>
-            </a:endParaRPr>
-          </a:p>
-          <a:p>
-            <a:pPr lvl="0" rtl="0">
-              <a:spcBef>
-                <a:spcPts val="0"/>
-              </a:spcBef>
-              <a:buClr>
-                <a:schemeClr val="dk1"/>
-              </a:buClr>
-              <a:buSzPct val="91666"/>
-              <a:buFont typeface="Arial"/>
-              <a:buNone/>
-            </a:pPr>
-            <a:r>
-              <a:rPr lang="nl" sz="1200">
-                <a:solidFill>
-                  <a:schemeClr val="dk1"/>
-                </a:solidFill>
-                <a:latin typeface="Calibri"/>
-                <a:ea typeface="Calibri"/>
-                <a:cs typeface="Calibri"/>
-                <a:sym typeface="Calibri"/>
-              </a:rPr>
-              <a:t>When to use:</a:t>
-            </a:r>
-          </a:p>
-          <a:p>
-            <a:pPr lvl="0" rtl="0">
-              <a:spcBef>
-                <a:spcPts val="0"/>
-              </a:spcBef>
-              <a:buClr>
-                <a:schemeClr val="dk1"/>
-              </a:buClr>
-              <a:buSzPct val="91666"/>
-              <a:buFont typeface="Arial"/>
-              <a:buNone/>
-            </a:pPr>
-            <a:r>
-              <a:rPr lang="nl" sz="1200">
-                <a:solidFill>
-                  <a:schemeClr val="dk1"/>
-                </a:solidFill>
-                <a:latin typeface="Calibri"/>
-                <a:ea typeface="Calibri"/>
-                <a:cs typeface="Calibri"/>
-                <a:sym typeface="Calibri"/>
-              </a:rPr>
-              <a:t>Set up the initial state of the $scope object.</a:t>
-            </a:r>
-          </a:p>
-          <a:p>
-            <a:pPr lvl="0">
-              <a:spcBef>
-                <a:spcPts val="0"/>
-              </a:spcBef>
-              <a:buNone/>
-            </a:pPr>
-            <a:r>
-              <a:rPr lang="nl" sz="1200">
-                <a:solidFill>
-                  <a:schemeClr val="dk1"/>
-                </a:solidFill>
-                <a:latin typeface="Calibri"/>
-                <a:ea typeface="Calibri"/>
-                <a:cs typeface="Calibri"/>
-                <a:sym typeface="Calibri"/>
-              </a:rPr>
-              <a:t>Add behavior to the $scope object.</a:t>
-            </a:r>
-          </a:p>
-        </p:txBody>
-      </p:sp>
-    </p:spTree>
-  </p:cSld>
-  <p:clrMapOvr>
-    <a:masterClrMapping/>
-  </p:clrMapOvr>
-  <p:transition spd="slow">
-    <p:cut/>
-  </p:transition>
-</p:sld>
-</file>
-
-<file path=ppt/slides/slide9.xml><?xml version="1.0" encoding="utf-8"?>
-<p:sld xmlns:a="http://schemas.openxmlformats.org/drawingml/2006/main" xmlns:r="http://schemas.openxmlformats.org/officeDocument/2006/relationships" xmlns:p="http://schemas.openxmlformats.org/presentationml/2006/main">
-  <p:cSld>
-    <p:spTree>
-      <p:nvGrpSpPr>
-        <p:cNvPr id="1" name="Shape 76"/>
-        <p:cNvGrpSpPr/>
-        <p:nvPr/>
-      </p:nvGrpSpPr>
-      <p:grpSpPr>
-        <a:xfrm>
-          <a:off x="0" y="0"/>
-          <a:ext cx="0" cy="0"/>
-          <a:chOff x="0" y="0"/>
-          <a:chExt cx="0" cy="0"/>
-        </a:xfrm>
-      </p:grpSpPr>
-      <p:sp>
-        <p:nvSpPr>
-          <p:cNvPr id="77" name="Shape 77"/>
-          <p:cNvSpPr txBox="1">
-            <a:spLocks noGrp="1"/>
-          </p:cNvSpPr>
-          <p:nvPr>
-            <p:ph type="title"/>
-          </p:nvPr>
-        </p:nvSpPr>
-        <p:spPr>
-          <a:xfrm>
-            <a:off x="457200" y="205977"/>
-            <a:ext cx="8229600" cy="1141499"/>
-          </a:xfrm>
-          <a:prstGeom prst="rect">
-            <a:avLst/>
-          </a:prstGeom>
-        </p:spPr>
-        <p:txBody>
-          <a:bodyPr lIns="91425" tIns="91425" rIns="91425" bIns="91425" anchor="b" anchorCtr="0">
-            <a:noAutofit/>
-          </a:bodyPr>
-          <a:lstStyle/>
-          <a:p>
-            <a:pPr lvl="0" rtl="0">
-              <a:spcBef>
-                <a:spcPts val="0"/>
-              </a:spcBef>
-              <a:buNone/>
-            </a:pPr>
-            <a:r>
-              <a:rPr lang="nl"/>
-              <a:t>Controller [R]</a:t>
-            </a:r>
-          </a:p>
-        </p:txBody>
-      </p:sp>
-      <p:sp>
-        <p:nvSpPr>
-          <p:cNvPr id="78" name="Shape 78"/>
-          <p:cNvSpPr txBox="1">
-            <a:spLocks noGrp="1"/>
-          </p:cNvSpPr>
-          <p:nvPr>
-            <p:ph type="body" idx="1"/>
-          </p:nvPr>
-        </p:nvSpPr>
-        <p:spPr>
-          <a:xfrm>
-            <a:off x="457200" y="1460499"/>
-            <a:ext cx="8229600" cy="3465299"/>
-          </a:xfrm>
-          <a:prstGeom prst="rect">
-            <a:avLst/>
-          </a:prstGeom>
-        </p:spPr>
-        <p:txBody>
-          <a:bodyPr lIns="91425" tIns="91425" rIns="91425" bIns="91425" anchor="t" anchorCtr="0">
-            <a:noAutofit/>
-          </a:bodyPr>
-          <a:lstStyle/>
-          <a:p>
-            <a:pPr lvl="0" rtl="0">
-              <a:spcBef>
-                <a:spcPts val="0"/>
-              </a:spcBef>
-              <a:buNone/>
-            </a:pPr>
-            <a:r>
-              <a:rPr lang="nl" sz="1000" i="1">
-                <a:solidFill>
-                  <a:schemeClr val="dk1"/>
-                </a:solidFill>
-                <a:latin typeface="Calibri"/>
-                <a:ea typeface="Calibri"/>
-                <a:cs typeface="Calibri"/>
-                <a:sym typeface="Calibri"/>
-              </a:rPr>
-              <a:t>Minimal example</a:t>
-            </a:r>
-          </a:p>
-          <a:p>
-            <a:pPr lvl="0" rtl="0">
-              <a:spcBef>
-                <a:spcPts val="0"/>
-              </a:spcBef>
-              <a:buNone/>
-            </a:pPr>
-            <a:endParaRPr sz="1000" i="1">
-              <a:solidFill>
-                <a:schemeClr val="dk1"/>
-              </a:solidFill>
-              <a:latin typeface="Calibri"/>
-              <a:ea typeface="Calibri"/>
-              <a:cs typeface="Calibri"/>
-              <a:sym typeface="Calibri"/>
-            </a:endParaRPr>
-          </a:p>
-          <a:p>
-            <a:pPr lvl="0" rtl="0">
-              <a:spcBef>
-                <a:spcPts val="0"/>
-              </a:spcBef>
-              <a:buNone/>
-            </a:pPr>
-            <a:r>
-              <a:rPr lang="nl" sz="1000" i="1">
-                <a:solidFill>
-                  <a:schemeClr val="dk1"/>
-                </a:solidFill>
-                <a:latin typeface="Calibri"/>
-                <a:ea typeface="Calibri"/>
-                <a:cs typeface="Calibri"/>
-                <a:sym typeface="Calibri"/>
-              </a:rPr>
-              <a:t>=&gt; index.html</a:t>
-            </a:r>
-          </a:p>
-          <a:p>
-            <a:pPr lvl="0" rtl="0">
-              <a:spcBef>
-                <a:spcPts val="0"/>
-              </a:spcBef>
-              <a:buNone/>
-            </a:pPr>
-            <a:endParaRPr sz="1000" i="1">
-              <a:solidFill>
-                <a:schemeClr val="dk1"/>
-              </a:solidFill>
-              <a:latin typeface="Calibri"/>
-              <a:ea typeface="Calibri"/>
-              <a:cs typeface="Calibri"/>
-              <a:sym typeface="Calibri"/>
-            </a:endParaRPr>
-          </a:p>
-          <a:p>
-            <a:pPr lvl="0" rtl="0">
-              <a:spcBef>
-                <a:spcPts val="0"/>
-              </a:spcBef>
-              <a:buNone/>
-            </a:pPr>
-            <a:r>
-              <a:rPr lang="nl" sz="1000" i="1">
-                <a:solidFill>
-                  <a:schemeClr val="dk1"/>
-                </a:solidFill>
-                <a:latin typeface="Calibri"/>
-                <a:ea typeface="Calibri"/>
-                <a:cs typeface="Calibri"/>
-                <a:sym typeface="Calibri"/>
-              </a:rPr>
-              <a:t>&lt;html ng-app&gt;</a:t>
-            </a:r>
-          </a:p>
-          <a:p>
-            <a:pPr lvl="0" rtl="0">
-              <a:spcBef>
-                <a:spcPts val="0"/>
-              </a:spcBef>
-              <a:buNone/>
-            </a:pPr>
-            <a:r>
-              <a:rPr lang="nl" sz="1000" i="1">
-                <a:solidFill>
-                  <a:schemeClr val="dk1"/>
-                </a:solidFill>
-                <a:latin typeface="Calibri"/>
-                <a:ea typeface="Calibri"/>
-                <a:cs typeface="Calibri"/>
-                <a:sym typeface="Calibri"/>
-              </a:rPr>
-              <a:t>&lt;head&gt;</a:t>
-            </a:r>
-          </a:p>
-          <a:p>
-            <a:pPr lvl="0" rtl="0">
-              <a:spcBef>
-                <a:spcPts val="0"/>
-              </a:spcBef>
-              <a:buNone/>
-            </a:pPr>
-            <a:r>
-              <a:rPr lang="nl" sz="1000" i="1">
-                <a:solidFill>
-                  <a:schemeClr val="dk1"/>
-                </a:solidFill>
-                <a:latin typeface="Calibri"/>
-                <a:ea typeface="Calibri"/>
-                <a:cs typeface="Calibri"/>
-                <a:sym typeface="Calibri"/>
-              </a:rPr>
-              <a:t>&lt;script src="angular.js"&gt;&lt;/script&gt;</a:t>
-            </a:r>
-          </a:p>
-          <a:p>
-            <a:pPr lvl="0" rtl="0">
-              <a:spcBef>
-                <a:spcPts val="0"/>
-              </a:spcBef>
-              <a:buNone/>
-            </a:pPr>
-            <a:r>
-              <a:rPr lang="nl" sz="1000" i="1">
-                <a:solidFill>
-                  <a:schemeClr val="dk1"/>
-                </a:solidFill>
-                <a:latin typeface="Calibri"/>
-                <a:ea typeface="Calibri"/>
-                <a:cs typeface="Calibri"/>
-                <a:sym typeface="Calibri"/>
-              </a:rPr>
-              <a:t>&lt;script src="controllers.js"&gt;&lt;/script&gt;</a:t>
-            </a:r>
-          </a:p>
-          <a:p>
-            <a:pPr lvl="0" rtl="0">
-              <a:spcBef>
-                <a:spcPts val="0"/>
-              </a:spcBef>
-              <a:buNone/>
-            </a:pPr>
-            <a:r>
-              <a:rPr lang="nl" sz="1000" i="1">
-                <a:solidFill>
-                  <a:schemeClr val="dk1"/>
-                </a:solidFill>
-                <a:latin typeface="Calibri"/>
-                <a:ea typeface="Calibri"/>
-                <a:cs typeface="Calibri"/>
-                <a:sym typeface="Calibri"/>
-              </a:rPr>
-              <a:t>&lt;/head&gt;</a:t>
-            </a:r>
-          </a:p>
-          <a:p>
-            <a:pPr lvl="0" rtl="0">
-              <a:spcBef>
-                <a:spcPts val="0"/>
-              </a:spcBef>
-              <a:buNone/>
-            </a:pPr>
-            <a:r>
-              <a:rPr lang="nl" sz="1000" i="1">
-                <a:solidFill>
-                  <a:schemeClr val="dk1"/>
-                </a:solidFill>
-                <a:latin typeface="Calibri"/>
-                <a:ea typeface="Calibri"/>
-                <a:cs typeface="Calibri"/>
-                <a:sym typeface="Calibri"/>
-              </a:rPr>
-              <a:t>&lt;body&gt;</a:t>
-            </a:r>
-          </a:p>
-          <a:p>
-            <a:pPr lvl="0" rtl="0">
-              <a:spcBef>
-                <a:spcPts val="0"/>
-              </a:spcBef>
-              <a:buNone/>
-            </a:pPr>
-            <a:r>
-              <a:rPr lang="nl" sz="1000" i="1">
-                <a:solidFill>
-                  <a:schemeClr val="dk1"/>
-                </a:solidFill>
-                <a:latin typeface="Calibri"/>
-                <a:ea typeface="Calibri"/>
-                <a:cs typeface="Calibri"/>
-                <a:sym typeface="Calibri"/>
-              </a:rPr>
-              <a:t>&lt;div ng-controller='HelloController'&gt;</a:t>
-            </a:r>
-          </a:p>
-          <a:p>
-            <a:pPr lvl="0" rtl="0">
-              <a:spcBef>
-                <a:spcPts val="0"/>
-              </a:spcBef>
-              <a:buNone/>
-            </a:pPr>
-            <a:r>
-              <a:rPr lang="nl" sz="1000" i="1">
-                <a:solidFill>
-                  <a:schemeClr val="dk1"/>
-                </a:solidFill>
-                <a:latin typeface="Calibri"/>
-                <a:ea typeface="Calibri"/>
-                <a:cs typeface="Calibri"/>
-                <a:sym typeface="Calibri"/>
-              </a:rPr>
-              <a:t>&lt;p&gt;{{greeting.text}} World&lt;/p&gt; &lt;/div&gt;</a:t>
-            </a:r>
-          </a:p>
-          <a:p>
-            <a:pPr lvl="0" rtl="0">
-              <a:spcBef>
-                <a:spcPts val="0"/>
-              </a:spcBef>
-              <a:buNone/>
-            </a:pPr>
-            <a:r>
-              <a:rPr lang="nl" sz="1000" i="1">
-                <a:solidFill>
-                  <a:schemeClr val="dk1"/>
-                </a:solidFill>
-                <a:latin typeface="Calibri"/>
-                <a:ea typeface="Calibri"/>
-                <a:cs typeface="Calibri"/>
-                <a:sym typeface="Calibri"/>
-              </a:rPr>
-              <a:t>&lt;/body&gt;</a:t>
-            </a:r>
-          </a:p>
-          <a:p>
-            <a:pPr lvl="0" rtl="0">
-              <a:spcBef>
-                <a:spcPts val="0"/>
-              </a:spcBef>
-              <a:buNone/>
-            </a:pPr>
-            <a:r>
-              <a:rPr lang="nl" sz="1000" i="1">
-                <a:solidFill>
-                  <a:schemeClr val="dk1"/>
-                </a:solidFill>
-                <a:latin typeface="Calibri"/>
-                <a:ea typeface="Calibri"/>
-                <a:cs typeface="Calibri"/>
-                <a:sym typeface="Calibri"/>
-              </a:rPr>
-              <a:t>&lt;/html&gt;</a:t>
             </a:r>
           </a:p>
         </p:txBody>
